--- a/中間発表会(尹鴻濤).pptx
+++ b/中間発表会(尹鴻濤).pptx
@@ -17,17 +17,17 @@
     <p:sldId id="264" r:id="rId8"/>
     <p:sldId id="268" r:id="rId9"/>
     <p:sldId id="265" r:id="rId10"/>
-    <p:sldId id="267" r:id="rId11"/>
-    <p:sldId id="269" r:id="rId12"/>
-    <p:sldId id="260" r:id="rId13"/>
-    <p:sldId id="283" r:id="rId14"/>
-    <p:sldId id="270" r:id="rId15"/>
-    <p:sldId id="261" r:id="rId16"/>
-    <p:sldId id="284" r:id="rId17"/>
+    <p:sldId id="269" r:id="rId11"/>
+    <p:sldId id="260" r:id="rId12"/>
+    <p:sldId id="283" r:id="rId13"/>
+    <p:sldId id="270" r:id="rId14"/>
+    <p:sldId id="261" r:id="rId15"/>
+    <p:sldId id="284" r:id="rId16"/>
+    <p:sldId id="280" r:id="rId17"/>
     <p:sldId id="262" r:id="rId18"/>
     <p:sldId id="277" r:id="rId19"/>
     <p:sldId id="278" r:id="rId20"/>
-    <p:sldId id="280" r:id="rId21"/>
+    <p:sldId id="285" r:id="rId21"/>
   </p:sldIdLst>
   <p:sldSz cx="9144000" cy="5143500" type="screen16x9"/>
   <p:notesSz cx="6858000" cy="9144000"/>
@@ -740,7 +740,7 @@
           <a:p>
             <a:fld id="{B4185DA2-FC78-4D0D-B68A-B974D45CC8E4}" type="slidenum">
               <a:rPr kumimoji="1" lang="ja-JP" altLang="en-US" smtClean="0"/>
-              <a:t>12</a:t>
+              <a:t>11</a:t>
             </a:fld>
             <a:endParaRPr kumimoji="1" lang="ja-JP" altLang="en-US"/>
           </a:p>
@@ -1005,31 +1005,7 @@
                 <a:ea typeface="+mn-ea"/>
                 <a:cs typeface="+mn-cs"/>
               </a:rPr>
-              <a:t>を見ています。これは秋葉原に撮った写真です。秋葉原はアニメの天国だと</a:t>
-            </a:r>
-            <a:r>
-              <a:rPr lang="ja-JP" altLang="en-US" sz="1200" b="0" i="0" kern="1200" dirty="0" smtClean="0">
-                <a:solidFill>
-                  <a:schemeClr val="tx1"/>
-                </a:solidFill>
-                <a:effectLst/>
-                <a:latin typeface="+mn-lt"/>
-                <a:ea typeface="+mn-ea"/>
-                <a:cs typeface="+mn-cs"/>
-              </a:rPr>
-              <a:t>話があります。</a:t>
-            </a:r>
-            <a:r>
-              <a:rPr lang="ja-JP" altLang="en-US" sz="1200" b="0" i="0" kern="1200" dirty="0" smtClean="0">
-                <a:solidFill>
-                  <a:schemeClr val="tx1"/>
-                </a:solidFill>
-                <a:effectLst/>
-                <a:latin typeface="+mn-lt"/>
-                <a:ea typeface="+mn-ea"/>
-                <a:cs typeface="+mn-cs"/>
-              </a:rPr>
-              <a:t>この車は、年代感を感じます。それから東京タワーを見て、日本の建物がとても立派だと感じました。最後のは、寮に近くの公園です　</a:t>
+              <a:t>を見ています。これは秋葉原に撮った写真です。秋葉原はアニメの天国だと話があります。この車は、年代感を感じます。それから東京タワーを見て、日本の建物がとても立派だと感じました。最後のは、寮に近くの公園です　</a:t>
             </a:r>
             <a:endParaRPr kumimoji="1" lang="ja-JP" altLang="en-US" dirty="0"/>
           </a:p>
@@ -1052,7 +1028,7 @@
           <a:p>
             <a:fld id="{9A9867E3-9415-4359-B0FA-31F481C40E63}" type="slidenum">
               <a:rPr lang="zh-CN" altLang="en-US" smtClean="0"/>
-              <a:t>13</a:t>
+              <a:t>12</a:t>
             </a:fld>
             <a:endParaRPr lang="zh-CN" altLang="en-US"/>
           </a:p>
@@ -1233,7 +1209,7 @@
           <a:p>
             <a:fld id="{B4185DA2-FC78-4D0D-B68A-B974D45CC8E4}" type="slidenum">
               <a:rPr kumimoji="1" lang="ja-JP" altLang="en-US" smtClean="0"/>
-              <a:t>14</a:t>
+              <a:t>13</a:t>
             </a:fld>
             <a:endParaRPr kumimoji="1" lang="ja-JP" altLang="en-US"/>
           </a:p>
@@ -1357,7 +1333,7 @@
           <a:p>
             <a:fld id="{B4185DA2-FC78-4D0D-B68A-B974D45CC8E4}" type="slidenum">
               <a:rPr kumimoji="1" lang="ja-JP" altLang="en-US" smtClean="0"/>
-              <a:t>15</a:t>
+              <a:t>14</a:t>
             </a:fld>
             <a:endParaRPr kumimoji="1" lang="ja-JP" altLang="en-US"/>
           </a:p>
@@ -1537,7 +1513,7 @@
           <a:p>
             <a:fld id="{9A9867E3-9415-4359-B0FA-31F481C40E63}" type="slidenum">
               <a:rPr lang="zh-CN" altLang="en-US" smtClean="0"/>
-              <a:t>16</a:t>
+              <a:t>15</a:t>
             </a:fld>
             <a:endParaRPr lang="zh-CN" altLang="en-US"/>
           </a:p>
@@ -1602,65 +1578,9 @@
           <a:p>
             <a:r>
               <a:rPr kumimoji="1" lang="ja-JP" altLang="en-US" dirty="0" smtClean="0"/>
-              <a:t>最後の部分は私が日本に来て見た一番面白いドラマをご紹介したいと思います恩義</a:t>
-            </a:r>
-            <a:r>
-              <a:rPr kumimoji="1" lang="en-US" altLang="ja-JP" dirty="0" smtClean="0"/>
-              <a:t>(</a:t>
-            </a:r>
-            <a:r>
-              <a:rPr kumimoji="1" lang="ja-JP" altLang="en-US" dirty="0" err="1" smtClean="0"/>
-              <a:t>おんぎ</a:t>
-            </a:r>
-            <a:r>
-              <a:rPr kumimoji="1" lang="en-US" altLang="ja-JP" dirty="0" smtClean="0"/>
-              <a:t>)</a:t>
-            </a:r>
-            <a:r>
-              <a:rPr kumimoji="1" lang="ja-JP" altLang="en-US" dirty="0" smtClean="0"/>
-              <a:t>を忘れ私欲</a:t>
-            </a:r>
-            <a:r>
-              <a:rPr kumimoji="1" lang="en-US" altLang="ja-JP" dirty="0" smtClean="0"/>
-              <a:t>(</a:t>
-            </a:r>
-            <a:r>
-              <a:rPr kumimoji="1" lang="ja-JP" altLang="en-US" dirty="0" smtClean="0"/>
-              <a:t>しよく</a:t>
-            </a:r>
-            <a:r>
-              <a:rPr kumimoji="1" lang="en-US" altLang="ja-JP" dirty="0" smtClean="0"/>
-              <a:t>)</a:t>
-            </a:r>
-            <a:r>
-              <a:rPr kumimoji="1" lang="ja-JP" altLang="en-US" dirty="0" smtClean="0"/>
-              <a:t>を貪り</a:t>
-            </a:r>
-            <a:r>
-              <a:rPr kumimoji="1" lang="en-US" altLang="ja-JP" dirty="0" smtClean="0"/>
-              <a:t>(</a:t>
-            </a:r>
-            <a:r>
-              <a:rPr kumimoji="1" lang="ja-JP" altLang="en-US" dirty="0" smtClean="0"/>
-              <a:t>むさぼり</a:t>
-            </a:r>
-            <a:r>
-              <a:rPr kumimoji="1" lang="en-US" altLang="ja-JP" dirty="0" smtClean="0"/>
-              <a:t>)</a:t>
-            </a:r>
-            <a:r>
-              <a:rPr kumimoji="1" lang="ja-JP" altLang="en-US" dirty="0" smtClean="0"/>
-              <a:t>人と呼べるか</a:t>
-            </a:r>
-            <a:r>
-              <a:rPr kumimoji="1" lang="zh-CN" altLang="en-US" dirty="0" smtClean="0"/>
-              <a:t>。</a:t>
-            </a:r>
-            <a:r>
-              <a:rPr kumimoji="1" lang="ja-JP" altLang="en-US" dirty="0" smtClean="0"/>
-              <a:t>これは、戦国時代の武将の有名なことわざです。誰がこのことわざを言ったのか、皆さんは知っていますか？</a:t>
-            </a:r>
-            <a:endParaRPr kumimoji="1" lang="en-US" altLang="ja-JP" dirty="0" smtClean="0"/>
+              <a:t>最後に、私の報告を聞いてくれてありがとう。</a:t>
+            </a:r>
+            <a:endParaRPr kumimoji="1" lang="ja-JP" altLang="en-US" dirty="0"/>
           </a:p>
         </p:txBody>
       </p:sp>
@@ -1681,7 +1601,7 @@
           <a:p>
             <a:fld id="{B4185DA2-FC78-4D0D-B68A-B974D45CC8E4}" type="slidenum">
               <a:rPr kumimoji="1" lang="ja-JP" altLang="en-US" smtClean="0"/>
-              <a:t>17</a:t>
+              <a:t>16</a:t>
             </a:fld>
             <a:endParaRPr kumimoji="1" lang="ja-JP" altLang="en-US"/>
           </a:p>
@@ -1690,7 +1610,7 @@
     </p:spTree>
     <p:extLst>
       <p:ext uri="{BB962C8B-B14F-4D97-AF65-F5344CB8AC3E}">
-        <p14:creationId xmlns:p14="http://schemas.microsoft.com/office/powerpoint/2010/main" val="2260529065"/>
+        <p14:creationId xmlns:p14="http://schemas.microsoft.com/office/powerpoint/2010/main" val="1678832587"/>
       </p:ext>
     </p:extLst>
   </p:cSld>
@@ -1746,11 +1666,55 @@
           <a:p>
             <a:r>
               <a:rPr kumimoji="1" lang="ja-JP" altLang="en-US" dirty="0" smtClean="0"/>
-              <a:t>「日本一の武将</a:t>
+              <a:t>最後の部分は私が日本に来て見た一番面白いドラマをご紹介したいと思います恩義</a:t>
+            </a:r>
+            <a:r>
+              <a:rPr kumimoji="1" lang="en-US" altLang="ja-JP" dirty="0" smtClean="0"/>
+              <a:t>(</a:t>
+            </a:r>
+            <a:r>
+              <a:rPr kumimoji="1" lang="ja-JP" altLang="en-US" dirty="0" err="1" smtClean="0"/>
+              <a:t>おんぎ</a:t>
+            </a:r>
+            <a:r>
+              <a:rPr kumimoji="1" lang="en-US" altLang="ja-JP" dirty="0" smtClean="0"/>
+              <a:t>)</a:t>
             </a:r>
             <a:r>
               <a:rPr kumimoji="1" lang="ja-JP" altLang="en-US" dirty="0" smtClean="0"/>
-              <a:t>」真田幸村です</a:t>
+              <a:t>を忘れ私欲</a:t>
+            </a:r>
+            <a:r>
+              <a:rPr kumimoji="1" lang="en-US" altLang="ja-JP" dirty="0" smtClean="0"/>
+              <a:t>(</a:t>
+            </a:r>
+            <a:r>
+              <a:rPr kumimoji="1" lang="ja-JP" altLang="en-US" dirty="0" smtClean="0"/>
+              <a:t>しよく</a:t>
+            </a:r>
+            <a:r>
+              <a:rPr kumimoji="1" lang="en-US" altLang="ja-JP" dirty="0" smtClean="0"/>
+              <a:t>)</a:t>
+            </a:r>
+            <a:r>
+              <a:rPr kumimoji="1" lang="ja-JP" altLang="en-US" dirty="0" smtClean="0"/>
+              <a:t>を貪り</a:t>
+            </a:r>
+            <a:r>
+              <a:rPr kumimoji="1" lang="en-US" altLang="ja-JP" dirty="0" smtClean="0"/>
+              <a:t>(</a:t>
+            </a:r>
+            <a:r>
+              <a:rPr kumimoji="1" lang="ja-JP" altLang="en-US" dirty="0" smtClean="0"/>
+              <a:t>むさぼり</a:t>
+            </a:r>
+            <a:r>
+              <a:rPr kumimoji="1" lang="en-US" altLang="ja-JP" dirty="0" smtClean="0"/>
+              <a:t>)</a:t>
+            </a:r>
+            <a:r>
+              <a:rPr kumimoji="1" lang="ja-JP" altLang="en-US" dirty="0" smtClean="0"/>
+              <a:t>人と呼べるか</a:t>
             </a:r>
             <a:r>
               <a:rPr kumimoji="1" lang="zh-CN" altLang="en-US" dirty="0" smtClean="0"/>
@@ -1758,17 +1722,9 @@
             </a:r>
             <a:r>
               <a:rPr kumimoji="1" lang="ja-JP" altLang="en-US" dirty="0" smtClean="0"/>
-              <a:t>この赤は真田のものです</a:t>
-            </a:r>
-            <a:r>
-              <a:rPr kumimoji="1" lang="zh-CN" altLang="en-US" dirty="0" smtClean="0"/>
-              <a:t>。</a:t>
-            </a:r>
-            <a:r>
-              <a:rPr kumimoji="1" lang="ja-JP" altLang="en-US" dirty="0" smtClean="0"/>
-              <a:t>そのドラマを見たばかりですが、私はすでにこのドラマを好きになった。私はドラマを見ることで歴史を理解することができます。これは良いと思います。</a:t>
-            </a:r>
-            <a:endParaRPr kumimoji="1" lang="ja-JP" altLang="en-US" dirty="0"/>
+              <a:t>これは、戦国時代の武将の有名なことわざです。誰がこのことわざを言ったのか、皆さんは知っていますか？</a:t>
+            </a:r>
+            <a:endParaRPr kumimoji="1" lang="en-US" altLang="ja-JP" dirty="0" smtClean="0"/>
           </a:p>
         </p:txBody>
       </p:sp>
@@ -1789,7 +1745,7 @@
           <a:p>
             <a:fld id="{B4185DA2-FC78-4D0D-B68A-B974D45CC8E4}" type="slidenum">
               <a:rPr kumimoji="1" lang="ja-JP" altLang="en-US" smtClean="0"/>
-              <a:t>18</a:t>
+              <a:t>17</a:t>
             </a:fld>
             <a:endParaRPr kumimoji="1" lang="ja-JP" altLang="en-US"/>
           </a:p>
@@ -1798,7 +1754,7 @@
     </p:spTree>
     <p:extLst>
       <p:ext uri="{BB962C8B-B14F-4D97-AF65-F5344CB8AC3E}">
-        <p14:creationId xmlns:p14="http://schemas.microsoft.com/office/powerpoint/2010/main" val="927220384"/>
+        <p14:creationId xmlns:p14="http://schemas.microsoft.com/office/powerpoint/2010/main" val="2260529065"/>
       </p:ext>
     </p:extLst>
   </p:cSld>
@@ -1854,7 +1810,23 @@
           <a:p>
             <a:r>
               <a:rPr kumimoji="1" lang="ja-JP" altLang="en-US" dirty="0" smtClean="0"/>
-              <a:t>大阪城は私が行きたい場所の一つです、とても立派な建物です。来週は三連休です、そしておばあさんが住んでいるので、大阪で行くつもりです。</a:t>
+              <a:t>「日本一の武将」真田幸村です</a:t>
+            </a:r>
+            <a:r>
+              <a:rPr kumimoji="1" lang="zh-CN" altLang="en-US" dirty="0" smtClean="0"/>
+              <a:t>。</a:t>
+            </a:r>
+            <a:r>
+              <a:rPr kumimoji="1" lang="ja-JP" altLang="en-US" dirty="0" smtClean="0"/>
+              <a:t>この赤は真田のものです</a:t>
+            </a:r>
+            <a:r>
+              <a:rPr kumimoji="1" lang="zh-CN" altLang="en-US" dirty="0" smtClean="0"/>
+              <a:t>。</a:t>
+            </a:r>
+            <a:r>
+              <a:rPr kumimoji="1" lang="ja-JP" altLang="en-US" dirty="0" smtClean="0"/>
+              <a:t>そのドラマを見たばかりですが、私はすでにこのドラマを好きになった。私はドラマを見ることで歴史を理解することができます。これは良いと思います。</a:t>
             </a:r>
             <a:endParaRPr kumimoji="1" lang="ja-JP" altLang="en-US" dirty="0"/>
           </a:p>
@@ -1877,7 +1849,7 @@
           <a:p>
             <a:fld id="{B4185DA2-FC78-4D0D-B68A-B974D45CC8E4}" type="slidenum">
               <a:rPr kumimoji="1" lang="ja-JP" altLang="en-US" smtClean="0"/>
-              <a:t>19</a:t>
+              <a:t>18</a:t>
             </a:fld>
             <a:endParaRPr kumimoji="1" lang="ja-JP" altLang="en-US"/>
           </a:p>
@@ -1886,7 +1858,7 @@
     </p:spTree>
     <p:extLst>
       <p:ext uri="{BB962C8B-B14F-4D97-AF65-F5344CB8AC3E}">
-        <p14:creationId xmlns:p14="http://schemas.microsoft.com/office/powerpoint/2010/main" val="3995460709"/>
+        <p14:creationId xmlns:p14="http://schemas.microsoft.com/office/powerpoint/2010/main" val="927220384"/>
       </p:ext>
     </p:extLst>
   </p:cSld>
@@ -1942,6 +1914,94 @@
           <a:p>
             <a:r>
               <a:rPr kumimoji="1" lang="ja-JP" altLang="en-US" dirty="0" smtClean="0"/>
+              <a:t>大阪城は私が行きたい場所の一つです、とても立派な建物です。来週は三連休です、そしておばあさんが住んでいるので、大阪で行くつもりです。</a:t>
+            </a:r>
+            <a:endParaRPr kumimoji="1" lang="ja-JP" altLang="en-US" dirty="0"/>
+          </a:p>
+        </p:txBody>
+      </p:sp>
+      <p:sp>
+        <p:nvSpPr>
+          <p:cNvPr id="4" name="スライド番号プレースホルダー 3"/>
+          <p:cNvSpPr>
+            <a:spLocks noGrp="1"/>
+          </p:cNvSpPr>
+          <p:nvPr>
+            <p:ph type="sldNum" sz="quarter" idx="10"/>
+          </p:nvPr>
+        </p:nvSpPr>
+        <p:spPr/>
+        <p:txBody>
+          <a:bodyPr/>
+          <a:lstStyle/>
+          <a:p>
+            <a:fld id="{B4185DA2-FC78-4D0D-B68A-B974D45CC8E4}" type="slidenum">
+              <a:rPr kumimoji="1" lang="ja-JP" altLang="en-US" smtClean="0"/>
+              <a:t>19</a:t>
+            </a:fld>
+            <a:endParaRPr kumimoji="1" lang="ja-JP" altLang="en-US"/>
+          </a:p>
+        </p:txBody>
+      </p:sp>
+    </p:spTree>
+    <p:extLst>
+      <p:ext uri="{BB962C8B-B14F-4D97-AF65-F5344CB8AC3E}">
+        <p14:creationId xmlns:p14="http://schemas.microsoft.com/office/powerpoint/2010/main" val="3995460709"/>
+      </p:ext>
+    </p:extLst>
+  </p:cSld>
+  <p:clrMapOvr>
+    <a:masterClrMapping/>
+  </p:clrMapOvr>
+</p:notes>
+</file>
+
+<file path=ppt/notesSlides/notesSlide19.xml><?xml version="1.0" encoding="utf-8"?>
+<p:notes xmlns:a="http://schemas.openxmlformats.org/drawingml/2006/main" xmlns:r="http://schemas.openxmlformats.org/officeDocument/2006/relationships" xmlns:p="http://schemas.openxmlformats.org/presentationml/2006/main">
+  <p:cSld>
+    <p:spTree>
+      <p:nvGrpSpPr>
+        <p:cNvPr id="1" name=""/>
+        <p:cNvGrpSpPr/>
+        <p:nvPr/>
+      </p:nvGrpSpPr>
+      <p:grpSpPr>
+        <a:xfrm>
+          <a:off x="0" y="0"/>
+          <a:ext cx="0" cy="0"/>
+          <a:chOff x="0" y="0"/>
+          <a:chExt cx="0" cy="0"/>
+        </a:xfrm>
+      </p:grpSpPr>
+      <p:sp>
+        <p:nvSpPr>
+          <p:cNvPr id="2" name="スライド イメージ プレースホルダー 1"/>
+          <p:cNvSpPr>
+            <a:spLocks noGrp="1" noRot="1" noChangeAspect="1"/>
+          </p:cNvSpPr>
+          <p:nvPr>
+            <p:ph type="sldImg"/>
+          </p:nvPr>
+        </p:nvSpPr>
+        <p:spPr/>
+      </p:sp>
+      <p:sp>
+        <p:nvSpPr>
+          <p:cNvPr id="3" name="ノート プレースホルダー 2"/>
+          <p:cNvSpPr>
+            <a:spLocks noGrp="1"/>
+          </p:cNvSpPr>
+          <p:nvPr>
+            <p:ph type="body" idx="1"/>
+          </p:nvPr>
+        </p:nvSpPr>
+        <p:spPr/>
+        <p:txBody>
+          <a:bodyPr/>
+          <a:lstStyle/>
+          <a:p>
+            <a:r>
+              <a:rPr kumimoji="1" lang="ja-JP" altLang="en-US" dirty="0" smtClean="0"/>
               <a:t>最後に、私の報告を聞いてくれてありがとう。</a:t>
             </a:r>
             <a:endParaRPr kumimoji="1" lang="ja-JP" altLang="en-US" dirty="0"/>
@@ -1974,7 +2034,7 @@
     </p:spTree>
     <p:extLst>
       <p:ext uri="{BB962C8B-B14F-4D97-AF65-F5344CB8AC3E}">
-        <p14:creationId xmlns:p14="http://schemas.microsoft.com/office/powerpoint/2010/main" val="1678832587"/>
+        <p14:creationId xmlns:p14="http://schemas.microsoft.com/office/powerpoint/2010/main" val="678770675"/>
       </p:ext>
     </p:extLst>
   </p:cSld>
@@ -3062,11 +3122,7 @@
             </a:r>
             <a:r>
               <a:rPr kumimoji="1" lang="ja-JP" altLang="en-US" dirty="0" smtClean="0"/>
-              <a:t>この三カ国語の変換をしなければならない。</a:t>
-            </a:r>
-            <a:r>
-              <a:rPr kumimoji="1" lang="ja-JP" altLang="en-US" dirty="0" smtClean="0"/>
-              <a:t>最初は本当に難しいです</a:t>
+              <a:t>この三カ国語の変換をしなければならない。最初は本当に難しいです</a:t>
             </a:r>
             <a:r>
               <a:rPr kumimoji="1" lang="zh-CN" altLang="en-US" dirty="0" smtClean="0"/>
@@ -7898,6399 +7954,6 @@
           </p:txBody>
         </p:sp>
       </p:grpSp>
-      <p:cxnSp>
-        <p:nvCxnSpPr>
-          <p:cNvPr id="13" name="Straight Connector 32"/>
-          <p:cNvCxnSpPr/>
-          <p:nvPr/>
-        </p:nvCxnSpPr>
-        <p:spPr>
-          <a:xfrm flipV="1">
-            <a:off x="4572000" y="1265684"/>
-            <a:ext cx="0" cy="2324144"/>
-          </a:xfrm>
-          <a:prstGeom prst="line">
-            <a:avLst/>
-          </a:prstGeom>
-          <a:ln w="19050">
-            <a:solidFill>
-              <a:schemeClr val="bg1">
-                <a:lumMod val="75000"/>
-              </a:schemeClr>
-            </a:solidFill>
-            <a:prstDash val="sysDot"/>
-            <a:headEnd type="none"/>
-            <a:tailEnd type="none"/>
-          </a:ln>
-        </p:spPr>
-        <p:style>
-          <a:lnRef idx="1">
-            <a:schemeClr val="accent1"/>
-          </a:lnRef>
-          <a:fillRef idx="0">
-            <a:schemeClr val="accent1"/>
-          </a:fillRef>
-          <a:effectRef idx="0">
-            <a:schemeClr val="accent1"/>
-          </a:effectRef>
-          <a:fontRef idx="minor">
-            <a:schemeClr val="tx1"/>
-          </a:fontRef>
-        </p:style>
-      </p:cxnSp>
-      <p:grpSp>
-        <p:nvGrpSpPr>
-          <p:cNvPr id="14" name="Group 40"/>
-          <p:cNvGrpSpPr/>
-          <p:nvPr/>
-        </p:nvGrpSpPr>
-        <p:grpSpPr>
-          <a:xfrm>
-            <a:off x="760143" y="1189182"/>
-            <a:ext cx="3526972" cy="2400646"/>
-            <a:chOff x="4322543" y="1428799"/>
-            <a:chExt cx="4051519" cy="2757680"/>
-          </a:xfrm>
-        </p:grpSpPr>
-        <p:sp>
-          <p:nvSpPr>
-            <p:cNvPr id="15" name="Snip Single Corner Rectangle 27"/>
-            <p:cNvSpPr/>
-            <p:nvPr/>
-          </p:nvSpPr>
-          <p:spPr>
-            <a:xfrm>
-              <a:off x="4322543" y="1438589"/>
-              <a:ext cx="4051519" cy="2746157"/>
-            </a:xfrm>
-            <a:prstGeom prst="snip1Rect">
-              <a:avLst/>
-            </a:prstGeom>
-            <a:blipFill>
-              <a:blip r:embed="rId2" cstate="screen">
-                <a:extLst>
-                  <a:ext uri="{28A0092B-C50C-407E-A947-70E740481C1C}">
-                    <a14:useLocalDpi xmlns:a14="http://schemas.microsoft.com/office/drawing/2010/main"/>
-                  </a:ext>
-                </a:extLst>
-              </a:blip>
-              <a:srcRect/>
-              <a:stretch>
-                <a:fillRect/>
-              </a:stretch>
-            </a:blipFill>
-            <a:ln w="9525">
-              <a:solidFill>
-                <a:schemeClr val="bg1">
-                  <a:lumMod val="85000"/>
-                </a:schemeClr>
-              </a:solidFill>
-            </a:ln>
-          </p:spPr>
-          <p:style>
-            <a:lnRef idx="2">
-              <a:schemeClr val="accent1">
-                <a:shade val="50000"/>
-              </a:schemeClr>
-            </a:lnRef>
-            <a:fillRef idx="1">
-              <a:schemeClr val="accent1"/>
-            </a:fillRef>
-            <a:effectRef idx="0">
-              <a:schemeClr val="accent1"/>
-            </a:effectRef>
-            <a:fontRef idx="minor">
-              <a:schemeClr val="lt1"/>
-            </a:fontRef>
-          </p:style>
-          <p:txBody>
-            <a:bodyPr rtlCol="0" anchor="ctr"/>
-            <a:lstStyle/>
-            <a:p>
-              <a:pPr algn="ctr"/>
-              <a:endParaRPr lang="en-US" dirty="0">
-                <a:latin typeface="+mn-ea"/>
-              </a:endParaRPr>
-            </a:p>
-          </p:txBody>
-        </p:sp>
-        <p:sp>
-          <p:nvSpPr>
-            <p:cNvPr id="16" name="Right Triangle 31"/>
-            <p:cNvSpPr/>
-            <p:nvPr/>
-          </p:nvSpPr>
-          <p:spPr>
-            <a:xfrm rot="10800000">
-              <a:off x="8086026" y="1428799"/>
-              <a:ext cx="288035" cy="288035"/>
-            </a:xfrm>
-            <a:prstGeom prst="rtTriangle">
-              <a:avLst/>
-            </a:prstGeom>
-            <a:solidFill>
-              <a:schemeClr val="tx2"/>
-            </a:solidFill>
-            <a:ln>
-              <a:noFill/>
-            </a:ln>
-          </p:spPr>
-          <p:style>
-            <a:lnRef idx="2">
-              <a:schemeClr val="accent1">
-                <a:shade val="50000"/>
-              </a:schemeClr>
-            </a:lnRef>
-            <a:fillRef idx="1">
-              <a:schemeClr val="accent1"/>
-            </a:fillRef>
-            <a:effectRef idx="0">
-              <a:schemeClr val="accent1"/>
-            </a:effectRef>
-            <a:fontRef idx="minor">
-              <a:schemeClr val="lt1"/>
-            </a:fontRef>
-          </p:style>
-          <p:txBody>
-            <a:bodyPr rtlCol="0" anchor="ctr"/>
-            <a:lstStyle/>
-            <a:p>
-              <a:pPr algn="ctr"/>
-              <a:endParaRPr lang="en-US">
-                <a:latin typeface="+mn-ea"/>
-              </a:endParaRPr>
-            </a:p>
-          </p:txBody>
-        </p:sp>
-        <p:grpSp>
-          <p:nvGrpSpPr>
-            <p:cNvPr id="17" name="Group 36"/>
-            <p:cNvGrpSpPr/>
-            <p:nvPr/>
-          </p:nvGrpSpPr>
-          <p:grpSpPr>
-            <a:xfrm>
-              <a:off x="4322543" y="4138220"/>
-              <a:ext cx="4051518" cy="48259"/>
-              <a:chOff x="4322543" y="4131077"/>
-              <a:chExt cx="4051518" cy="48259"/>
-            </a:xfrm>
-          </p:grpSpPr>
-          <p:sp>
-            <p:nvSpPr>
-              <p:cNvPr id="18" name="Rectangle 39"/>
-              <p:cNvSpPr/>
-              <p:nvPr/>
-            </p:nvSpPr>
-            <p:spPr>
-              <a:xfrm>
-                <a:off x="4322543" y="4131077"/>
-                <a:ext cx="1363279" cy="48259"/>
-              </a:xfrm>
-              <a:prstGeom prst="rect">
-                <a:avLst/>
-              </a:prstGeom>
-              <a:solidFill>
-                <a:schemeClr val="tx2"/>
-              </a:solidFill>
-              <a:ln>
-                <a:noFill/>
-              </a:ln>
-            </p:spPr>
-            <p:style>
-              <a:lnRef idx="2">
-                <a:schemeClr val="accent1">
-                  <a:shade val="50000"/>
-                </a:schemeClr>
-              </a:lnRef>
-              <a:fillRef idx="1">
-                <a:schemeClr val="accent1"/>
-              </a:fillRef>
-              <a:effectRef idx="0">
-                <a:schemeClr val="accent1"/>
-              </a:effectRef>
-              <a:fontRef idx="minor">
-                <a:schemeClr val="lt1"/>
-              </a:fontRef>
-            </p:style>
-            <p:txBody>
-              <a:bodyPr rtlCol="0" anchor="ctr"/>
-              <a:lstStyle/>
-              <a:p>
-                <a:pPr algn="ctr"/>
-                <a:endParaRPr lang="en-US">
-                  <a:latin typeface="+mn-ea"/>
-                </a:endParaRPr>
-              </a:p>
-            </p:txBody>
-          </p:sp>
-          <p:sp>
-            <p:nvSpPr>
-              <p:cNvPr id="19" name="Rectangle 40"/>
-              <p:cNvSpPr/>
-              <p:nvPr/>
-            </p:nvSpPr>
-            <p:spPr>
-              <a:xfrm>
-                <a:off x="5685822" y="4131077"/>
-                <a:ext cx="1363279" cy="48259"/>
-              </a:xfrm>
-              <a:prstGeom prst="rect">
-                <a:avLst/>
-              </a:prstGeom>
-              <a:solidFill>
-                <a:schemeClr val="bg2"/>
-              </a:solidFill>
-              <a:ln>
-                <a:noFill/>
-              </a:ln>
-            </p:spPr>
-            <p:style>
-              <a:lnRef idx="2">
-                <a:schemeClr val="accent1">
-                  <a:shade val="50000"/>
-                </a:schemeClr>
-              </a:lnRef>
-              <a:fillRef idx="1">
-                <a:schemeClr val="accent1"/>
-              </a:fillRef>
-              <a:effectRef idx="0">
-                <a:schemeClr val="accent1"/>
-              </a:effectRef>
-              <a:fontRef idx="minor">
-                <a:schemeClr val="lt1"/>
-              </a:fontRef>
-            </p:style>
-            <p:txBody>
-              <a:bodyPr rtlCol="0" anchor="ctr"/>
-              <a:lstStyle/>
-              <a:p>
-                <a:pPr algn="ctr"/>
-                <a:endParaRPr lang="en-US" dirty="0">
-                  <a:latin typeface="+mn-ea"/>
-                </a:endParaRPr>
-              </a:p>
-            </p:txBody>
-          </p:sp>
-          <p:sp>
-            <p:nvSpPr>
-              <p:cNvPr id="20" name="Rectangle 41"/>
-              <p:cNvSpPr/>
-              <p:nvPr/>
-            </p:nvSpPr>
-            <p:spPr>
-              <a:xfrm>
-                <a:off x="7010782" y="4131077"/>
-                <a:ext cx="1363279" cy="48259"/>
-              </a:xfrm>
-              <a:prstGeom prst="rect">
-                <a:avLst/>
-              </a:prstGeom>
-              <a:solidFill>
-                <a:schemeClr val="accent3"/>
-              </a:solidFill>
-              <a:ln>
-                <a:noFill/>
-              </a:ln>
-            </p:spPr>
-            <p:style>
-              <a:lnRef idx="2">
-                <a:schemeClr val="accent1">
-                  <a:shade val="50000"/>
-                </a:schemeClr>
-              </a:lnRef>
-              <a:fillRef idx="1">
-                <a:schemeClr val="accent1"/>
-              </a:fillRef>
-              <a:effectRef idx="0">
-                <a:schemeClr val="accent1"/>
-              </a:effectRef>
-              <a:fontRef idx="minor">
-                <a:schemeClr val="lt1"/>
-              </a:fontRef>
-            </p:style>
-            <p:txBody>
-              <a:bodyPr rtlCol="0" anchor="ctr"/>
-              <a:lstStyle/>
-              <a:p>
-                <a:pPr algn="ctr"/>
-                <a:endParaRPr lang="en-US" dirty="0">
-                  <a:latin typeface="+mn-ea"/>
-                </a:endParaRPr>
-              </a:p>
-            </p:txBody>
-          </p:sp>
-        </p:grpSp>
-      </p:grpSp>
-      <p:grpSp>
-        <p:nvGrpSpPr>
-          <p:cNvPr id="21" name="Group 40"/>
-          <p:cNvGrpSpPr/>
-          <p:nvPr/>
-        </p:nvGrpSpPr>
-        <p:grpSpPr>
-          <a:xfrm>
-            <a:off x="4856885" y="1189182"/>
-            <a:ext cx="3526972" cy="2400646"/>
-            <a:chOff x="4322543" y="1428799"/>
-            <a:chExt cx="4051519" cy="2757680"/>
-          </a:xfrm>
-        </p:grpSpPr>
-        <p:sp>
-          <p:nvSpPr>
-            <p:cNvPr id="22" name="Snip Single Corner Rectangle 48"/>
-            <p:cNvSpPr/>
-            <p:nvPr/>
-          </p:nvSpPr>
-          <p:spPr>
-            <a:xfrm>
-              <a:off x="4322543" y="1438589"/>
-              <a:ext cx="4051519" cy="2746157"/>
-            </a:xfrm>
-            <a:prstGeom prst="snip1Rect">
-              <a:avLst/>
-            </a:prstGeom>
-            <a:blipFill>
-              <a:blip r:embed="rId3" cstate="screen">
-                <a:extLst>
-                  <a:ext uri="{28A0092B-C50C-407E-A947-70E740481C1C}">
-                    <a14:useLocalDpi xmlns:a14="http://schemas.microsoft.com/office/drawing/2010/main"/>
-                  </a:ext>
-                </a:extLst>
-              </a:blip>
-              <a:srcRect/>
-              <a:stretch>
-                <a:fillRect/>
-              </a:stretch>
-            </a:blipFill>
-            <a:ln w="9525">
-              <a:solidFill>
-                <a:schemeClr val="bg1">
-                  <a:lumMod val="85000"/>
-                </a:schemeClr>
-              </a:solidFill>
-            </a:ln>
-          </p:spPr>
-          <p:style>
-            <a:lnRef idx="2">
-              <a:schemeClr val="accent1">
-                <a:shade val="50000"/>
-              </a:schemeClr>
-            </a:lnRef>
-            <a:fillRef idx="1">
-              <a:schemeClr val="accent1"/>
-            </a:fillRef>
-            <a:effectRef idx="0">
-              <a:schemeClr val="accent1"/>
-            </a:effectRef>
-            <a:fontRef idx="minor">
-              <a:schemeClr val="lt1"/>
-            </a:fontRef>
-          </p:style>
-          <p:txBody>
-            <a:bodyPr rtlCol="0" anchor="ctr"/>
-            <a:lstStyle/>
-            <a:p>
-              <a:pPr algn="ctr"/>
-              <a:endParaRPr lang="en-US" dirty="0">
-                <a:latin typeface="+mn-ea"/>
-              </a:endParaRPr>
-            </a:p>
-          </p:txBody>
-        </p:sp>
-        <p:sp>
-          <p:nvSpPr>
-            <p:cNvPr id="23" name="Right Triangle 49"/>
-            <p:cNvSpPr/>
-            <p:nvPr/>
-          </p:nvSpPr>
-          <p:spPr>
-            <a:xfrm rot="10800000">
-              <a:off x="8086026" y="1428799"/>
-              <a:ext cx="288035" cy="288035"/>
-            </a:xfrm>
-            <a:prstGeom prst="rtTriangle">
-              <a:avLst/>
-            </a:prstGeom>
-            <a:solidFill>
-              <a:schemeClr val="tx2"/>
-            </a:solidFill>
-            <a:ln>
-              <a:noFill/>
-            </a:ln>
-          </p:spPr>
-          <p:style>
-            <a:lnRef idx="2">
-              <a:schemeClr val="accent1">
-                <a:shade val="50000"/>
-              </a:schemeClr>
-            </a:lnRef>
-            <a:fillRef idx="1">
-              <a:schemeClr val="accent1"/>
-            </a:fillRef>
-            <a:effectRef idx="0">
-              <a:schemeClr val="accent1"/>
-            </a:effectRef>
-            <a:fontRef idx="minor">
-              <a:schemeClr val="lt1"/>
-            </a:fontRef>
-          </p:style>
-          <p:txBody>
-            <a:bodyPr rtlCol="0" anchor="ctr"/>
-            <a:lstStyle/>
-            <a:p>
-              <a:pPr algn="ctr"/>
-              <a:endParaRPr lang="en-US">
-                <a:latin typeface="+mn-ea"/>
-              </a:endParaRPr>
-            </a:p>
-          </p:txBody>
-        </p:sp>
-        <p:grpSp>
-          <p:nvGrpSpPr>
-            <p:cNvPr id="24" name="Group 50"/>
-            <p:cNvGrpSpPr/>
-            <p:nvPr/>
-          </p:nvGrpSpPr>
-          <p:grpSpPr>
-            <a:xfrm>
-              <a:off x="4322543" y="4138220"/>
-              <a:ext cx="4051518" cy="48259"/>
-              <a:chOff x="4322543" y="4131077"/>
-              <a:chExt cx="4051518" cy="48259"/>
-            </a:xfrm>
-          </p:grpSpPr>
-          <p:sp>
-            <p:nvSpPr>
-              <p:cNvPr id="25" name="Rectangle 51"/>
-              <p:cNvSpPr/>
-              <p:nvPr/>
-            </p:nvSpPr>
-            <p:spPr>
-              <a:xfrm>
-                <a:off x="4322543" y="4131077"/>
-                <a:ext cx="1363279" cy="48259"/>
-              </a:xfrm>
-              <a:prstGeom prst="rect">
-                <a:avLst/>
-              </a:prstGeom>
-              <a:solidFill>
-                <a:schemeClr val="tx2"/>
-              </a:solidFill>
-              <a:ln>
-                <a:noFill/>
-              </a:ln>
-            </p:spPr>
-            <p:style>
-              <a:lnRef idx="2">
-                <a:schemeClr val="accent1">
-                  <a:shade val="50000"/>
-                </a:schemeClr>
-              </a:lnRef>
-              <a:fillRef idx="1">
-                <a:schemeClr val="accent1"/>
-              </a:fillRef>
-              <a:effectRef idx="0">
-                <a:schemeClr val="accent1"/>
-              </a:effectRef>
-              <a:fontRef idx="minor">
-                <a:schemeClr val="lt1"/>
-              </a:fontRef>
-            </p:style>
-            <p:txBody>
-              <a:bodyPr rtlCol="0" anchor="ctr"/>
-              <a:lstStyle/>
-              <a:p>
-                <a:pPr algn="ctr"/>
-                <a:endParaRPr lang="en-US">
-                  <a:latin typeface="+mn-ea"/>
-                </a:endParaRPr>
-              </a:p>
-            </p:txBody>
-          </p:sp>
-          <p:sp>
-            <p:nvSpPr>
-              <p:cNvPr id="26" name="Rectangle 52"/>
-              <p:cNvSpPr/>
-              <p:nvPr/>
-            </p:nvSpPr>
-            <p:spPr>
-              <a:xfrm>
-                <a:off x="5685822" y="4131077"/>
-                <a:ext cx="1363279" cy="48259"/>
-              </a:xfrm>
-              <a:prstGeom prst="rect">
-                <a:avLst/>
-              </a:prstGeom>
-              <a:solidFill>
-                <a:schemeClr val="bg2"/>
-              </a:solidFill>
-              <a:ln>
-                <a:noFill/>
-              </a:ln>
-            </p:spPr>
-            <p:style>
-              <a:lnRef idx="2">
-                <a:schemeClr val="accent1">
-                  <a:shade val="50000"/>
-                </a:schemeClr>
-              </a:lnRef>
-              <a:fillRef idx="1">
-                <a:schemeClr val="accent1"/>
-              </a:fillRef>
-              <a:effectRef idx="0">
-                <a:schemeClr val="accent1"/>
-              </a:effectRef>
-              <a:fontRef idx="minor">
-                <a:schemeClr val="lt1"/>
-              </a:fontRef>
-            </p:style>
-            <p:txBody>
-              <a:bodyPr rtlCol="0" anchor="ctr"/>
-              <a:lstStyle/>
-              <a:p>
-                <a:pPr algn="ctr"/>
-                <a:endParaRPr lang="en-US" dirty="0">
-                  <a:latin typeface="+mn-ea"/>
-                </a:endParaRPr>
-              </a:p>
-            </p:txBody>
-          </p:sp>
-          <p:sp>
-            <p:nvSpPr>
-              <p:cNvPr id="27" name="Rectangle 53"/>
-              <p:cNvSpPr/>
-              <p:nvPr/>
-            </p:nvSpPr>
-            <p:spPr>
-              <a:xfrm>
-                <a:off x="7010782" y="4131077"/>
-                <a:ext cx="1363279" cy="48259"/>
-              </a:xfrm>
-              <a:prstGeom prst="rect">
-                <a:avLst/>
-              </a:prstGeom>
-              <a:solidFill>
-                <a:schemeClr val="accent2"/>
-              </a:solidFill>
-              <a:ln>
-                <a:noFill/>
-              </a:ln>
-            </p:spPr>
-            <p:style>
-              <a:lnRef idx="2">
-                <a:schemeClr val="accent1">
-                  <a:shade val="50000"/>
-                </a:schemeClr>
-              </a:lnRef>
-              <a:fillRef idx="1">
-                <a:schemeClr val="accent1"/>
-              </a:fillRef>
-              <a:effectRef idx="0">
-                <a:schemeClr val="accent1"/>
-              </a:effectRef>
-              <a:fontRef idx="minor">
-                <a:schemeClr val="lt1"/>
-              </a:fontRef>
-            </p:style>
-            <p:txBody>
-              <a:bodyPr rtlCol="0" anchor="ctr"/>
-              <a:lstStyle/>
-              <a:p>
-                <a:pPr algn="ctr"/>
-                <a:endParaRPr lang="en-US" dirty="0">
-                  <a:latin typeface="+mn-ea"/>
-                </a:endParaRPr>
-              </a:p>
-            </p:txBody>
-          </p:sp>
-        </p:grpSp>
-      </p:grpSp>
-      <p:grpSp>
-        <p:nvGrpSpPr>
-          <p:cNvPr id="28" name="Group 27"/>
-          <p:cNvGrpSpPr/>
-          <p:nvPr/>
-        </p:nvGrpSpPr>
-        <p:grpSpPr>
-          <a:xfrm>
-            <a:off x="766353" y="3717421"/>
-            <a:ext cx="3520762" cy="865474"/>
-            <a:chOff x="425521" y="222594"/>
-            <a:chExt cx="3520762" cy="890976"/>
-          </a:xfrm>
-        </p:grpSpPr>
-        <p:sp>
-          <p:nvSpPr>
-            <p:cNvPr id="29" name="TextBox 57"/>
-            <p:cNvSpPr txBox="1"/>
-            <p:nvPr/>
-          </p:nvSpPr>
-          <p:spPr>
-            <a:xfrm>
-              <a:off x="1244845" y="222594"/>
-              <a:ext cx="2448830" cy="221793"/>
-            </a:xfrm>
-            <a:prstGeom prst="rect">
-              <a:avLst/>
-            </a:prstGeom>
-            <a:noFill/>
-          </p:spPr>
-          <p:txBody>
-            <a:bodyPr wrap="square" lIns="0" tIns="0" rIns="0" bIns="0" rtlCol="0" anchor="ctr">
-              <a:spAutoFit/>
-            </a:bodyPr>
-            <a:lstStyle/>
-            <a:p>
-              <a:r>
-                <a:rPr lang="zh-CN" altLang="en-US" sz="1400" b="1" dirty="0" smtClean="0">
-                  <a:solidFill>
-                    <a:srgbClr val="073860"/>
-                  </a:solidFill>
-                  <a:latin typeface="+mn-ea"/>
-                </a:rPr>
-                <a:t>市场规划</a:t>
-              </a:r>
-              <a:endParaRPr lang="en-US" sz="1400" b="1" dirty="0">
-                <a:solidFill>
-                  <a:srgbClr val="073860"/>
-                </a:solidFill>
-                <a:latin typeface="+mn-ea"/>
-              </a:endParaRPr>
-            </a:p>
-          </p:txBody>
-        </p:sp>
-        <p:sp>
-          <p:nvSpPr>
-            <p:cNvPr id="30" name="TextBox 58"/>
-            <p:cNvSpPr txBox="1"/>
-            <p:nvPr/>
-          </p:nvSpPr>
-          <p:spPr>
-            <a:xfrm>
-              <a:off x="1244844" y="432352"/>
-              <a:ext cx="2701439" cy="681218"/>
-            </a:xfrm>
-            <a:prstGeom prst="rect">
-              <a:avLst/>
-            </a:prstGeom>
-            <a:noFill/>
-          </p:spPr>
-          <p:txBody>
-            <a:bodyPr wrap="square" lIns="0" tIns="0" rtlCol="0" anchor="t">
-              <a:spAutoFit/>
-            </a:bodyPr>
-            <a:lstStyle/>
-            <a:p>
-              <a:pPr lvl="0" algn="just" defTabSz="914400">
-                <a:defRPr/>
-              </a:pPr>
-              <a:r>
-                <a:rPr lang="zh-CN" altLang="en-US" sz="1000" b="1" dirty="0">
-                  <a:solidFill>
-                    <a:schemeClr val="tx1">
-                      <a:lumMod val="50000"/>
-                      <a:lumOff val="50000"/>
-                    </a:schemeClr>
-                  </a:solidFill>
-                  <a:latin typeface="+mn-ea"/>
-                </a:rPr>
-                <a:t>此处添加详细文本描述，建议与标题相关并符合整体语言风格，语言描述尽量简洁生动。尽量将每页幻灯片的字数控制在</a:t>
-              </a:r>
-              <a:r>
-                <a:rPr lang="en-US" altLang="zh-CN" sz="1000" b="1" dirty="0">
-                  <a:solidFill>
-                    <a:schemeClr val="tx1">
-                      <a:lumMod val="50000"/>
-                      <a:lumOff val="50000"/>
-                    </a:schemeClr>
-                  </a:solidFill>
-                  <a:latin typeface="+mn-ea"/>
-                </a:rPr>
-                <a:t>200</a:t>
-              </a:r>
-              <a:r>
-                <a:rPr lang="zh-CN" altLang="en-US" sz="1000" b="1" dirty="0">
-                  <a:solidFill>
-                    <a:schemeClr val="tx1">
-                      <a:lumMod val="50000"/>
-                      <a:lumOff val="50000"/>
-                    </a:schemeClr>
-                  </a:solidFill>
-                  <a:latin typeface="+mn-ea"/>
-                </a:rPr>
-                <a:t>字以内，据统计每页幻灯片的最好控制在</a:t>
-              </a:r>
-              <a:r>
-                <a:rPr lang="en-US" altLang="zh-CN" sz="1000" b="1" dirty="0">
-                  <a:solidFill>
-                    <a:schemeClr val="tx1">
-                      <a:lumMod val="50000"/>
-                      <a:lumOff val="50000"/>
-                    </a:schemeClr>
-                  </a:solidFill>
-                  <a:latin typeface="+mn-ea"/>
-                </a:rPr>
-                <a:t>5</a:t>
-              </a:r>
-              <a:r>
-                <a:rPr lang="zh-CN" altLang="en-US" sz="1000" b="1" dirty="0">
-                  <a:solidFill>
-                    <a:schemeClr val="tx1">
-                      <a:lumMod val="50000"/>
-                      <a:lumOff val="50000"/>
-                    </a:schemeClr>
-                  </a:solidFill>
-                  <a:latin typeface="+mn-ea"/>
-                </a:rPr>
-                <a:t>分钟之内。</a:t>
-              </a:r>
-              <a:endParaRPr lang="en-US" sz="1000" dirty="0">
-                <a:solidFill>
-                  <a:schemeClr val="tx1">
-                    <a:lumMod val="50000"/>
-                    <a:lumOff val="50000"/>
-                  </a:schemeClr>
-                </a:solidFill>
-                <a:latin typeface="+mn-ea"/>
-              </a:endParaRPr>
-            </a:p>
-          </p:txBody>
-        </p:sp>
-        <p:sp>
-          <p:nvSpPr>
-            <p:cNvPr id="31" name="Oval 59"/>
-            <p:cNvSpPr/>
-            <p:nvPr/>
-          </p:nvSpPr>
-          <p:spPr>
-            <a:xfrm>
-              <a:off x="425521" y="328399"/>
-              <a:ext cx="723797" cy="723794"/>
-            </a:xfrm>
-            <a:prstGeom prst="ellipse">
-              <a:avLst/>
-            </a:prstGeom>
-            <a:solidFill>
-              <a:srgbClr val="073860"/>
-            </a:solidFill>
-            <a:ln>
-              <a:noFill/>
-            </a:ln>
-          </p:spPr>
-          <p:style>
-            <a:lnRef idx="2">
-              <a:schemeClr val="accent1">
-                <a:shade val="50000"/>
-              </a:schemeClr>
-            </a:lnRef>
-            <a:fillRef idx="1">
-              <a:schemeClr val="accent1"/>
-            </a:fillRef>
-            <a:effectRef idx="0">
-              <a:schemeClr val="accent1"/>
-            </a:effectRef>
-            <a:fontRef idx="minor">
-              <a:schemeClr val="lt1"/>
-            </a:fontRef>
-          </p:style>
-          <p:txBody>
-            <a:bodyPr rtlCol="0" anchor="ctr"/>
-            <a:lstStyle/>
-            <a:p>
-              <a:pPr algn="ctr"/>
-              <a:endParaRPr lang="en-US" sz="2800" dirty="0">
-                <a:latin typeface="+mn-ea"/>
-              </a:endParaRPr>
-            </a:p>
-          </p:txBody>
-        </p:sp>
-      </p:grpSp>
-      <p:grpSp>
-        <p:nvGrpSpPr>
-          <p:cNvPr id="32" name="Group 32"/>
-          <p:cNvGrpSpPr/>
-          <p:nvPr/>
-        </p:nvGrpSpPr>
-        <p:grpSpPr>
-          <a:xfrm>
-            <a:off x="4865205" y="3712659"/>
-            <a:ext cx="3451250" cy="874998"/>
-            <a:chOff x="415247" y="222594"/>
-            <a:chExt cx="3451250" cy="900782"/>
-          </a:xfrm>
-        </p:grpSpPr>
-        <p:sp>
-          <p:nvSpPr>
-            <p:cNvPr id="33" name="TextBox 61"/>
-            <p:cNvSpPr txBox="1"/>
-            <p:nvPr/>
-          </p:nvSpPr>
-          <p:spPr>
-            <a:xfrm>
-              <a:off x="1244845" y="222594"/>
-              <a:ext cx="1077218" cy="221793"/>
-            </a:xfrm>
-            <a:prstGeom prst="rect">
-              <a:avLst/>
-            </a:prstGeom>
-            <a:noFill/>
-          </p:spPr>
-          <p:txBody>
-            <a:bodyPr wrap="none" lIns="0" tIns="0" rIns="0" bIns="0" rtlCol="0" anchor="ctr">
-              <a:spAutoFit/>
-            </a:bodyPr>
-            <a:lstStyle/>
-            <a:p>
-              <a:r>
-                <a:rPr lang="zh-CN" altLang="en-US" sz="1400" b="1" dirty="0" smtClean="0">
-                  <a:solidFill>
-                    <a:srgbClr val="2272AB"/>
-                  </a:solidFill>
-                  <a:latin typeface="+mn-ea"/>
-                </a:rPr>
-                <a:t>创意解决方案</a:t>
-              </a:r>
-              <a:endParaRPr lang="en-US" sz="1400" b="1" dirty="0">
-                <a:solidFill>
-                  <a:srgbClr val="2272AB"/>
-                </a:solidFill>
-                <a:latin typeface="+mn-ea"/>
-              </a:endParaRPr>
-            </a:p>
-          </p:txBody>
-        </p:sp>
-        <p:sp>
-          <p:nvSpPr>
-            <p:cNvPr id="34" name="TextBox 62"/>
-            <p:cNvSpPr txBox="1"/>
-            <p:nvPr/>
-          </p:nvSpPr>
-          <p:spPr>
-            <a:xfrm>
-              <a:off x="1244844" y="442157"/>
-              <a:ext cx="2621653" cy="681219"/>
-            </a:xfrm>
-            <a:prstGeom prst="rect">
-              <a:avLst/>
-            </a:prstGeom>
-            <a:noFill/>
-          </p:spPr>
-          <p:txBody>
-            <a:bodyPr wrap="square" lIns="0" tIns="0" rtlCol="0" anchor="t">
-              <a:spAutoFit/>
-            </a:bodyPr>
-            <a:lstStyle/>
-            <a:p>
-              <a:pPr lvl="0" algn="just" defTabSz="914400">
-                <a:defRPr/>
-              </a:pPr>
-              <a:r>
-                <a:rPr lang="zh-CN" altLang="en-US" sz="1000" b="1" dirty="0">
-                  <a:solidFill>
-                    <a:schemeClr val="tx1">
-                      <a:lumMod val="50000"/>
-                      <a:lumOff val="50000"/>
-                    </a:schemeClr>
-                  </a:solidFill>
-                  <a:latin typeface="+mn-ea"/>
-                </a:rPr>
-                <a:t>此处添加详细文本描述，建议与标题相关并符合整体语言风格，语言描述尽量简洁生动。尽量将每页幻灯片的字数控制在</a:t>
-              </a:r>
-              <a:r>
-                <a:rPr lang="en-US" altLang="zh-CN" sz="1000" b="1" dirty="0">
-                  <a:solidFill>
-                    <a:schemeClr val="tx1">
-                      <a:lumMod val="50000"/>
-                      <a:lumOff val="50000"/>
-                    </a:schemeClr>
-                  </a:solidFill>
-                  <a:latin typeface="+mn-ea"/>
-                </a:rPr>
-                <a:t>200</a:t>
-              </a:r>
-              <a:r>
-                <a:rPr lang="zh-CN" altLang="en-US" sz="1000" b="1" dirty="0">
-                  <a:solidFill>
-                    <a:schemeClr val="tx1">
-                      <a:lumMod val="50000"/>
-                      <a:lumOff val="50000"/>
-                    </a:schemeClr>
-                  </a:solidFill>
-                  <a:latin typeface="+mn-ea"/>
-                </a:rPr>
-                <a:t>字以内，据统计每页幻灯片的最好控制在</a:t>
-              </a:r>
-              <a:r>
-                <a:rPr lang="en-US" altLang="zh-CN" sz="1000" b="1" dirty="0">
-                  <a:solidFill>
-                    <a:schemeClr val="tx1">
-                      <a:lumMod val="50000"/>
-                      <a:lumOff val="50000"/>
-                    </a:schemeClr>
-                  </a:solidFill>
-                  <a:latin typeface="+mn-ea"/>
-                </a:rPr>
-                <a:t>5</a:t>
-              </a:r>
-              <a:r>
-                <a:rPr lang="zh-CN" altLang="en-US" sz="1000" b="1" dirty="0">
-                  <a:solidFill>
-                    <a:schemeClr val="tx1">
-                      <a:lumMod val="50000"/>
-                      <a:lumOff val="50000"/>
-                    </a:schemeClr>
-                  </a:solidFill>
-                  <a:latin typeface="+mn-ea"/>
-                </a:rPr>
-                <a:t>分钟之内。</a:t>
-              </a:r>
-              <a:endParaRPr lang="en-US" altLang="zh-CN" sz="1000" dirty="0">
-                <a:solidFill>
-                  <a:schemeClr val="tx1">
-                    <a:lumMod val="50000"/>
-                    <a:lumOff val="50000"/>
-                  </a:schemeClr>
-                </a:solidFill>
-                <a:latin typeface="+mn-ea"/>
-              </a:endParaRPr>
-            </a:p>
-          </p:txBody>
-        </p:sp>
-        <p:sp>
-          <p:nvSpPr>
-            <p:cNvPr id="35" name="Oval 63"/>
-            <p:cNvSpPr/>
-            <p:nvPr/>
-          </p:nvSpPr>
-          <p:spPr>
-            <a:xfrm>
-              <a:off x="415247" y="317823"/>
-              <a:ext cx="723797" cy="723795"/>
-            </a:xfrm>
-            <a:prstGeom prst="ellipse">
-              <a:avLst/>
-            </a:prstGeom>
-            <a:solidFill>
-              <a:srgbClr val="2272AB"/>
-            </a:solidFill>
-            <a:ln>
-              <a:noFill/>
-            </a:ln>
-          </p:spPr>
-          <p:style>
-            <a:lnRef idx="2">
-              <a:schemeClr val="accent1">
-                <a:shade val="50000"/>
-              </a:schemeClr>
-            </a:lnRef>
-            <a:fillRef idx="1">
-              <a:schemeClr val="accent1"/>
-            </a:fillRef>
-            <a:effectRef idx="0">
-              <a:schemeClr val="accent1"/>
-            </a:effectRef>
-            <a:fontRef idx="minor">
-              <a:schemeClr val="lt1"/>
-            </a:fontRef>
-          </p:style>
-          <p:txBody>
-            <a:bodyPr rtlCol="0" anchor="ctr"/>
-            <a:lstStyle/>
-            <a:p>
-              <a:pPr algn="ctr"/>
-              <a:endParaRPr lang="en-US" sz="3200" dirty="0">
-                <a:latin typeface="+mn-ea"/>
-              </a:endParaRPr>
-            </a:p>
-          </p:txBody>
-        </p:sp>
-      </p:grpSp>
-      <p:sp>
-        <p:nvSpPr>
-          <p:cNvPr id="36" name="Snip Single Corner Rectangle 64"/>
-          <p:cNvSpPr/>
-          <p:nvPr/>
-        </p:nvSpPr>
-        <p:spPr>
-          <a:xfrm flipH="1">
-            <a:off x="1879979" y="3036684"/>
-            <a:ext cx="2407136" cy="250743"/>
-          </a:xfrm>
-          <a:prstGeom prst="snip1Rect">
-            <a:avLst>
-              <a:gd name="adj" fmla="val 50000"/>
-            </a:avLst>
-          </a:prstGeom>
-          <a:solidFill>
-            <a:schemeClr val="bg1">
-              <a:alpha val="50000"/>
-            </a:schemeClr>
-          </a:solidFill>
-          <a:ln>
-            <a:noFill/>
-          </a:ln>
-        </p:spPr>
-        <p:style>
-          <a:lnRef idx="2">
-            <a:schemeClr val="accent1">
-              <a:shade val="50000"/>
-            </a:schemeClr>
-          </a:lnRef>
-          <a:fillRef idx="1">
-            <a:schemeClr val="accent1"/>
-          </a:fillRef>
-          <a:effectRef idx="0">
-            <a:schemeClr val="accent1"/>
-          </a:effectRef>
-          <a:fontRef idx="minor">
-            <a:schemeClr val="lt1"/>
-          </a:fontRef>
-        </p:style>
-        <p:txBody>
-          <a:bodyPr lIns="0" tIns="0" rIns="0" bIns="64008" rtlCol="0" anchor="ctr"/>
-          <a:lstStyle/>
-          <a:p>
-            <a:pPr algn="ctr"/>
-            <a:r>
-              <a:rPr lang="zh-CN" altLang="en-US" sz="1400" b="1" dirty="0" smtClean="0">
-                <a:solidFill>
-                  <a:schemeClr val="tx1">
-                    <a:lumMod val="75000"/>
-                    <a:lumOff val="25000"/>
-                  </a:schemeClr>
-                </a:solidFill>
-                <a:latin typeface="+mn-ea"/>
-              </a:rPr>
-              <a:t>创意解决方案</a:t>
-            </a:r>
-            <a:endParaRPr lang="en-US" sz="1400" b="1" dirty="0">
-              <a:solidFill>
-                <a:schemeClr val="tx1">
-                  <a:lumMod val="75000"/>
-                  <a:lumOff val="25000"/>
-                </a:schemeClr>
-              </a:solidFill>
-              <a:latin typeface="+mn-ea"/>
-            </a:endParaRPr>
-          </a:p>
-        </p:txBody>
-      </p:sp>
-      <p:sp>
-        <p:nvSpPr>
-          <p:cNvPr id="37" name="Snip Single Corner Rectangle 65"/>
-          <p:cNvSpPr/>
-          <p:nvPr/>
-        </p:nvSpPr>
-        <p:spPr>
-          <a:xfrm flipH="1">
-            <a:off x="5976721" y="3036684"/>
-            <a:ext cx="2407136" cy="250743"/>
-          </a:xfrm>
-          <a:prstGeom prst="snip1Rect">
-            <a:avLst>
-              <a:gd name="adj" fmla="val 50000"/>
-            </a:avLst>
-          </a:prstGeom>
-          <a:solidFill>
-            <a:schemeClr val="bg1">
-              <a:alpha val="50000"/>
-            </a:schemeClr>
-          </a:solidFill>
-          <a:ln>
-            <a:noFill/>
-          </a:ln>
-        </p:spPr>
-        <p:style>
-          <a:lnRef idx="2">
-            <a:schemeClr val="accent1">
-              <a:shade val="50000"/>
-            </a:schemeClr>
-          </a:lnRef>
-          <a:fillRef idx="1">
-            <a:schemeClr val="accent1"/>
-          </a:fillRef>
-          <a:effectRef idx="0">
-            <a:schemeClr val="accent1"/>
-          </a:effectRef>
-          <a:fontRef idx="minor">
-            <a:schemeClr val="lt1"/>
-          </a:fontRef>
-        </p:style>
-        <p:txBody>
-          <a:bodyPr lIns="0" tIns="0" rIns="0" bIns="64008" rtlCol="0" anchor="ctr"/>
-          <a:lstStyle/>
-          <a:p>
-            <a:pPr algn="ctr"/>
-            <a:r>
-              <a:rPr lang="zh-CN" altLang="en-US" sz="1400" b="1" dirty="0" smtClean="0">
-                <a:solidFill>
-                  <a:schemeClr val="tx1">
-                    <a:lumMod val="75000"/>
-                    <a:lumOff val="25000"/>
-                  </a:schemeClr>
-                </a:solidFill>
-                <a:latin typeface="+mn-ea"/>
-              </a:rPr>
-              <a:t>全球化业务</a:t>
-            </a:r>
-            <a:endParaRPr lang="en-US" sz="1400" b="1" dirty="0">
-              <a:solidFill>
-                <a:schemeClr val="tx1">
-                  <a:lumMod val="75000"/>
-                  <a:lumOff val="25000"/>
-                </a:schemeClr>
-              </a:solidFill>
-              <a:latin typeface="+mn-ea"/>
-            </a:endParaRPr>
-          </a:p>
-        </p:txBody>
-      </p:sp>
-      <p:sp>
-        <p:nvSpPr>
-          <p:cNvPr id="38" name="Freeform 139"/>
-          <p:cNvSpPr/>
-          <p:nvPr/>
-        </p:nvSpPr>
-        <p:spPr bwMode="auto">
-          <a:xfrm>
-            <a:off x="938544" y="4013031"/>
-            <a:ext cx="379413" cy="287338"/>
-          </a:xfrm>
-          <a:custGeom>
-            <a:avLst/>
-            <a:gdLst>
-              <a:gd name="T0" fmla="*/ 143 w 165"/>
-              <a:gd name="T1" fmla="*/ 19 h 125"/>
-              <a:gd name="T2" fmla="*/ 34 w 165"/>
-              <a:gd name="T3" fmla="*/ 19 h 125"/>
-              <a:gd name="T4" fmla="*/ 30 w 165"/>
-              <a:gd name="T5" fmla="*/ 5 h 125"/>
-              <a:gd name="T6" fmla="*/ 29 w 165"/>
-              <a:gd name="T7" fmla="*/ 4 h 125"/>
-              <a:gd name="T8" fmla="*/ 29 w 165"/>
-              <a:gd name="T9" fmla="*/ 4 h 125"/>
-              <a:gd name="T10" fmla="*/ 28 w 165"/>
-              <a:gd name="T11" fmla="*/ 3 h 125"/>
-              <a:gd name="T12" fmla="*/ 28 w 165"/>
-              <a:gd name="T13" fmla="*/ 2 h 125"/>
-              <a:gd name="T14" fmla="*/ 28 w 165"/>
-              <a:gd name="T15" fmla="*/ 2 h 125"/>
-              <a:gd name="T16" fmla="*/ 27 w 165"/>
-              <a:gd name="T17" fmla="*/ 1 h 125"/>
-              <a:gd name="T18" fmla="*/ 27 w 165"/>
-              <a:gd name="T19" fmla="*/ 1 h 125"/>
-              <a:gd name="T20" fmla="*/ 22 w 165"/>
-              <a:gd name="T21" fmla="*/ 0 h 125"/>
-              <a:gd name="T22" fmla="*/ 7 w 165"/>
-              <a:gd name="T23" fmla="*/ 2 h 125"/>
-              <a:gd name="T24" fmla="*/ 0 w 165"/>
-              <a:gd name="T25" fmla="*/ 9 h 125"/>
-              <a:gd name="T26" fmla="*/ 7 w 165"/>
-              <a:gd name="T27" fmla="*/ 15 h 125"/>
-              <a:gd name="T28" fmla="*/ 18 w 165"/>
-              <a:gd name="T29" fmla="*/ 14 h 125"/>
-              <a:gd name="T30" fmla="*/ 45 w 165"/>
-              <a:gd name="T31" fmla="*/ 99 h 125"/>
-              <a:gd name="T32" fmla="*/ 42 w 165"/>
-              <a:gd name="T33" fmla="*/ 109 h 125"/>
-              <a:gd name="T34" fmla="*/ 58 w 165"/>
-              <a:gd name="T35" fmla="*/ 125 h 125"/>
-              <a:gd name="T36" fmla="*/ 73 w 165"/>
-              <a:gd name="T37" fmla="*/ 116 h 125"/>
-              <a:gd name="T38" fmla="*/ 94 w 165"/>
-              <a:gd name="T39" fmla="*/ 116 h 125"/>
-              <a:gd name="T40" fmla="*/ 109 w 165"/>
-              <a:gd name="T41" fmla="*/ 125 h 125"/>
-              <a:gd name="T42" fmla="*/ 125 w 165"/>
-              <a:gd name="T43" fmla="*/ 109 h 125"/>
-              <a:gd name="T44" fmla="*/ 109 w 165"/>
-              <a:gd name="T45" fmla="*/ 93 h 125"/>
-              <a:gd name="T46" fmla="*/ 94 w 165"/>
-              <a:gd name="T47" fmla="*/ 102 h 125"/>
-              <a:gd name="T48" fmla="*/ 73 w 165"/>
-              <a:gd name="T49" fmla="*/ 102 h 125"/>
-              <a:gd name="T50" fmla="*/ 58 w 165"/>
-              <a:gd name="T51" fmla="*/ 93 h 125"/>
-              <a:gd name="T52" fmla="*/ 58 w 165"/>
-              <a:gd name="T53" fmla="*/ 93 h 125"/>
-              <a:gd name="T54" fmla="*/ 55 w 165"/>
-              <a:gd name="T55" fmla="*/ 83 h 125"/>
-              <a:gd name="T56" fmla="*/ 125 w 165"/>
-              <a:gd name="T57" fmla="*/ 83 h 125"/>
-              <a:gd name="T58" fmla="*/ 139 w 165"/>
-              <a:gd name="T59" fmla="*/ 68 h 125"/>
-              <a:gd name="T60" fmla="*/ 158 w 165"/>
-              <a:gd name="T61" fmla="*/ 34 h 125"/>
-              <a:gd name="T62" fmla="*/ 143 w 165"/>
-              <a:gd name="T63" fmla="*/ 19 h 125"/>
-            </a:gdLst>
-            <a:ahLst/>
-            <a:cxnLst>
-              <a:cxn ang="0">
-                <a:pos x="T0" y="T1"/>
-              </a:cxn>
-              <a:cxn ang="0">
-                <a:pos x="T2" y="T3"/>
-              </a:cxn>
-              <a:cxn ang="0">
-                <a:pos x="T4" y="T5"/>
-              </a:cxn>
-              <a:cxn ang="0">
-                <a:pos x="T6" y="T7"/>
-              </a:cxn>
-              <a:cxn ang="0">
-                <a:pos x="T8" y="T9"/>
-              </a:cxn>
-              <a:cxn ang="0">
-                <a:pos x="T10" y="T11"/>
-              </a:cxn>
-              <a:cxn ang="0">
-                <a:pos x="T12" y="T13"/>
-              </a:cxn>
-              <a:cxn ang="0">
-                <a:pos x="T14" y="T15"/>
-              </a:cxn>
-              <a:cxn ang="0">
-                <a:pos x="T16" y="T17"/>
-              </a:cxn>
-              <a:cxn ang="0">
-                <a:pos x="T18" y="T19"/>
-              </a:cxn>
-              <a:cxn ang="0">
-                <a:pos x="T20" y="T21"/>
-              </a:cxn>
-              <a:cxn ang="0">
-                <a:pos x="T22" y="T23"/>
-              </a:cxn>
-              <a:cxn ang="0">
-                <a:pos x="T24" y="T25"/>
-              </a:cxn>
-              <a:cxn ang="0">
-                <a:pos x="T26" y="T27"/>
-              </a:cxn>
-              <a:cxn ang="0">
-                <a:pos x="T28" y="T29"/>
-              </a:cxn>
-              <a:cxn ang="0">
-                <a:pos x="T30" y="T31"/>
-              </a:cxn>
-              <a:cxn ang="0">
-                <a:pos x="T32" y="T33"/>
-              </a:cxn>
-              <a:cxn ang="0">
-                <a:pos x="T34" y="T35"/>
-              </a:cxn>
-              <a:cxn ang="0">
-                <a:pos x="T36" y="T37"/>
-              </a:cxn>
-              <a:cxn ang="0">
-                <a:pos x="T38" y="T39"/>
-              </a:cxn>
-              <a:cxn ang="0">
-                <a:pos x="T40" y="T41"/>
-              </a:cxn>
-              <a:cxn ang="0">
-                <a:pos x="T42" y="T43"/>
-              </a:cxn>
-              <a:cxn ang="0">
-                <a:pos x="T44" y="T45"/>
-              </a:cxn>
-              <a:cxn ang="0">
-                <a:pos x="T46" y="T47"/>
-              </a:cxn>
-              <a:cxn ang="0">
-                <a:pos x="T48" y="T49"/>
-              </a:cxn>
-              <a:cxn ang="0">
-                <a:pos x="T50" y="T51"/>
-              </a:cxn>
-              <a:cxn ang="0">
-                <a:pos x="T52" y="T53"/>
-              </a:cxn>
-              <a:cxn ang="0">
-                <a:pos x="T54" y="T55"/>
-              </a:cxn>
-              <a:cxn ang="0">
-                <a:pos x="T56" y="T57"/>
-              </a:cxn>
-              <a:cxn ang="0">
-                <a:pos x="T58" y="T59"/>
-              </a:cxn>
-              <a:cxn ang="0">
-                <a:pos x="T60" y="T61"/>
-              </a:cxn>
-              <a:cxn ang="0">
-                <a:pos x="T62" y="T63"/>
-              </a:cxn>
-            </a:cxnLst>
-            <a:rect l="0" t="0" r="r" b="b"/>
-            <a:pathLst>
-              <a:path w="165" h="125">
-                <a:moveTo>
-                  <a:pt x="143" y="19"/>
-                </a:moveTo>
-                <a:cubicBezTo>
-                  <a:pt x="34" y="19"/>
-                  <a:pt x="34" y="19"/>
-                  <a:pt x="34" y="19"/>
-                </a:cubicBezTo>
-                <a:cubicBezTo>
-                  <a:pt x="30" y="5"/>
-                  <a:pt x="30" y="5"/>
-                  <a:pt x="30" y="5"/>
-                </a:cubicBezTo>
-                <a:cubicBezTo>
-                  <a:pt x="30" y="5"/>
-                  <a:pt x="29" y="4"/>
-                  <a:pt x="29" y="4"/>
-                </a:cubicBezTo>
-                <a:cubicBezTo>
-                  <a:pt x="29" y="4"/>
-                  <a:pt x="29" y="4"/>
-                  <a:pt x="29" y="4"/>
-                </a:cubicBezTo>
-                <a:cubicBezTo>
-                  <a:pt x="29" y="3"/>
-                  <a:pt x="29" y="3"/>
-                  <a:pt x="28" y="3"/>
-                </a:cubicBezTo>
-                <a:cubicBezTo>
-                  <a:pt x="28" y="2"/>
-                  <a:pt x="28" y="2"/>
-                  <a:pt x="28" y="2"/>
-                </a:cubicBezTo>
-                <a:cubicBezTo>
-                  <a:pt x="28" y="2"/>
-                  <a:pt x="28" y="2"/>
-                  <a:pt x="28" y="2"/>
-                </a:cubicBezTo>
-                <a:cubicBezTo>
-                  <a:pt x="27" y="2"/>
-                  <a:pt x="27" y="1"/>
-                  <a:pt x="27" y="1"/>
-                </a:cubicBezTo>
-                <a:cubicBezTo>
-                  <a:pt x="27" y="1"/>
-                  <a:pt x="27" y="1"/>
-                  <a:pt x="27" y="1"/>
-                </a:cubicBezTo>
-                <a:cubicBezTo>
-                  <a:pt x="25" y="0"/>
-                  <a:pt x="24" y="0"/>
-                  <a:pt x="22" y="0"/>
-                </a:cubicBezTo>
-                <a:cubicBezTo>
-                  <a:pt x="7" y="2"/>
-                  <a:pt x="7" y="2"/>
-                  <a:pt x="7" y="2"/>
-                </a:cubicBezTo>
-                <a:cubicBezTo>
-                  <a:pt x="3" y="2"/>
-                  <a:pt x="0" y="5"/>
-                  <a:pt x="0" y="9"/>
-                </a:cubicBezTo>
-                <a:cubicBezTo>
-                  <a:pt x="1" y="12"/>
-                  <a:pt x="4" y="15"/>
-                  <a:pt x="7" y="15"/>
-                </a:cubicBezTo>
-                <a:cubicBezTo>
-                  <a:pt x="18" y="14"/>
-                  <a:pt x="18" y="14"/>
-                  <a:pt x="18" y="14"/>
-                </a:cubicBezTo>
-                <a:cubicBezTo>
-                  <a:pt x="45" y="99"/>
-                  <a:pt x="45" y="99"/>
-                  <a:pt x="45" y="99"/>
-                </a:cubicBezTo>
-                <a:cubicBezTo>
-                  <a:pt x="43" y="101"/>
-                  <a:pt x="42" y="105"/>
-                  <a:pt x="42" y="109"/>
-                </a:cubicBezTo>
-                <a:cubicBezTo>
-                  <a:pt x="42" y="118"/>
-                  <a:pt x="49" y="125"/>
-                  <a:pt x="58" y="125"/>
-                </a:cubicBezTo>
-                <a:cubicBezTo>
-                  <a:pt x="64" y="125"/>
-                  <a:pt x="70" y="121"/>
-                  <a:pt x="73" y="116"/>
-                </a:cubicBezTo>
-                <a:cubicBezTo>
-                  <a:pt x="94" y="116"/>
-                  <a:pt x="94" y="116"/>
-                  <a:pt x="94" y="116"/>
-                </a:cubicBezTo>
-                <a:cubicBezTo>
-                  <a:pt x="97" y="121"/>
-                  <a:pt x="103" y="125"/>
-                  <a:pt x="109" y="125"/>
-                </a:cubicBezTo>
-                <a:cubicBezTo>
-                  <a:pt x="118" y="125"/>
-                  <a:pt x="125" y="118"/>
-                  <a:pt x="125" y="109"/>
-                </a:cubicBezTo>
-                <a:cubicBezTo>
-                  <a:pt x="125" y="100"/>
-                  <a:pt x="118" y="93"/>
-                  <a:pt x="109" y="93"/>
-                </a:cubicBezTo>
-                <a:cubicBezTo>
-                  <a:pt x="103" y="93"/>
-                  <a:pt x="97" y="97"/>
-                  <a:pt x="94" y="102"/>
-                </a:cubicBezTo>
-                <a:cubicBezTo>
-                  <a:pt x="73" y="102"/>
-                  <a:pt x="73" y="102"/>
-                  <a:pt x="73" y="102"/>
-                </a:cubicBezTo>
-                <a:cubicBezTo>
-                  <a:pt x="70" y="97"/>
-                  <a:pt x="64" y="93"/>
-                  <a:pt x="58" y="93"/>
-                </a:cubicBezTo>
-                <a:cubicBezTo>
-                  <a:pt x="58" y="93"/>
-                  <a:pt x="58" y="93"/>
-                  <a:pt x="58" y="93"/>
-                </a:cubicBezTo>
-                <a:cubicBezTo>
-                  <a:pt x="55" y="83"/>
-                  <a:pt x="55" y="83"/>
-                  <a:pt x="55" y="83"/>
-                </a:cubicBezTo>
-                <a:cubicBezTo>
-                  <a:pt x="125" y="83"/>
-                  <a:pt x="125" y="83"/>
-                  <a:pt x="125" y="83"/>
-                </a:cubicBezTo>
-                <a:cubicBezTo>
-                  <a:pt x="133" y="83"/>
-                  <a:pt x="134" y="77"/>
-                  <a:pt x="139" y="68"/>
-                </a:cubicBezTo>
-                <a:cubicBezTo>
-                  <a:pt x="158" y="34"/>
-                  <a:pt x="158" y="34"/>
-                  <a:pt x="158" y="34"/>
-                </a:cubicBezTo>
-                <a:cubicBezTo>
-                  <a:pt x="165" y="20"/>
-                  <a:pt x="151" y="19"/>
-                  <a:pt x="143" y="19"/>
-                </a:cubicBezTo>
-                <a:close/>
-              </a:path>
-            </a:pathLst>
-          </a:custGeom>
-          <a:solidFill>
-            <a:schemeClr val="bg1"/>
-          </a:solidFill>
-          <a:ln>
-            <a:noFill/>
-          </a:ln>
-        </p:spPr>
-        <p:txBody>
-          <a:bodyPr vert="horz" wrap="square" lIns="91440" tIns="45720" rIns="91440" bIns="45720" numCol="1" anchor="t" anchorCtr="0" compatLnSpc="1"/>
-          <a:lstStyle/>
-          <a:p>
-            <a:endParaRPr lang="en-US">
-              <a:latin typeface="+mn-ea"/>
-            </a:endParaRPr>
-          </a:p>
-        </p:txBody>
-      </p:sp>
-      <p:sp>
-        <p:nvSpPr>
-          <p:cNvPr id="39" name="Freeform 144"/>
-          <p:cNvSpPr/>
-          <p:nvPr/>
-        </p:nvSpPr>
-        <p:spPr bwMode="auto">
-          <a:xfrm>
-            <a:off x="5072225" y="3971242"/>
-            <a:ext cx="309563" cy="334963"/>
-          </a:xfrm>
-          <a:custGeom>
-            <a:avLst/>
-            <a:gdLst>
-              <a:gd name="T0" fmla="*/ 126 w 134"/>
-              <a:gd name="T1" fmla="*/ 100 h 145"/>
-              <a:gd name="T2" fmla="*/ 83 w 134"/>
-              <a:gd name="T3" fmla="*/ 88 h 145"/>
-              <a:gd name="T4" fmla="*/ 85 w 134"/>
-              <a:gd name="T5" fmla="*/ 77 h 145"/>
-              <a:gd name="T6" fmla="*/ 91 w 134"/>
-              <a:gd name="T7" fmla="*/ 69 h 145"/>
-              <a:gd name="T8" fmla="*/ 92 w 134"/>
-              <a:gd name="T9" fmla="*/ 60 h 145"/>
-              <a:gd name="T10" fmla="*/ 94 w 134"/>
-              <a:gd name="T11" fmla="*/ 60 h 145"/>
-              <a:gd name="T12" fmla="*/ 97 w 134"/>
-              <a:gd name="T13" fmla="*/ 58 h 145"/>
-              <a:gd name="T14" fmla="*/ 98 w 134"/>
-              <a:gd name="T15" fmla="*/ 43 h 145"/>
-              <a:gd name="T16" fmla="*/ 96 w 134"/>
-              <a:gd name="T17" fmla="*/ 40 h 145"/>
-              <a:gd name="T18" fmla="*/ 94 w 134"/>
-              <a:gd name="T19" fmla="*/ 40 h 145"/>
-              <a:gd name="T20" fmla="*/ 95 w 134"/>
-              <a:gd name="T21" fmla="*/ 32 h 145"/>
-              <a:gd name="T22" fmla="*/ 90 w 134"/>
-              <a:gd name="T23" fmla="*/ 10 h 145"/>
-              <a:gd name="T24" fmla="*/ 44 w 134"/>
-              <a:gd name="T25" fmla="*/ 10 h 145"/>
-              <a:gd name="T26" fmla="*/ 39 w 134"/>
-              <a:gd name="T27" fmla="*/ 32 h 145"/>
-              <a:gd name="T28" fmla="*/ 40 w 134"/>
-              <a:gd name="T29" fmla="*/ 40 h 145"/>
-              <a:gd name="T30" fmla="*/ 38 w 134"/>
-              <a:gd name="T31" fmla="*/ 40 h 145"/>
-              <a:gd name="T32" fmla="*/ 35 w 134"/>
-              <a:gd name="T33" fmla="*/ 43 h 145"/>
-              <a:gd name="T34" fmla="*/ 37 w 134"/>
-              <a:gd name="T35" fmla="*/ 58 h 145"/>
-              <a:gd name="T36" fmla="*/ 40 w 134"/>
-              <a:gd name="T37" fmla="*/ 60 h 145"/>
-              <a:gd name="T38" fmla="*/ 42 w 134"/>
-              <a:gd name="T39" fmla="*/ 60 h 145"/>
-              <a:gd name="T40" fmla="*/ 43 w 134"/>
-              <a:gd name="T41" fmla="*/ 69 h 145"/>
-              <a:gd name="T42" fmla="*/ 49 w 134"/>
-              <a:gd name="T43" fmla="*/ 77 h 145"/>
-              <a:gd name="T44" fmla="*/ 50 w 134"/>
-              <a:gd name="T45" fmla="*/ 88 h 145"/>
-              <a:gd name="T46" fmla="*/ 8 w 134"/>
-              <a:gd name="T47" fmla="*/ 100 h 145"/>
-              <a:gd name="T48" fmla="*/ 1 w 134"/>
-              <a:gd name="T49" fmla="*/ 113 h 145"/>
-              <a:gd name="T50" fmla="*/ 2 w 134"/>
-              <a:gd name="T51" fmla="*/ 129 h 145"/>
-              <a:gd name="T52" fmla="*/ 11 w 134"/>
-              <a:gd name="T53" fmla="*/ 139 h 145"/>
-              <a:gd name="T54" fmla="*/ 123 w 134"/>
-              <a:gd name="T55" fmla="*/ 139 h 145"/>
-              <a:gd name="T56" fmla="*/ 132 w 134"/>
-              <a:gd name="T57" fmla="*/ 129 h 145"/>
-              <a:gd name="T58" fmla="*/ 133 w 134"/>
-              <a:gd name="T59" fmla="*/ 113 h 145"/>
-              <a:gd name="T60" fmla="*/ 126 w 134"/>
-              <a:gd name="T61" fmla="*/ 100 h 145"/>
-            </a:gdLst>
-            <a:ahLst/>
-            <a:cxnLst>
-              <a:cxn ang="0">
-                <a:pos x="T0" y="T1"/>
-              </a:cxn>
-              <a:cxn ang="0">
-                <a:pos x="T2" y="T3"/>
-              </a:cxn>
-              <a:cxn ang="0">
-                <a:pos x="T4" y="T5"/>
-              </a:cxn>
-              <a:cxn ang="0">
-                <a:pos x="T6" y="T7"/>
-              </a:cxn>
-              <a:cxn ang="0">
-                <a:pos x="T8" y="T9"/>
-              </a:cxn>
-              <a:cxn ang="0">
-                <a:pos x="T10" y="T11"/>
-              </a:cxn>
-              <a:cxn ang="0">
-                <a:pos x="T12" y="T13"/>
-              </a:cxn>
-              <a:cxn ang="0">
-                <a:pos x="T14" y="T15"/>
-              </a:cxn>
-              <a:cxn ang="0">
-                <a:pos x="T16" y="T17"/>
-              </a:cxn>
-              <a:cxn ang="0">
-                <a:pos x="T18" y="T19"/>
-              </a:cxn>
-              <a:cxn ang="0">
-                <a:pos x="T20" y="T21"/>
-              </a:cxn>
-              <a:cxn ang="0">
-                <a:pos x="T22" y="T23"/>
-              </a:cxn>
-              <a:cxn ang="0">
-                <a:pos x="T24" y="T25"/>
-              </a:cxn>
-              <a:cxn ang="0">
-                <a:pos x="T26" y="T27"/>
-              </a:cxn>
-              <a:cxn ang="0">
-                <a:pos x="T28" y="T29"/>
-              </a:cxn>
-              <a:cxn ang="0">
-                <a:pos x="T30" y="T31"/>
-              </a:cxn>
-              <a:cxn ang="0">
-                <a:pos x="T32" y="T33"/>
-              </a:cxn>
-              <a:cxn ang="0">
-                <a:pos x="T34" y="T35"/>
-              </a:cxn>
-              <a:cxn ang="0">
-                <a:pos x="T36" y="T37"/>
-              </a:cxn>
-              <a:cxn ang="0">
-                <a:pos x="T38" y="T39"/>
-              </a:cxn>
-              <a:cxn ang="0">
-                <a:pos x="T40" y="T41"/>
-              </a:cxn>
-              <a:cxn ang="0">
-                <a:pos x="T42" y="T43"/>
-              </a:cxn>
-              <a:cxn ang="0">
-                <a:pos x="T44" y="T45"/>
-              </a:cxn>
-              <a:cxn ang="0">
-                <a:pos x="T46" y="T47"/>
-              </a:cxn>
-              <a:cxn ang="0">
-                <a:pos x="T48" y="T49"/>
-              </a:cxn>
-              <a:cxn ang="0">
-                <a:pos x="T50" y="T51"/>
-              </a:cxn>
-              <a:cxn ang="0">
-                <a:pos x="T52" y="T53"/>
-              </a:cxn>
-              <a:cxn ang="0">
-                <a:pos x="T54" y="T55"/>
-              </a:cxn>
-              <a:cxn ang="0">
-                <a:pos x="T56" y="T57"/>
-              </a:cxn>
-              <a:cxn ang="0">
-                <a:pos x="T58" y="T59"/>
-              </a:cxn>
-              <a:cxn ang="0">
-                <a:pos x="T60" y="T61"/>
-              </a:cxn>
-            </a:cxnLst>
-            <a:rect l="0" t="0" r="r" b="b"/>
-            <a:pathLst>
-              <a:path w="134" h="145">
-                <a:moveTo>
-                  <a:pt x="126" y="100"/>
-                </a:moveTo>
-                <a:cubicBezTo>
-                  <a:pt x="113" y="93"/>
-                  <a:pt x="98" y="89"/>
-                  <a:pt x="83" y="88"/>
-                </a:cubicBezTo>
-                <a:cubicBezTo>
-                  <a:pt x="84" y="84"/>
-                  <a:pt x="84" y="81"/>
-                  <a:pt x="85" y="77"/>
-                </a:cubicBezTo>
-                <a:cubicBezTo>
-                  <a:pt x="88" y="75"/>
-                  <a:pt x="91" y="72"/>
-                  <a:pt x="91" y="69"/>
-                </a:cubicBezTo>
-                <a:cubicBezTo>
-                  <a:pt x="91" y="66"/>
-                  <a:pt x="92" y="63"/>
-                  <a:pt x="92" y="60"/>
-                </a:cubicBezTo>
-                <a:cubicBezTo>
-                  <a:pt x="92" y="60"/>
-                  <a:pt x="93" y="60"/>
-                  <a:pt x="94" y="60"/>
-                </a:cubicBezTo>
-                <a:cubicBezTo>
-                  <a:pt x="95" y="61"/>
-                  <a:pt x="97" y="59"/>
-                  <a:pt x="97" y="58"/>
-                </a:cubicBezTo>
-                <a:cubicBezTo>
-                  <a:pt x="98" y="43"/>
-                  <a:pt x="98" y="43"/>
-                  <a:pt x="98" y="43"/>
-                </a:cubicBezTo>
-                <a:cubicBezTo>
-                  <a:pt x="98" y="41"/>
-                  <a:pt x="97" y="40"/>
-                  <a:pt x="96" y="40"/>
-                </a:cubicBezTo>
-                <a:cubicBezTo>
-                  <a:pt x="95" y="40"/>
-                  <a:pt x="95" y="40"/>
-                  <a:pt x="94" y="40"/>
-                </a:cubicBezTo>
-                <a:cubicBezTo>
-                  <a:pt x="94" y="37"/>
-                  <a:pt x="95" y="34"/>
-                  <a:pt x="95" y="32"/>
-                </a:cubicBezTo>
-                <a:cubicBezTo>
-                  <a:pt x="95" y="28"/>
-                  <a:pt x="97" y="17"/>
-                  <a:pt x="90" y="10"/>
-                </a:cubicBezTo>
-                <a:cubicBezTo>
-                  <a:pt x="79" y="0"/>
-                  <a:pt x="55" y="0"/>
-                  <a:pt x="44" y="10"/>
-                </a:cubicBezTo>
-                <a:cubicBezTo>
-                  <a:pt x="36" y="17"/>
-                  <a:pt x="38" y="28"/>
-                  <a:pt x="39" y="32"/>
-                </a:cubicBezTo>
-                <a:cubicBezTo>
-                  <a:pt x="39" y="34"/>
-                  <a:pt x="39" y="37"/>
-                  <a:pt x="40" y="40"/>
-                </a:cubicBezTo>
-                <a:cubicBezTo>
-                  <a:pt x="39" y="40"/>
-                  <a:pt x="39" y="40"/>
-                  <a:pt x="38" y="40"/>
-                </a:cubicBezTo>
-                <a:cubicBezTo>
-                  <a:pt x="36" y="40"/>
-                  <a:pt x="35" y="41"/>
-                  <a:pt x="35" y="43"/>
-                </a:cubicBezTo>
-                <a:cubicBezTo>
-                  <a:pt x="37" y="58"/>
-                  <a:pt x="37" y="58"/>
-                  <a:pt x="37" y="58"/>
-                </a:cubicBezTo>
-                <a:cubicBezTo>
-                  <a:pt x="37" y="59"/>
-                  <a:pt x="39" y="61"/>
-                  <a:pt x="40" y="60"/>
-                </a:cubicBezTo>
-                <a:cubicBezTo>
-                  <a:pt x="41" y="60"/>
-                  <a:pt x="41" y="60"/>
-                  <a:pt x="42" y="60"/>
-                </a:cubicBezTo>
-                <a:cubicBezTo>
-                  <a:pt x="42" y="63"/>
-                  <a:pt x="43" y="66"/>
-                  <a:pt x="43" y="69"/>
-                </a:cubicBezTo>
-                <a:cubicBezTo>
-                  <a:pt x="43" y="72"/>
-                  <a:pt x="46" y="75"/>
-                  <a:pt x="49" y="77"/>
-                </a:cubicBezTo>
-                <a:cubicBezTo>
-                  <a:pt x="49" y="81"/>
-                  <a:pt x="50" y="84"/>
-                  <a:pt x="50" y="88"/>
-                </a:cubicBezTo>
-                <a:cubicBezTo>
-                  <a:pt x="36" y="89"/>
-                  <a:pt x="21" y="93"/>
-                  <a:pt x="8" y="100"/>
-                </a:cubicBezTo>
-                <a:cubicBezTo>
-                  <a:pt x="3" y="102"/>
-                  <a:pt x="0" y="108"/>
-                  <a:pt x="1" y="113"/>
-                </a:cubicBezTo>
-                <a:cubicBezTo>
-                  <a:pt x="1" y="118"/>
-                  <a:pt x="2" y="123"/>
-                  <a:pt x="2" y="129"/>
-                </a:cubicBezTo>
-                <a:cubicBezTo>
-                  <a:pt x="3" y="133"/>
-                  <a:pt x="7" y="138"/>
-                  <a:pt x="11" y="139"/>
-                </a:cubicBezTo>
-                <a:cubicBezTo>
-                  <a:pt x="48" y="145"/>
-                  <a:pt x="86" y="145"/>
-                  <a:pt x="123" y="139"/>
-                </a:cubicBezTo>
-                <a:cubicBezTo>
-                  <a:pt x="127" y="138"/>
-                  <a:pt x="131" y="133"/>
-                  <a:pt x="132" y="129"/>
-                </a:cubicBezTo>
-                <a:cubicBezTo>
-                  <a:pt x="132" y="123"/>
-                  <a:pt x="133" y="118"/>
-                  <a:pt x="133" y="113"/>
-                </a:cubicBezTo>
-                <a:cubicBezTo>
-                  <a:pt x="134" y="108"/>
-                  <a:pt x="131" y="102"/>
-                  <a:pt x="126" y="100"/>
-                </a:cubicBezTo>
-                <a:close/>
-              </a:path>
-            </a:pathLst>
-          </a:custGeom>
-          <a:solidFill>
-            <a:schemeClr val="bg1"/>
-          </a:solidFill>
-          <a:ln>
-            <a:noFill/>
-          </a:ln>
-        </p:spPr>
-        <p:txBody>
-          <a:bodyPr vert="horz" wrap="square" lIns="91440" tIns="45720" rIns="91440" bIns="45720" numCol="1" anchor="t" anchorCtr="0" compatLnSpc="1"/>
-          <a:lstStyle/>
-          <a:p>
-            <a:endParaRPr lang="en-US">
-              <a:latin typeface="+mn-ea"/>
-            </a:endParaRPr>
-          </a:p>
-        </p:txBody>
-      </p:sp>
-    </p:spTree>
-    <p:extLst>
-      <p:ext uri="{BB962C8B-B14F-4D97-AF65-F5344CB8AC3E}">
-        <p14:creationId xmlns:p14="http://schemas.microsoft.com/office/powerpoint/2010/main" val="2323360506"/>
-      </p:ext>
-    </p:extLst>
-  </p:cSld>
-  <p:clrMapOvr>
-    <a:masterClrMapping/>
-  </p:clrMapOvr>
-  <mc:AlternateContent xmlns:mc="http://schemas.openxmlformats.org/markup-compatibility/2006" xmlns:p14="http://schemas.microsoft.com/office/powerpoint/2010/main">
-    <mc:Choice Requires="p14">
-      <p:transition spd="slow" p14:dur="900">
-        <p14:warp dir="in"/>
-      </p:transition>
-    </mc:Choice>
-    <mc:Fallback xmlns="">
-      <p:transition spd="slow">
-        <p:fade/>
-      </p:transition>
-    </mc:Fallback>
-  </mc:AlternateContent>
-  <p:timing>
-    <p:tnLst>
-      <p:par>
-        <p:cTn id="1" dur="indefinite" restart="never" nodeType="tmRoot">
-          <p:childTnLst>
-            <p:seq concurrent="1" nextAc="seek">
-              <p:cTn id="2" dur="indefinite" nodeType="mainSeq">
-                <p:childTnLst>
-                  <p:par>
-                    <p:cTn id="3" fill="hold">
-                      <p:stCondLst>
-                        <p:cond delay="indefinite"/>
-                        <p:cond evt="onBegin" delay="0">
-                          <p:tn val="2"/>
-                        </p:cond>
-                      </p:stCondLst>
-                      <p:childTnLst>
-                        <p:par>
-                          <p:cTn id="4" fill="hold">
-                            <p:stCondLst>
-                              <p:cond delay="0"/>
-                            </p:stCondLst>
-                            <p:childTnLst>
-                              <p:par>
-                                <p:cTn id="5" presetID="1" presetClass="entr" presetSubtype="0" fill="hold" nodeType="afterEffect">
-                                  <p:stCondLst>
-                                    <p:cond delay="0"/>
-                                  </p:stCondLst>
-                                  <p:childTnLst>
-                                    <p:set>
-                                      <p:cBhvr>
-                                        <p:cTn id="6" dur="1" fill="hold">
-                                          <p:stCondLst>
-                                            <p:cond delay="0"/>
-                                          </p:stCondLst>
-                                        </p:cTn>
-                                        <p:tgtEl>
-                                          <p:spTgt spid="4"/>
-                                        </p:tgtEl>
-                                        <p:attrNameLst>
-                                          <p:attrName>style.visibility</p:attrName>
-                                        </p:attrNameLst>
-                                      </p:cBhvr>
-                                      <p:to>
-                                        <p:strVal val="visible"/>
-                                      </p:to>
-                                    </p:set>
-                                  </p:childTnLst>
-                                </p:cTn>
-                              </p:par>
-                            </p:childTnLst>
-                          </p:cTn>
-                        </p:par>
-                        <p:par>
-                          <p:cTn id="7" fill="hold">
-                            <p:stCondLst>
-                              <p:cond delay="0"/>
-                            </p:stCondLst>
-                            <p:childTnLst>
-                              <p:par>
-                                <p:cTn id="8" presetID="12" presetClass="entr" presetSubtype="8" fill="hold" grpId="0" nodeType="afterEffect">
-                                  <p:stCondLst>
-                                    <p:cond delay="0"/>
-                                  </p:stCondLst>
-                                  <p:childTnLst>
-                                    <p:set>
-                                      <p:cBhvr>
-                                        <p:cTn id="9" dur="1" fill="hold">
-                                          <p:stCondLst>
-                                            <p:cond delay="0"/>
-                                          </p:stCondLst>
-                                        </p:cTn>
-                                        <p:tgtEl>
-                                          <p:spTgt spid="5"/>
-                                        </p:tgtEl>
-                                        <p:attrNameLst>
-                                          <p:attrName>style.visibility</p:attrName>
-                                        </p:attrNameLst>
-                                      </p:cBhvr>
-                                      <p:to>
-                                        <p:strVal val="visible"/>
-                                      </p:to>
-                                    </p:set>
-                                    <p:anim calcmode="lin" valueType="num">
-                                      <p:cBhvr additive="base">
-                                        <p:cTn id="10" dur="500"/>
-                                        <p:tgtEl>
-                                          <p:spTgt spid="5"/>
-                                        </p:tgtEl>
-                                        <p:attrNameLst>
-                                          <p:attrName>ppt_x</p:attrName>
-                                        </p:attrNameLst>
-                                      </p:cBhvr>
-                                      <p:tavLst>
-                                        <p:tav tm="0">
-                                          <p:val>
-                                            <p:strVal val="#ppt_x-#ppt_w*1.125000"/>
-                                          </p:val>
-                                        </p:tav>
-                                        <p:tav tm="100000">
-                                          <p:val>
-                                            <p:strVal val="#ppt_x"/>
-                                          </p:val>
-                                        </p:tav>
-                                      </p:tavLst>
-                                    </p:anim>
-                                    <p:animEffect transition="in" filter="wipe(right)">
-                                      <p:cBhvr>
-                                        <p:cTn id="11" dur="500"/>
-                                        <p:tgtEl>
-                                          <p:spTgt spid="5"/>
-                                        </p:tgtEl>
-                                      </p:cBhvr>
-                                    </p:animEffect>
-                                  </p:childTnLst>
-                                </p:cTn>
-                              </p:par>
-                            </p:childTnLst>
-                          </p:cTn>
-                        </p:par>
-                        <p:par>
-                          <p:cTn id="12" fill="hold">
-                            <p:stCondLst>
-                              <p:cond delay="500"/>
-                            </p:stCondLst>
-                            <p:childTnLst>
-                              <p:par>
-                                <p:cTn id="13" presetID="22" presetClass="entr" presetSubtype="8" fill="hold" nodeType="afterEffect">
-                                  <p:stCondLst>
-                                    <p:cond delay="0"/>
-                                  </p:stCondLst>
-                                  <p:childTnLst>
-                                    <p:set>
-                                      <p:cBhvr>
-                                        <p:cTn id="14" dur="1" fill="hold">
-                                          <p:stCondLst>
-                                            <p:cond delay="0"/>
-                                          </p:stCondLst>
-                                        </p:cTn>
-                                        <p:tgtEl>
-                                          <p:spTgt spid="10"/>
-                                        </p:tgtEl>
-                                        <p:attrNameLst>
-                                          <p:attrName>style.visibility</p:attrName>
-                                        </p:attrNameLst>
-                                      </p:cBhvr>
-                                      <p:to>
-                                        <p:strVal val="visible"/>
-                                      </p:to>
-                                    </p:set>
-                                    <p:animEffect transition="in" filter="wipe(left)">
-                                      <p:cBhvr>
-                                        <p:cTn id="15" dur="500"/>
-                                        <p:tgtEl>
-                                          <p:spTgt spid="10"/>
-                                        </p:tgtEl>
-                                      </p:cBhvr>
-                                    </p:animEffect>
-                                  </p:childTnLst>
-                                </p:cTn>
-                              </p:par>
-                            </p:childTnLst>
-                          </p:cTn>
-                        </p:par>
-                        <p:par>
-                          <p:cTn id="16" fill="hold">
-                            <p:stCondLst>
-                              <p:cond delay="1000"/>
-                            </p:stCondLst>
-                            <p:childTnLst>
-                              <p:par>
-                                <p:cTn id="17" presetID="10" presetClass="entr" presetSubtype="0" fill="hold" nodeType="afterEffect">
-                                  <p:stCondLst>
-                                    <p:cond delay="0"/>
-                                  </p:stCondLst>
-                                  <p:childTnLst>
-                                    <p:set>
-                                      <p:cBhvr>
-                                        <p:cTn id="18" dur="1" fill="hold">
-                                          <p:stCondLst>
-                                            <p:cond delay="0"/>
-                                          </p:stCondLst>
-                                        </p:cTn>
-                                        <p:tgtEl>
-                                          <p:spTgt spid="6"/>
-                                        </p:tgtEl>
-                                        <p:attrNameLst>
-                                          <p:attrName>style.visibility</p:attrName>
-                                        </p:attrNameLst>
-                                      </p:cBhvr>
-                                      <p:to>
-                                        <p:strVal val="visible"/>
-                                      </p:to>
-                                    </p:set>
-                                    <p:animEffect transition="in" filter="fade">
-                                      <p:cBhvr>
-                                        <p:cTn id="19" dur="500"/>
-                                        <p:tgtEl>
-                                          <p:spTgt spid="6"/>
-                                        </p:tgtEl>
-                                      </p:cBhvr>
-                                    </p:animEffect>
-                                  </p:childTnLst>
-                                </p:cTn>
-                              </p:par>
-                            </p:childTnLst>
-                          </p:cTn>
-                        </p:par>
-                        <p:par>
-                          <p:cTn id="20" fill="hold">
-                            <p:stCondLst>
-                              <p:cond delay="1500"/>
-                            </p:stCondLst>
-                            <p:childTnLst>
-                              <p:par>
-                                <p:cTn id="21" presetID="2" presetClass="entr" presetSubtype="4" accel="50000" decel="50000" fill="hold" nodeType="afterEffect">
-                                  <p:stCondLst>
-                                    <p:cond delay="0"/>
-                                  </p:stCondLst>
-                                  <p:childTnLst>
-                                    <p:set>
-                                      <p:cBhvr>
-                                        <p:cTn id="22" dur="1" fill="hold">
-                                          <p:stCondLst>
-                                            <p:cond delay="0"/>
-                                          </p:stCondLst>
-                                        </p:cTn>
-                                        <p:tgtEl>
-                                          <p:spTgt spid="14"/>
-                                        </p:tgtEl>
-                                        <p:attrNameLst>
-                                          <p:attrName>style.visibility</p:attrName>
-                                        </p:attrNameLst>
-                                      </p:cBhvr>
-                                      <p:to>
-                                        <p:strVal val="visible"/>
-                                      </p:to>
-                                    </p:set>
-                                    <p:anim calcmode="lin" valueType="num">
-                                      <p:cBhvr additive="base">
-                                        <p:cTn id="23" dur="500" fill="hold"/>
-                                        <p:tgtEl>
-                                          <p:spTgt spid="14"/>
-                                        </p:tgtEl>
-                                        <p:attrNameLst>
-                                          <p:attrName>ppt_x</p:attrName>
-                                        </p:attrNameLst>
-                                      </p:cBhvr>
-                                      <p:tavLst>
-                                        <p:tav tm="0">
-                                          <p:val>
-                                            <p:strVal val="#ppt_x"/>
-                                          </p:val>
-                                        </p:tav>
-                                        <p:tav tm="100000">
-                                          <p:val>
-                                            <p:strVal val="#ppt_x"/>
-                                          </p:val>
-                                        </p:tav>
-                                      </p:tavLst>
-                                    </p:anim>
-                                    <p:anim calcmode="lin" valueType="num">
-                                      <p:cBhvr additive="base">
-                                        <p:cTn id="24" dur="500" fill="hold"/>
-                                        <p:tgtEl>
-                                          <p:spTgt spid="14"/>
-                                        </p:tgtEl>
-                                        <p:attrNameLst>
-                                          <p:attrName>ppt_y</p:attrName>
-                                        </p:attrNameLst>
-                                      </p:cBhvr>
-                                      <p:tavLst>
-                                        <p:tav tm="0">
-                                          <p:val>
-                                            <p:strVal val="1+#ppt_h/2"/>
-                                          </p:val>
-                                        </p:tav>
-                                        <p:tav tm="100000">
-                                          <p:val>
-                                            <p:strVal val="#ppt_y"/>
-                                          </p:val>
-                                        </p:tav>
-                                      </p:tavLst>
-                                    </p:anim>
-                                  </p:childTnLst>
-                                </p:cTn>
-                              </p:par>
-                            </p:childTnLst>
-                          </p:cTn>
-                        </p:par>
-                        <p:par>
-                          <p:cTn id="25" fill="hold">
-                            <p:stCondLst>
-                              <p:cond delay="2000"/>
-                            </p:stCondLst>
-                            <p:childTnLst>
-                              <p:par>
-                                <p:cTn id="26" presetID="12" presetClass="entr" presetSubtype="4" fill="hold" grpId="0" nodeType="afterEffect">
-                                  <p:stCondLst>
-                                    <p:cond delay="0"/>
-                                  </p:stCondLst>
-                                  <p:childTnLst>
-                                    <p:set>
-                                      <p:cBhvr>
-                                        <p:cTn id="27" dur="1" fill="hold">
-                                          <p:stCondLst>
-                                            <p:cond delay="0"/>
-                                          </p:stCondLst>
-                                        </p:cTn>
-                                        <p:tgtEl>
-                                          <p:spTgt spid="36"/>
-                                        </p:tgtEl>
-                                        <p:attrNameLst>
-                                          <p:attrName>style.visibility</p:attrName>
-                                        </p:attrNameLst>
-                                      </p:cBhvr>
-                                      <p:to>
-                                        <p:strVal val="visible"/>
-                                      </p:to>
-                                    </p:set>
-                                    <p:animEffect transition="in" filter="slide(fromBottom)">
-                                      <p:cBhvr>
-                                        <p:cTn id="28" dur="500"/>
-                                        <p:tgtEl>
-                                          <p:spTgt spid="36"/>
-                                        </p:tgtEl>
-                                      </p:cBhvr>
-                                    </p:animEffect>
-                                  </p:childTnLst>
-                                </p:cTn>
-                              </p:par>
-                            </p:childTnLst>
-                          </p:cTn>
-                        </p:par>
-                        <p:par>
-                          <p:cTn id="29" fill="hold">
-                            <p:stCondLst>
-                              <p:cond delay="2500"/>
-                            </p:stCondLst>
-                            <p:childTnLst>
-                              <p:par>
-                                <p:cTn id="30" presetID="12" presetClass="entr" presetSubtype="4" fill="hold" nodeType="afterEffect">
-                                  <p:stCondLst>
-                                    <p:cond delay="0"/>
-                                  </p:stCondLst>
-                                  <p:childTnLst>
-                                    <p:set>
-                                      <p:cBhvr>
-                                        <p:cTn id="31" dur="1" fill="hold">
-                                          <p:stCondLst>
-                                            <p:cond delay="0"/>
-                                          </p:stCondLst>
-                                        </p:cTn>
-                                        <p:tgtEl>
-                                          <p:spTgt spid="28"/>
-                                        </p:tgtEl>
-                                        <p:attrNameLst>
-                                          <p:attrName>style.visibility</p:attrName>
-                                        </p:attrNameLst>
-                                      </p:cBhvr>
-                                      <p:to>
-                                        <p:strVal val="visible"/>
-                                      </p:to>
-                                    </p:set>
-                                    <p:animEffect transition="in" filter="slide(fromBottom)">
-                                      <p:cBhvr>
-                                        <p:cTn id="32" dur="500"/>
-                                        <p:tgtEl>
-                                          <p:spTgt spid="28"/>
-                                        </p:tgtEl>
-                                      </p:cBhvr>
-                                    </p:animEffect>
-                                  </p:childTnLst>
-                                </p:cTn>
-                              </p:par>
-                            </p:childTnLst>
-                          </p:cTn>
-                        </p:par>
-                        <p:par>
-                          <p:cTn id="33" fill="hold">
-                            <p:stCondLst>
-                              <p:cond delay="3000"/>
-                            </p:stCondLst>
-                            <p:childTnLst>
-                              <p:par>
-                                <p:cTn id="34" presetID="18" presetClass="entr" presetSubtype="3" fill="hold" nodeType="afterEffect">
-                                  <p:stCondLst>
-                                    <p:cond delay="0"/>
-                                  </p:stCondLst>
-                                  <p:childTnLst>
-                                    <p:set>
-                                      <p:cBhvr>
-                                        <p:cTn id="35" dur="1" fill="hold">
-                                          <p:stCondLst>
-                                            <p:cond delay="0"/>
-                                          </p:stCondLst>
-                                        </p:cTn>
-                                        <p:tgtEl>
-                                          <p:spTgt spid="13"/>
-                                        </p:tgtEl>
-                                        <p:attrNameLst>
-                                          <p:attrName>style.visibility</p:attrName>
-                                        </p:attrNameLst>
-                                      </p:cBhvr>
-                                      <p:to>
-                                        <p:strVal val="visible"/>
-                                      </p:to>
-                                    </p:set>
-                                    <p:animEffect transition="in" filter="strips(upRight)">
-                                      <p:cBhvr>
-                                        <p:cTn id="36" dur="500"/>
-                                        <p:tgtEl>
-                                          <p:spTgt spid="13"/>
-                                        </p:tgtEl>
-                                      </p:cBhvr>
-                                    </p:animEffect>
-                                  </p:childTnLst>
-                                </p:cTn>
-                              </p:par>
-                            </p:childTnLst>
-                          </p:cTn>
-                        </p:par>
-                        <p:par>
-                          <p:cTn id="37" fill="hold">
-                            <p:stCondLst>
-                              <p:cond delay="3500"/>
-                            </p:stCondLst>
-                            <p:childTnLst>
-                              <p:par>
-                                <p:cTn id="38" presetID="2" presetClass="entr" presetSubtype="4" accel="50000" decel="50000" fill="hold" nodeType="afterEffect">
-                                  <p:stCondLst>
-                                    <p:cond delay="0"/>
-                                  </p:stCondLst>
-                                  <p:childTnLst>
-                                    <p:set>
-                                      <p:cBhvr>
-                                        <p:cTn id="39" dur="1" fill="hold">
-                                          <p:stCondLst>
-                                            <p:cond delay="0"/>
-                                          </p:stCondLst>
-                                        </p:cTn>
-                                        <p:tgtEl>
-                                          <p:spTgt spid="21"/>
-                                        </p:tgtEl>
-                                        <p:attrNameLst>
-                                          <p:attrName>style.visibility</p:attrName>
-                                        </p:attrNameLst>
-                                      </p:cBhvr>
-                                      <p:to>
-                                        <p:strVal val="visible"/>
-                                      </p:to>
-                                    </p:set>
-                                    <p:anim calcmode="lin" valueType="num">
-                                      <p:cBhvr additive="base">
-                                        <p:cTn id="40" dur="500" fill="hold"/>
-                                        <p:tgtEl>
-                                          <p:spTgt spid="21"/>
-                                        </p:tgtEl>
-                                        <p:attrNameLst>
-                                          <p:attrName>ppt_x</p:attrName>
-                                        </p:attrNameLst>
-                                      </p:cBhvr>
-                                      <p:tavLst>
-                                        <p:tav tm="0">
-                                          <p:val>
-                                            <p:strVal val="#ppt_x"/>
-                                          </p:val>
-                                        </p:tav>
-                                        <p:tav tm="100000">
-                                          <p:val>
-                                            <p:strVal val="#ppt_x"/>
-                                          </p:val>
-                                        </p:tav>
-                                      </p:tavLst>
-                                    </p:anim>
-                                    <p:anim calcmode="lin" valueType="num">
-                                      <p:cBhvr additive="base">
-                                        <p:cTn id="41" dur="500" fill="hold"/>
-                                        <p:tgtEl>
-                                          <p:spTgt spid="21"/>
-                                        </p:tgtEl>
-                                        <p:attrNameLst>
-                                          <p:attrName>ppt_y</p:attrName>
-                                        </p:attrNameLst>
-                                      </p:cBhvr>
-                                      <p:tavLst>
-                                        <p:tav tm="0">
-                                          <p:val>
-                                            <p:strVal val="1+#ppt_h/2"/>
-                                          </p:val>
-                                        </p:tav>
-                                        <p:tav tm="100000">
-                                          <p:val>
-                                            <p:strVal val="#ppt_y"/>
-                                          </p:val>
-                                        </p:tav>
-                                      </p:tavLst>
-                                    </p:anim>
-                                  </p:childTnLst>
-                                </p:cTn>
-                              </p:par>
-                            </p:childTnLst>
-                          </p:cTn>
-                        </p:par>
-                        <p:par>
-                          <p:cTn id="42" fill="hold">
-                            <p:stCondLst>
-                              <p:cond delay="4000"/>
-                            </p:stCondLst>
-                            <p:childTnLst>
-                              <p:par>
-                                <p:cTn id="43" presetID="12" presetClass="entr" presetSubtype="4" fill="hold" grpId="0" nodeType="afterEffect">
-                                  <p:stCondLst>
-                                    <p:cond delay="0"/>
-                                  </p:stCondLst>
-                                  <p:childTnLst>
-                                    <p:set>
-                                      <p:cBhvr>
-                                        <p:cTn id="44" dur="1" fill="hold">
-                                          <p:stCondLst>
-                                            <p:cond delay="0"/>
-                                          </p:stCondLst>
-                                        </p:cTn>
-                                        <p:tgtEl>
-                                          <p:spTgt spid="37"/>
-                                        </p:tgtEl>
-                                        <p:attrNameLst>
-                                          <p:attrName>style.visibility</p:attrName>
-                                        </p:attrNameLst>
-                                      </p:cBhvr>
-                                      <p:to>
-                                        <p:strVal val="visible"/>
-                                      </p:to>
-                                    </p:set>
-                                    <p:animEffect transition="in" filter="slide(fromBottom)">
-                                      <p:cBhvr>
-                                        <p:cTn id="45" dur="500"/>
-                                        <p:tgtEl>
-                                          <p:spTgt spid="37"/>
-                                        </p:tgtEl>
-                                      </p:cBhvr>
-                                    </p:animEffect>
-                                  </p:childTnLst>
-                                </p:cTn>
-                              </p:par>
-                            </p:childTnLst>
-                          </p:cTn>
-                        </p:par>
-                        <p:par>
-                          <p:cTn id="46" fill="hold">
-                            <p:stCondLst>
-                              <p:cond delay="4500"/>
-                            </p:stCondLst>
-                            <p:childTnLst>
-                              <p:par>
-                                <p:cTn id="47" presetID="12" presetClass="entr" presetSubtype="4" fill="hold" nodeType="afterEffect">
-                                  <p:stCondLst>
-                                    <p:cond delay="0"/>
-                                  </p:stCondLst>
-                                  <p:childTnLst>
-                                    <p:set>
-                                      <p:cBhvr>
-                                        <p:cTn id="48" dur="1" fill="hold">
-                                          <p:stCondLst>
-                                            <p:cond delay="0"/>
-                                          </p:stCondLst>
-                                        </p:cTn>
-                                        <p:tgtEl>
-                                          <p:spTgt spid="32"/>
-                                        </p:tgtEl>
-                                        <p:attrNameLst>
-                                          <p:attrName>style.visibility</p:attrName>
-                                        </p:attrNameLst>
-                                      </p:cBhvr>
-                                      <p:to>
-                                        <p:strVal val="visible"/>
-                                      </p:to>
-                                    </p:set>
-                                    <p:animEffect transition="in" filter="slide(fromBottom)">
-                                      <p:cBhvr>
-                                        <p:cTn id="49" dur="500"/>
-                                        <p:tgtEl>
-                                          <p:spTgt spid="32"/>
-                                        </p:tgtEl>
-                                      </p:cBhvr>
-                                    </p:animEffect>
-                                  </p:childTnLst>
-                                </p:cTn>
-                              </p:par>
-                            </p:childTnLst>
-                          </p:cTn>
-                        </p:par>
-                      </p:childTnLst>
-                    </p:cTn>
-                  </p:par>
-                </p:childTnLst>
-              </p:cTn>
-              <p:prevCondLst>
-                <p:cond evt="onPrev" delay="0">
-                  <p:tgtEl>
-                    <p:sldTgt/>
-                  </p:tgtEl>
-                </p:cond>
-              </p:prevCondLst>
-              <p:nextCondLst>
-                <p:cond evt="onNext" delay="0">
-                  <p:tgtEl>
-                    <p:sldTgt/>
-                  </p:tgtEl>
-                </p:cond>
-              </p:nextCondLst>
-            </p:seq>
-          </p:childTnLst>
-        </p:cTn>
-      </p:par>
-    </p:tnLst>
-    <p:bldLst>
-      <p:bldP spid="5" grpId="0" animBg="1"/>
-      <p:bldP spid="36" grpId="0" animBg="1"/>
-      <p:bldP spid="37" grpId="0" animBg="1"/>
-    </p:bldLst>
-  </p:timing>
-</p:sld>
-</file>
-
-<file path=ppt/slides/slide11.xml><?xml version="1.0" encoding="utf-8"?>
-<p:sld xmlns:a="http://schemas.openxmlformats.org/drawingml/2006/main" xmlns:r="http://schemas.openxmlformats.org/officeDocument/2006/relationships" xmlns:p="http://schemas.openxmlformats.org/presentationml/2006/main">
-  <p:cSld>
-    <p:spTree>
-      <p:nvGrpSpPr>
-        <p:cNvPr id="1" name=""/>
-        <p:cNvGrpSpPr/>
-        <p:nvPr/>
-      </p:nvGrpSpPr>
-      <p:grpSpPr>
-        <a:xfrm>
-          <a:off x="0" y="0"/>
-          <a:ext cx="0" cy="0"/>
-          <a:chOff x="0" y="0"/>
-          <a:chExt cx="0" cy="0"/>
-        </a:xfrm>
-      </p:grpSpPr>
-      <p:cxnSp>
-        <p:nvCxnSpPr>
-          <p:cNvPr id="4" name="直接连接符 3"/>
-          <p:cNvCxnSpPr/>
-          <p:nvPr/>
-        </p:nvCxnSpPr>
-        <p:spPr>
-          <a:xfrm>
-            <a:off x="400053" y="638173"/>
-            <a:ext cx="8353425" cy="0"/>
-          </a:xfrm>
-          <a:prstGeom prst="line">
-            <a:avLst/>
-          </a:prstGeom>
-          <a:ln>
-            <a:solidFill>
-              <a:schemeClr val="tx1">
-                <a:lumMod val="75000"/>
-                <a:lumOff val="25000"/>
-              </a:schemeClr>
-            </a:solidFill>
-          </a:ln>
-        </p:spPr>
-        <p:style>
-          <a:lnRef idx="1">
-            <a:schemeClr val="accent1"/>
-          </a:lnRef>
-          <a:fillRef idx="0">
-            <a:schemeClr val="accent1"/>
-          </a:fillRef>
-          <a:effectRef idx="0">
-            <a:schemeClr val="accent1"/>
-          </a:effectRef>
-          <a:fontRef idx="minor">
-            <a:schemeClr val="tx1"/>
-          </a:fontRef>
-        </p:style>
-      </p:cxnSp>
-      <p:sp>
-        <p:nvSpPr>
-          <p:cNvPr id="5" name="等腰三角形 4"/>
-          <p:cNvSpPr>
-            <a:spLocks noChangeAspect="1"/>
-          </p:cNvSpPr>
-          <p:nvPr/>
-        </p:nvSpPr>
-        <p:spPr>
-          <a:xfrm rot="5400000">
-            <a:off x="428366" y="284068"/>
-            <a:ext cx="301336" cy="182474"/>
-          </a:xfrm>
-          <a:prstGeom prst="triangle">
-            <a:avLst/>
-          </a:prstGeom>
-          <a:solidFill>
-            <a:srgbClr val="126FAC"/>
-          </a:solidFill>
-          <a:ln>
-            <a:noFill/>
-          </a:ln>
-        </p:spPr>
-        <p:style>
-          <a:lnRef idx="2">
-            <a:schemeClr val="accent1">
-              <a:shade val="50000"/>
-            </a:schemeClr>
-          </a:lnRef>
-          <a:fillRef idx="1">
-            <a:schemeClr val="accent1"/>
-          </a:fillRef>
-          <a:effectRef idx="0">
-            <a:schemeClr val="accent1"/>
-          </a:effectRef>
-          <a:fontRef idx="minor">
-            <a:schemeClr val="lt1"/>
-          </a:fontRef>
-        </p:style>
-        <p:txBody>
-          <a:bodyPr lIns="68571" tIns="34286" rIns="68571" bIns="34286" rtlCol="0" anchor="ctr"/>
-          <a:lstStyle/>
-          <a:p>
-            <a:pPr algn="ctr"/>
-            <a:endParaRPr lang="zh-CN" altLang="en-US"/>
-          </a:p>
-        </p:txBody>
-      </p:sp>
-      <p:grpSp>
-        <p:nvGrpSpPr>
-          <p:cNvPr id="6" name="组合 5"/>
-          <p:cNvGrpSpPr/>
-          <p:nvPr/>
-        </p:nvGrpSpPr>
-        <p:grpSpPr>
-          <a:xfrm>
-            <a:off x="7064753" y="258202"/>
-            <a:ext cx="2043750" cy="337974"/>
-            <a:chOff x="6627969" y="224548"/>
-            <a:chExt cx="2364855" cy="450633"/>
-          </a:xfrm>
-        </p:grpSpPr>
-        <p:sp>
-          <p:nvSpPr>
-            <p:cNvPr id="7" name="TextBox 19"/>
-            <p:cNvSpPr txBox="1"/>
-            <p:nvPr/>
-          </p:nvSpPr>
-          <p:spPr>
-            <a:xfrm>
-              <a:off x="6627969" y="224548"/>
-              <a:ext cx="1155002" cy="410370"/>
-            </a:xfrm>
-            <a:prstGeom prst="rect">
-              <a:avLst/>
-            </a:prstGeom>
-            <a:noFill/>
-          </p:spPr>
-          <p:txBody>
-            <a:bodyPr wrap="square" rtlCol="0">
-              <a:spAutoFit/>
-            </a:bodyPr>
-            <a:lstStyle/>
-            <a:p>
-              <a:pPr algn="ctr"/>
-              <a:r>
-                <a:rPr lang="en-US" altLang="zh-CN" sz="1400" b="1" dirty="0" smtClean="0">
-                  <a:solidFill>
-                    <a:srgbClr val="0070C0"/>
-                  </a:solidFill>
-                  <a:latin typeface="微软雅黑" pitchFamily="34" charset="-122"/>
-                  <a:ea typeface="微软雅黑" pitchFamily="34" charset="-122"/>
-                </a:rPr>
-                <a:t>LOGO</a:t>
-              </a:r>
-              <a:endParaRPr lang="zh-CN" altLang="en-US" sz="1400" b="1" dirty="0">
-                <a:solidFill>
-                  <a:srgbClr val="0070C0"/>
-                </a:solidFill>
-                <a:latin typeface="微软雅黑" pitchFamily="34" charset="-122"/>
-                <a:ea typeface="微软雅黑" pitchFamily="34" charset="-122"/>
-              </a:endParaRPr>
-            </a:p>
-          </p:txBody>
-        </p:sp>
-        <p:sp>
-          <p:nvSpPr>
-            <p:cNvPr id="8" name="TextBox 20"/>
-            <p:cNvSpPr txBox="1"/>
-            <p:nvPr/>
-          </p:nvSpPr>
-          <p:spPr>
-            <a:xfrm>
-              <a:off x="7467703" y="236937"/>
-              <a:ext cx="1525121" cy="348814"/>
-            </a:xfrm>
-            <a:prstGeom prst="rect">
-              <a:avLst/>
-            </a:prstGeom>
-            <a:noFill/>
-          </p:spPr>
-          <p:txBody>
-            <a:bodyPr wrap="square" rtlCol="0">
-              <a:spAutoFit/>
-            </a:bodyPr>
-            <a:lstStyle/>
-            <a:p>
-              <a:r>
-                <a:rPr lang="zh-CN" altLang="en-US" sz="1100" b="0" dirty="0" smtClean="0">
-                  <a:solidFill>
-                    <a:schemeClr val="tx1">
-                      <a:lumMod val="75000"/>
-                      <a:lumOff val="25000"/>
-                    </a:schemeClr>
-                  </a:solidFill>
-                  <a:latin typeface="微软雅黑" pitchFamily="34" charset="-122"/>
-                  <a:ea typeface="微软雅黑" pitchFamily="34" charset="-122"/>
-                </a:rPr>
-                <a:t>您的公司名称</a:t>
-              </a:r>
-              <a:endParaRPr lang="zh-CN" altLang="en-US" sz="1100" b="0" dirty="0">
-                <a:solidFill>
-                  <a:schemeClr val="tx1">
-                    <a:lumMod val="75000"/>
-                    <a:lumOff val="25000"/>
-                  </a:schemeClr>
-                </a:solidFill>
-                <a:latin typeface="微软雅黑" pitchFamily="34" charset="-122"/>
-                <a:ea typeface="微软雅黑" pitchFamily="34" charset="-122"/>
-              </a:endParaRPr>
-            </a:p>
-          </p:txBody>
-        </p:sp>
-        <p:sp>
-          <p:nvSpPr>
-            <p:cNvPr id="9" name="TextBox 21"/>
-            <p:cNvSpPr txBox="1"/>
-            <p:nvPr/>
-          </p:nvSpPr>
-          <p:spPr>
-            <a:xfrm>
-              <a:off x="7499344" y="428959"/>
-              <a:ext cx="1410159" cy="246222"/>
-            </a:xfrm>
-            <a:prstGeom prst="rect">
-              <a:avLst/>
-            </a:prstGeom>
-            <a:noFill/>
-          </p:spPr>
-          <p:txBody>
-            <a:bodyPr wrap="square" rtlCol="0">
-              <a:spAutoFit/>
-            </a:bodyPr>
-            <a:lstStyle/>
-            <a:p>
-              <a:r>
-                <a:rPr lang="en-US" altLang="zh-CN" sz="600" dirty="0">
-                  <a:solidFill>
-                    <a:schemeClr val="tx1">
-                      <a:lumMod val="60000"/>
-                      <a:lumOff val="40000"/>
-                    </a:schemeClr>
-                  </a:solidFill>
-                </a:rPr>
-                <a:t>Your company name</a:t>
-              </a:r>
-              <a:endParaRPr lang="zh-CN" altLang="en-US" sz="600" dirty="0">
-                <a:solidFill>
-                  <a:schemeClr val="tx1">
-                    <a:lumMod val="60000"/>
-                    <a:lumOff val="40000"/>
-                  </a:schemeClr>
-                </a:solidFill>
-              </a:endParaRPr>
-            </a:p>
-          </p:txBody>
-        </p:sp>
-      </p:grpSp>
-      <p:grpSp>
-        <p:nvGrpSpPr>
-          <p:cNvPr id="10" name="组合 9"/>
-          <p:cNvGrpSpPr/>
-          <p:nvPr/>
-        </p:nvGrpSpPr>
-        <p:grpSpPr>
-          <a:xfrm>
-            <a:off x="742950" y="219077"/>
-            <a:ext cx="3171739" cy="336449"/>
-            <a:chOff x="742950" y="219077"/>
-            <a:chExt cx="3171739" cy="336449"/>
-          </a:xfrm>
-        </p:grpSpPr>
-        <p:sp>
-          <p:nvSpPr>
-            <p:cNvPr id="11" name="TextBox 22"/>
-            <p:cNvSpPr txBox="1"/>
-            <p:nvPr/>
-          </p:nvSpPr>
-          <p:spPr>
-            <a:xfrm>
-              <a:off x="742950" y="219077"/>
-              <a:ext cx="1981200" cy="315463"/>
-            </a:xfrm>
-            <a:prstGeom prst="rect">
-              <a:avLst/>
-            </a:prstGeom>
-            <a:noFill/>
-          </p:spPr>
-          <p:txBody>
-            <a:bodyPr wrap="square" lIns="68571" tIns="34286" rIns="68571" bIns="34286" rtlCol="0">
-              <a:spAutoFit/>
-            </a:bodyPr>
-            <a:lstStyle/>
-            <a:p>
-              <a:r>
-                <a:rPr lang="zh-CN" altLang="en-US" sz="1600" dirty="0" smtClean="0">
-                  <a:solidFill>
-                    <a:schemeClr val="tx1">
-                      <a:lumMod val="85000"/>
-                      <a:lumOff val="15000"/>
-                    </a:schemeClr>
-                  </a:solidFill>
-                  <a:latin typeface="微软雅黑" pitchFamily="34" charset="-122"/>
-                  <a:ea typeface="微软雅黑" pitchFamily="34" charset="-122"/>
-                </a:rPr>
-                <a:t>单击添加标题</a:t>
-              </a:r>
-              <a:endParaRPr lang="zh-CN" altLang="en-US" sz="1600" dirty="0">
-                <a:solidFill>
-                  <a:schemeClr val="tx1">
-                    <a:lumMod val="85000"/>
-                    <a:lumOff val="15000"/>
-                  </a:schemeClr>
-                </a:solidFill>
-                <a:latin typeface="微软雅黑" pitchFamily="34" charset="-122"/>
-                <a:ea typeface="微软雅黑" pitchFamily="34" charset="-122"/>
-              </a:endParaRPr>
-            </a:p>
-          </p:txBody>
-        </p:sp>
-        <p:sp>
-          <p:nvSpPr>
-            <p:cNvPr id="12" name="TextBox 23"/>
-            <p:cNvSpPr txBox="1"/>
-            <p:nvPr/>
-          </p:nvSpPr>
-          <p:spPr>
-            <a:xfrm>
-              <a:off x="2051720" y="301618"/>
-              <a:ext cx="1862969" cy="253908"/>
-            </a:xfrm>
-            <a:prstGeom prst="rect">
-              <a:avLst/>
-            </a:prstGeom>
-            <a:noFill/>
-          </p:spPr>
-          <p:txBody>
-            <a:bodyPr wrap="square" lIns="68571" tIns="34286" rIns="68571" bIns="34286" rtlCol="0">
-              <a:spAutoFit/>
-            </a:bodyPr>
-            <a:lstStyle/>
-            <a:p>
-              <a:r>
-                <a:rPr lang="en-US" altLang="zh-CN" sz="1200" dirty="0" smtClean="0">
-                  <a:solidFill>
-                    <a:schemeClr val="tx1">
-                      <a:lumMod val="65000"/>
-                      <a:lumOff val="35000"/>
-                    </a:schemeClr>
-                  </a:solidFill>
-                  <a:ea typeface="微软雅黑"/>
-                </a:rPr>
-                <a:t>Click to add a caption</a:t>
-              </a:r>
-              <a:endParaRPr lang="zh-CN" altLang="en-US" sz="1200" dirty="0">
-                <a:solidFill>
-                  <a:schemeClr val="tx1">
-                    <a:lumMod val="65000"/>
-                    <a:lumOff val="35000"/>
-                  </a:schemeClr>
-                </a:solidFill>
-                <a:ea typeface="微软雅黑"/>
-              </a:endParaRPr>
-            </a:p>
-          </p:txBody>
-        </p:sp>
-      </p:grpSp>
-      <p:sp>
-        <p:nvSpPr>
-          <p:cNvPr id="13" name="TextBox 22"/>
-          <p:cNvSpPr txBox="1"/>
-          <p:nvPr/>
-        </p:nvSpPr>
-        <p:spPr>
-          <a:xfrm>
-            <a:off x="776085" y="4030049"/>
-            <a:ext cx="7591831" cy="461665"/>
-          </a:xfrm>
-          <a:prstGeom prst="rect">
-            <a:avLst/>
-          </a:prstGeom>
-          <a:noFill/>
-        </p:spPr>
-        <p:txBody>
-          <a:bodyPr wrap="square" lIns="0" tIns="0" rIns="0" bIns="0" rtlCol="0">
-            <a:spAutoFit/>
-          </a:bodyPr>
-          <a:lstStyle/>
-          <a:p>
-            <a:pPr algn="ctr"/>
-            <a:r>
-              <a:rPr lang="zh-CN" altLang="en-US" sz="1000" b="1" dirty="0">
-                <a:solidFill>
-                  <a:schemeClr val="tx1">
-                    <a:lumMod val="50000"/>
-                    <a:lumOff val="50000"/>
-                  </a:schemeClr>
-                </a:solidFill>
-                <a:latin typeface="+mn-ea"/>
-              </a:rPr>
-              <a:t>此处添加详细文本描述，建议与标题相关并符合整体语言风格，语言描述尽量简洁生动。尽量将每页幻灯片的字数控制在</a:t>
-            </a:r>
-            <a:r>
-              <a:rPr lang="en-US" altLang="zh-CN" sz="1000" b="1" dirty="0">
-                <a:solidFill>
-                  <a:schemeClr val="tx1">
-                    <a:lumMod val="50000"/>
-                    <a:lumOff val="50000"/>
-                  </a:schemeClr>
-                </a:solidFill>
-                <a:latin typeface="+mn-ea"/>
-              </a:rPr>
-              <a:t>200</a:t>
-            </a:r>
-            <a:r>
-              <a:rPr lang="zh-CN" altLang="en-US" sz="1000" b="1" dirty="0">
-                <a:solidFill>
-                  <a:schemeClr val="tx1">
-                    <a:lumMod val="50000"/>
-                    <a:lumOff val="50000"/>
-                  </a:schemeClr>
-                </a:solidFill>
-                <a:latin typeface="+mn-ea"/>
-              </a:rPr>
-              <a:t>字以内，据统计每页幻灯片的最好控制在</a:t>
-            </a:r>
-            <a:r>
-              <a:rPr lang="en-US" altLang="zh-CN" sz="1000" b="1" dirty="0">
-                <a:solidFill>
-                  <a:schemeClr val="tx1">
-                    <a:lumMod val="50000"/>
-                    <a:lumOff val="50000"/>
-                  </a:schemeClr>
-                </a:solidFill>
-                <a:latin typeface="+mn-ea"/>
-              </a:rPr>
-              <a:t>5</a:t>
-            </a:r>
-            <a:r>
-              <a:rPr lang="zh-CN" altLang="en-US" sz="1000" b="1" dirty="0">
-                <a:solidFill>
-                  <a:schemeClr val="tx1">
-                    <a:lumMod val="50000"/>
-                    <a:lumOff val="50000"/>
-                  </a:schemeClr>
-                </a:solidFill>
-                <a:latin typeface="+mn-ea"/>
-              </a:rPr>
-              <a:t>分钟之内。此处添加详细文本描述，建议与标题相关并符合整体语言风格，语言描述尽量简洁生动。尽量将每页幻灯片的字数控制在</a:t>
-            </a:r>
-            <a:r>
-              <a:rPr lang="en-US" altLang="zh-CN" sz="1000" b="1" dirty="0">
-                <a:solidFill>
-                  <a:schemeClr val="tx1">
-                    <a:lumMod val="50000"/>
-                    <a:lumOff val="50000"/>
-                  </a:schemeClr>
-                </a:solidFill>
-                <a:latin typeface="+mn-ea"/>
-              </a:rPr>
-              <a:t>200</a:t>
-            </a:r>
-            <a:r>
-              <a:rPr lang="zh-CN" altLang="en-US" sz="1000" b="1" dirty="0">
-                <a:solidFill>
-                  <a:schemeClr val="tx1">
-                    <a:lumMod val="50000"/>
-                    <a:lumOff val="50000"/>
-                  </a:schemeClr>
-                </a:solidFill>
-                <a:latin typeface="+mn-ea"/>
-              </a:rPr>
-              <a:t>字以内，据统计每页幻灯片的最好控制在</a:t>
-            </a:r>
-            <a:r>
-              <a:rPr lang="en-US" altLang="zh-CN" sz="1000" b="1" dirty="0">
-                <a:solidFill>
-                  <a:schemeClr val="tx1">
-                    <a:lumMod val="50000"/>
-                    <a:lumOff val="50000"/>
-                  </a:schemeClr>
-                </a:solidFill>
-                <a:latin typeface="+mn-ea"/>
-              </a:rPr>
-              <a:t>5</a:t>
-            </a:r>
-            <a:r>
-              <a:rPr lang="zh-CN" altLang="en-US" sz="1000" b="1" dirty="0">
-                <a:solidFill>
-                  <a:schemeClr val="tx1">
-                    <a:lumMod val="50000"/>
-                    <a:lumOff val="50000"/>
-                  </a:schemeClr>
-                </a:solidFill>
-                <a:latin typeface="+mn-ea"/>
-              </a:rPr>
-              <a:t>分钟之内。</a:t>
-            </a:r>
-          </a:p>
-        </p:txBody>
-      </p:sp>
-      <p:cxnSp>
-        <p:nvCxnSpPr>
-          <p:cNvPr id="14" name="Straight Connector 30"/>
-          <p:cNvCxnSpPr/>
-          <p:nvPr/>
-        </p:nvCxnSpPr>
-        <p:spPr>
-          <a:xfrm>
-            <a:off x="782231" y="3896711"/>
-            <a:ext cx="7579538" cy="0"/>
-          </a:xfrm>
-          <a:prstGeom prst="line">
-            <a:avLst/>
-          </a:prstGeom>
-          <a:ln w="19050">
-            <a:solidFill>
-              <a:schemeClr val="bg1">
-                <a:lumMod val="75000"/>
-              </a:schemeClr>
-            </a:solidFill>
-            <a:prstDash val="sysDot"/>
-            <a:headEnd type="none"/>
-            <a:tailEnd type="none"/>
-          </a:ln>
-        </p:spPr>
-        <p:style>
-          <a:lnRef idx="1">
-            <a:schemeClr val="accent1"/>
-          </a:lnRef>
-          <a:fillRef idx="0">
-            <a:schemeClr val="accent1"/>
-          </a:fillRef>
-          <a:effectRef idx="0">
-            <a:schemeClr val="accent1"/>
-          </a:effectRef>
-          <a:fontRef idx="minor">
-            <a:schemeClr val="tx1"/>
-          </a:fontRef>
-        </p:style>
-      </p:cxnSp>
-      <p:grpSp>
-        <p:nvGrpSpPr>
-          <p:cNvPr id="15" name="Group 59"/>
-          <p:cNvGrpSpPr/>
-          <p:nvPr/>
-        </p:nvGrpSpPr>
-        <p:grpSpPr>
-          <a:xfrm>
-            <a:off x="782231" y="1131575"/>
-            <a:ext cx="1785817" cy="2534709"/>
-            <a:chOff x="782231" y="1073968"/>
-            <a:chExt cx="1785817" cy="2534709"/>
-          </a:xfrm>
-          <a:solidFill>
-            <a:srgbClr val="073860"/>
-          </a:solidFill>
-          <a:effectLst/>
-        </p:grpSpPr>
-        <p:sp>
-          <p:nvSpPr>
-            <p:cNvPr id="16" name="Rectangle 52"/>
-            <p:cNvSpPr/>
-            <p:nvPr/>
-          </p:nvSpPr>
-          <p:spPr>
-            <a:xfrm>
-              <a:off x="782231" y="1073969"/>
-              <a:ext cx="1785817" cy="2534708"/>
-            </a:xfrm>
-            <a:prstGeom prst="rect">
-              <a:avLst/>
-            </a:prstGeom>
-            <a:grpFill/>
-            <a:ln>
-              <a:noFill/>
-            </a:ln>
-          </p:spPr>
-          <p:style>
-            <a:lnRef idx="2">
-              <a:schemeClr val="accent1">
-                <a:shade val="50000"/>
-              </a:schemeClr>
-            </a:lnRef>
-            <a:fillRef idx="1">
-              <a:schemeClr val="accent1"/>
-            </a:fillRef>
-            <a:effectRef idx="0">
-              <a:schemeClr val="accent1"/>
-            </a:effectRef>
-            <a:fontRef idx="minor">
-              <a:schemeClr val="lt1"/>
-            </a:fontRef>
-          </p:style>
-          <p:txBody>
-            <a:bodyPr rtlCol="0" anchor="ctr"/>
-            <a:lstStyle/>
-            <a:p>
-              <a:pPr algn="ctr"/>
-              <a:endParaRPr lang="en-US" dirty="0">
-                <a:latin typeface="+mn-ea"/>
-              </a:endParaRPr>
-            </a:p>
-          </p:txBody>
-        </p:sp>
-        <p:sp>
-          <p:nvSpPr>
-            <p:cNvPr id="17" name="Down Arrow Callout 54"/>
-            <p:cNvSpPr/>
-            <p:nvPr/>
-          </p:nvSpPr>
-          <p:spPr>
-            <a:xfrm>
-              <a:off x="782231" y="1073968"/>
-              <a:ext cx="1785817" cy="748891"/>
-            </a:xfrm>
-            <a:prstGeom prst="downArrowCallout">
-              <a:avLst>
-                <a:gd name="adj1" fmla="val 50000"/>
-                <a:gd name="adj2" fmla="val 25000"/>
-                <a:gd name="adj3" fmla="val 25000"/>
-                <a:gd name="adj4" fmla="val 75000"/>
-              </a:avLst>
-            </a:prstGeom>
-            <a:grpFill/>
-            <a:ln w="19050" cap="flat" cmpd="sng">
-              <a:solidFill>
-                <a:schemeClr val="bg1"/>
-              </a:solidFill>
-            </a:ln>
-            <a:effectLst/>
-          </p:spPr>
-          <p:style>
-            <a:lnRef idx="2">
-              <a:schemeClr val="accent1">
-                <a:shade val="50000"/>
-              </a:schemeClr>
-            </a:lnRef>
-            <a:fillRef idx="1">
-              <a:schemeClr val="accent1"/>
-            </a:fillRef>
-            <a:effectRef idx="0">
-              <a:schemeClr val="accent1"/>
-            </a:effectRef>
-            <a:fontRef idx="minor">
-              <a:schemeClr val="lt1"/>
-            </a:fontRef>
-          </p:style>
-          <p:txBody>
-            <a:bodyPr rtlCol="0" anchor="ctr"/>
-            <a:lstStyle/>
-            <a:p>
-              <a:pPr algn="ctr"/>
-              <a:r>
-                <a:rPr lang="zh-CN" altLang="en-US" sz="1600" b="1" dirty="0" smtClean="0">
-                  <a:solidFill>
-                    <a:schemeClr val="bg1"/>
-                  </a:solidFill>
-                  <a:latin typeface="+mn-ea"/>
-                </a:rPr>
-                <a:t>添加副标题</a:t>
-              </a:r>
-              <a:endParaRPr lang="en-US" sz="1600" b="1" dirty="0" smtClean="0">
-                <a:solidFill>
-                  <a:schemeClr val="bg1"/>
-                </a:solidFill>
-                <a:latin typeface="+mn-ea"/>
-              </a:endParaRPr>
-            </a:p>
-          </p:txBody>
-        </p:sp>
-        <p:sp>
-          <p:nvSpPr>
-            <p:cNvPr id="18" name="TextBox 57"/>
-            <p:cNvSpPr txBox="1"/>
-            <p:nvPr/>
-          </p:nvSpPr>
-          <p:spPr>
-            <a:xfrm>
-              <a:off x="827545" y="2686964"/>
-              <a:ext cx="1670603" cy="707886"/>
-            </a:xfrm>
-            <a:prstGeom prst="rect">
-              <a:avLst/>
-            </a:prstGeom>
-            <a:grpFill/>
-          </p:spPr>
-          <p:txBody>
-            <a:bodyPr wrap="square" rtlCol="0">
-              <a:spAutoFit/>
-            </a:bodyPr>
-            <a:lstStyle/>
-            <a:p>
-              <a:pPr lvl="0" algn="ctr" defTabSz="914400">
-                <a:spcBef>
-                  <a:spcPct val="20000"/>
-                </a:spcBef>
-                <a:defRPr/>
-              </a:pPr>
-              <a:r>
-                <a:rPr lang="zh-CN" altLang="en-US" sz="1000" b="1" dirty="0">
-                  <a:solidFill>
-                    <a:schemeClr val="bg1"/>
-                  </a:solidFill>
-                  <a:latin typeface="+mn-ea"/>
-                </a:rPr>
-                <a:t>此处添加详细文本描述，建议与标题相关并符合整体语言风格，语言描述尽量简洁生动。</a:t>
-              </a:r>
-              <a:endParaRPr lang="en-US" sz="1000" dirty="0">
-                <a:solidFill>
-                  <a:schemeClr val="bg1"/>
-                </a:solidFill>
-                <a:latin typeface="+mn-ea"/>
-              </a:endParaRPr>
-            </a:p>
-          </p:txBody>
-        </p:sp>
-        <p:sp>
-          <p:nvSpPr>
-            <p:cNvPr id="19" name="Oval 58"/>
-            <p:cNvSpPr/>
-            <p:nvPr/>
-          </p:nvSpPr>
-          <p:spPr>
-            <a:xfrm>
-              <a:off x="1283227" y="1903139"/>
-              <a:ext cx="783825" cy="783825"/>
-            </a:xfrm>
-            <a:prstGeom prst="ellipse">
-              <a:avLst/>
-            </a:prstGeom>
-            <a:grpFill/>
-            <a:ln>
-              <a:noFill/>
-            </a:ln>
-            <a:effectLst/>
-          </p:spPr>
-          <p:style>
-            <a:lnRef idx="2">
-              <a:schemeClr val="accent1">
-                <a:shade val="50000"/>
-              </a:schemeClr>
-            </a:lnRef>
-            <a:fillRef idx="1">
-              <a:schemeClr val="accent1"/>
-            </a:fillRef>
-            <a:effectRef idx="0">
-              <a:schemeClr val="accent1"/>
-            </a:effectRef>
-            <a:fontRef idx="minor">
-              <a:schemeClr val="lt1"/>
-            </a:fontRef>
-          </p:style>
-          <p:txBody>
-            <a:bodyPr rtlCol="0" anchor="ctr"/>
-            <a:lstStyle/>
-            <a:p>
-              <a:pPr algn="ctr"/>
-              <a:endParaRPr lang="en-US" sz="3200" dirty="0">
-                <a:solidFill>
-                  <a:schemeClr val="tx2">
-                    <a:lumMod val="75000"/>
-                  </a:schemeClr>
-                </a:solidFill>
-                <a:latin typeface="+mn-ea"/>
-              </a:endParaRPr>
-            </a:p>
-          </p:txBody>
-        </p:sp>
-      </p:grpSp>
-      <p:grpSp>
-        <p:nvGrpSpPr>
-          <p:cNvPr id="20" name="Group 60"/>
-          <p:cNvGrpSpPr/>
-          <p:nvPr/>
-        </p:nvGrpSpPr>
-        <p:grpSpPr>
-          <a:xfrm>
-            <a:off x="2715520" y="1131575"/>
-            <a:ext cx="1785817" cy="2534709"/>
-            <a:chOff x="782231" y="1073968"/>
-            <a:chExt cx="1785817" cy="2534709"/>
-          </a:xfrm>
-          <a:solidFill>
-            <a:srgbClr val="2272AB"/>
-          </a:solidFill>
-          <a:effectLst/>
-        </p:grpSpPr>
-        <p:sp>
-          <p:nvSpPr>
-            <p:cNvPr id="21" name="Rectangle 61"/>
-            <p:cNvSpPr/>
-            <p:nvPr/>
-          </p:nvSpPr>
-          <p:spPr>
-            <a:xfrm>
-              <a:off x="782231" y="1073969"/>
-              <a:ext cx="1785817" cy="2534708"/>
-            </a:xfrm>
-            <a:prstGeom prst="rect">
-              <a:avLst/>
-            </a:prstGeom>
-            <a:grpFill/>
-            <a:ln>
-              <a:noFill/>
-            </a:ln>
-          </p:spPr>
-          <p:style>
-            <a:lnRef idx="2">
-              <a:schemeClr val="accent1">
-                <a:shade val="50000"/>
-              </a:schemeClr>
-            </a:lnRef>
-            <a:fillRef idx="1">
-              <a:schemeClr val="accent1"/>
-            </a:fillRef>
-            <a:effectRef idx="0">
-              <a:schemeClr val="accent1"/>
-            </a:effectRef>
-            <a:fontRef idx="minor">
-              <a:schemeClr val="lt1"/>
-            </a:fontRef>
-          </p:style>
-          <p:txBody>
-            <a:bodyPr rtlCol="0" anchor="ctr"/>
-            <a:lstStyle/>
-            <a:p>
-              <a:pPr algn="ctr"/>
-              <a:endParaRPr lang="en-US" dirty="0">
-                <a:latin typeface="+mn-ea"/>
-              </a:endParaRPr>
-            </a:p>
-          </p:txBody>
-        </p:sp>
-        <p:sp>
-          <p:nvSpPr>
-            <p:cNvPr id="22" name="Down Arrow Callout 62"/>
-            <p:cNvSpPr/>
-            <p:nvPr/>
-          </p:nvSpPr>
-          <p:spPr>
-            <a:xfrm>
-              <a:off x="782231" y="1073968"/>
-              <a:ext cx="1785817" cy="748891"/>
-            </a:xfrm>
-            <a:prstGeom prst="downArrowCallout">
-              <a:avLst>
-                <a:gd name="adj1" fmla="val 50000"/>
-                <a:gd name="adj2" fmla="val 25000"/>
-                <a:gd name="adj3" fmla="val 25000"/>
-                <a:gd name="adj4" fmla="val 75000"/>
-              </a:avLst>
-            </a:prstGeom>
-            <a:grpFill/>
-            <a:ln w="22225" cap="flat" cmpd="sng">
-              <a:solidFill>
-                <a:schemeClr val="bg1"/>
-              </a:solidFill>
-            </a:ln>
-            <a:effectLst/>
-          </p:spPr>
-          <p:style>
-            <a:lnRef idx="2">
-              <a:schemeClr val="accent1">
-                <a:shade val="50000"/>
-              </a:schemeClr>
-            </a:lnRef>
-            <a:fillRef idx="1">
-              <a:schemeClr val="accent1"/>
-            </a:fillRef>
-            <a:effectRef idx="0">
-              <a:schemeClr val="accent1"/>
-            </a:effectRef>
-            <a:fontRef idx="minor">
-              <a:schemeClr val="lt1"/>
-            </a:fontRef>
-          </p:style>
-          <p:txBody>
-            <a:bodyPr rtlCol="0" anchor="ctr"/>
-            <a:lstStyle/>
-            <a:p>
-              <a:pPr algn="ctr"/>
-              <a:r>
-                <a:rPr lang="zh-CN" altLang="en-US" sz="1600" b="1" dirty="0" smtClean="0">
-                  <a:solidFill>
-                    <a:schemeClr val="bg1"/>
-                  </a:solidFill>
-                  <a:latin typeface="+mn-ea"/>
-                </a:rPr>
-                <a:t>添加副标题</a:t>
-              </a:r>
-              <a:endParaRPr lang="en-US" sz="1600" b="1" dirty="0" smtClean="0">
-                <a:solidFill>
-                  <a:schemeClr val="bg1"/>
-                </a:solidFill>
-                <a:latin typeface="+mn-ea"/>
-              </a:endParaRPr>
-            </a:p>
-          </p:txBody>
-        </p:sp>
-        <p:sp>
-          <p:nvSpPr>
-            <p:cNvPr id="23" name="TextBox 63"/>
-            <p:cNvSpPr txBox="1"/>
-            <p:nvPr/>
-          </p:nvSpPr>
-          <p:spPr>
-            <a:xfrm>
-              <a:off x="827545" y="2686964"/>
-              <a:ext cx="1670603" cy="707886"/>
-            </a:xfrm>
-            <a:prstGeom prst="rect">
-              <a:avLst/>
-            </a:prstGeom>
-            <a:grpFill/>
-          </p:spPr>
-          <p:txBody>
-            <a:bodyPr wrap="square" rtlCol="0">
-              <a:spAutoFit/>
-            </a:bodyPr>
-            <a:lstStyle/>
-            <a:p>
-              <a:pPr lvl="0" algn="ctr" defTabSz="914400">
-                <a:spcBef>
-                  <a:spcPct val="20000"/>
-                </a:spcBef>
-                <a:defRPr/>
-              </a:pPr>
-              <a:r>
-                <a:rPr lang="zh-CN" altLang="en-US" sz="1000" b="1" dirty="0">
-                  <a:solidFill>
-                    <a:schemeClr val="bg1"/>
-                  </a:solidFill>
-                  <a:latin typeface="+mn-ea"/>
-                </a:rPr>
-                <a:t>此处添加详细文本描述，建议与标题相关并符合整体语言风格，语言描述尽量简洁生动。</a:t>
-              </a:r>
-              <a:endParaRPr lang="en-US" altLang="zh-CN" sz="1000" dirty="0">
-                <a:solidFill>
-                  <a:schemeClr val="bg1"/>
-                </a:solidFill>
-                <a:latin typeface="+mn-ea"/>
-              </a:endParaRPr>
-            </a:p>
-          </p:txBody>
-        </p:sp>
-        <p:sp>
-          <p:nvSpPr>
-            <p:cNvPr id="24" name="Oval 64"/>
-            <p:cNvSpPr/>
-            <p:nvPr/>
-          </p:nvSpPr>
-          <p:spPr>
-            <a:xfrm>
-              <a:off x="1283227" y="1903139"/>
-              <a:ext cx="783825" cy="783825"/>
-            </a:xfrm>
-            <a:prstGeom prst="ellipse">
-              <a:avLst/>
-            </a:prstGeom>
-            <a:grpFill/>
-            <a:ln>
-              <a:noFill/>
-            </a:ln>
-            <a:effectLst/>
-          </p:spPr>
-          <p:style>
-            <a:lnRef idx="2">
-              <a:schemeClr val="accent1">
-                <a:shade val="50000"/>
-              </a:schemeClr>
-            </a:lnRef>
-            <a:fillRef idx="1">
-              <a:schemeClr val="accent1"/>
-            </a:fillRef>
-            <a:effectRef idx="0">
-              <a:schemeClr val="accent1"/>
-            </a:effectRef>
-            <a:fontRef idx="minor">
-              <a:schemeClr val="lt1"/>
-            </a:fontRef>
-          </p:style>
-          <p:txBody>
-            <a:bodyPr rtlCol="0" anchor="ctr"/>
-            <a:lstStyle/>
-            <a:p>
-              <a:pPr algn="ctr"/>
-              <a:endParaRPr lang="en-US" sz="3200" dirty="0">
-                <a:solidFill>
-                  <a:schemeClr val="bg2"/>
-                </a:solidFill>
-                <a:latin typeface="+mn-ea"/>
-              </a:endParaRPr>
-            </a:p>
-          </p:txBody>
-        </p:sp>
-      </p:grpSp>
-      <p:grpSp>
-        <p:nvGrpSpPr>
-          <p:cNvPr id="25" name="Group 65"/>
-          <p:cNvGrpSpPr/>
-          <p:nvPr/>
-        </p:nvGrpSpPr>
-        <p:grpSpPr>
-          <a:xfrm>
-            <a:off x="4648809" y="1131575"/>
-            <a:ext cx="1785817" cy="2534709"/>
-            <a:chOff x="782231" y="1073968"/>
-            <a:chExt cx="1785817" cy="2534709"/>
-          </a:xfrm>
-          <a:solidFill>
-            <a:srgbClr val="073860"/>
-          </a:solidFill>
-          <a:effectLst/>
-        </p:grpSpPr>
-        <p:sp>
-          <p:nvSpPr>
-            <p:cNvPr id="26" name="Rectangle 66"/>
-            <p:cNvSpPr/>
-            <p:nvPr/>
-          </p:nvSpPr>
-          <p:spPr>
-            <a:xfrm>
-              <a:off x="782231" y="1073969"/>
-              <a:ext cx="1785817" cy="2534708"/>
-            </a:xfrm>
-            <a:prstGeom prst="rect">
-              <a:avLst/>
-            </a:prstGeom>
-            <a:grpFill/>
-            <a:ln>
-              <a:noFill/>
-            </a:ln>
-          </p:spPr>
-          <p:style>
-            <a:lnRef idx="2">
-              <a:schemeClr val="accent1">
-                <a:shade val="50000"/>
-              </a:schemeClr>
-            </a:lnRef>
-            <a:fillRef idx="1">
-              <a:schemeClr val="accent1"/>
-            </a:fillRef>
-            <a:effectRef idx="0">
-              <a:schemeClr val="accent1"/>
-            </a:effectRef>
-            <a:fontRef idx="minor">
-              <a:schemeClr val="lt1"/>
-            </a:fontRef>
-          </p:style>
-          <p:txBody>
-            <a:bodyPr rtlCol="0" anchor="ctr"/>
-            <a:lstStyle/>
-            <a:p>
-              <a:pPr algn="ctr"/>
-              <a:endParaRPr lang="en-US" dirty="0">
-                <a:latin typeface="+mn-ea"/>
-              </a:endParaRPr>
-            </a:p>
-          </p:txBody>
-        </p:sp>
-        <p:sp>
-          <p:nvSpPr>
-            <p:cNvPr id="27" name="Down Arrow Callout 67"/>
-            <p:cNvSpPr/>
-            <p:nvPr/>
-          </p:nvSpPr>
-          <p:spPr>
-            <a:xfrm>
-              <a:off x="782231" y="1073968"/>
-              <a:ext cx="1785817" cy="748891"/>
-            </a:xfrm>
-            <a:prstGeom prst="downArrowCallout">
-              <a:avLst>
-                <a:gd name="adj1" fmla="val 50000"/>
-                <a:gd name="adj2" fmla="val 25000"/>
-                <a:gd name="adj3" fmla="val 25000"/>
-                <a:gd name="adj4" fmla="val 75000"/>
-              </a:avLst>
-            </a:prstGeom>
-            <a:grpFill/>
-            <a:ln w="22225" cap="flat" cmpd="sng">
-              <a:solidFill>
-                <a:schemeClr val="bg1"/>
-              </a:solidFill>
-            </a:ln>
-            <a:effectLst/>
-          </p:spPr>
-          <p:style>
-            <a:lnRef idx="2">
-              <a:schemeClr val="accent1">
-                <a:shade val="50000"/>
-              </a:schemeClr>
-            </a:lnRef>
-            <a:fillRef idx="1">
-              <a:schemeClr val="accent1"/>
-            </a:fillRef>
-            <a:effectRef idx="0">
-              <a:schemeClr val="accent1"/>
-            </a:effectRef>
-            <a:fontRef idx="minor">
-              <a:schemeClr val="lt1"/>
-            </a:fontRef>
-          </p:style>
-          <p:txBody>
-            <a:bodyPr rtlCol="0" anchor="ctr"/>
-            <a:lstStyle/>
-            <a:p>
-              <a:pPr algn="ctr"/>
-              <a:r>
-                <a:rPr lang="zh-CN" altLang="en-US" sz="1600" b="1" dirty="0" smtClean="0">
-                  <a:solidFill>
-                    <a:schemeClr val="bg1"/>
-                  </a:solidFill>
-                  <a:latin typeface="+mn-ea"/>
-                </a:rPr>
-                <a:t>添加副标题</a:t>
-              </a:r>
-              <a:endParaRPr lang="en-US" sz="1600" b="1" dirty="0" smtClean="0">
-                <a:solidFill>
-                  <a:schemeClr val="bg1"/>
-                </a:solidFill>
-                <a:latin typeface="+mn-ea"/>
-              </a:endParaRPr>
-            </a:p>
-          </p:txBody>
-        </p:sp>
-        <p:sp>
-          <p:nvSpPr>
-            <p:cNvPr id="28" name="TextBox 68"/>
-            <p:cNvSpPr txBox="1"/>
-            <p:nvPr/>
-          </p:nvSpPr>
-          <p:spPr>
-            <a:xfrm>
-              <a:off x="827545" y="2686964"/>
-              <a:ext cx="1670603" cy="707886"/>
-            </a:xfrm>
-            <a:prstGeom prst="rect">
-              <a:avLst/>
-            </a:prstGeom>
-            <a:grpFill/>
-          </p:spPr>
-          <p:txBody>
-            <a:bodyPr wrap="square" rtlCol="0">
-              <a:spAutoFit/>
-            </a:bodyPr>
-            <a:lstStyle/>
-            <a:p>
-              <a:pPr lvl="0" algn="ctr" defTabSz="914400">
-                <a:spcBef>
-                  <a:spcPct val="20000"/>
-                </a:spcBef>
-                <a:defRPr/>
-              </a:pPr>
-              <a:r>
-                <a:rPr lang="zh-CN" altLang="en-US" sz="1000" b="1" dirty="0">
-                  <a:solidFill>
-                    <a:schemeClr val="bg1"/>
-                  </a:solidFill>
-                  <a:latin typeface="+mn-ea"/>
-                </a:rPr>
-                <a:t>此处添加详细文本描述，建议与标题相关并符合整体语言风格，语言描述尽量简洁生动。</a:t>
-              </a:r>
-              <a:endParaRPr lang="en-US" altLang="zh-CN" sz="1000" dirty="0">
-                <a:solidFill>
-                  <a:schemeClr val="bg1"/>
-                </a:solidFill>
-                <a:latin typeface="+mn-ea"/>
-              </a:endParaRPr>
-            </a:p>
-          </p:txBody>
-        </p:sp>
-        <p:sp>
-          <p:nvSpPr>
-            <p:cNvPr id="29" name="Oval 69"/>
-            <p:cNvSpPr/>
-            <p:nvPr/>
-          </p:nvSpPr>
-          <p:spPr>
-            <a:xfrm>
-              <a:off x="1283227" y="1903139"/>
-              <a:ext cx="783825" cy="783825"/>
-            </a:xfrm>
-            <a:prstGeom prst="ellipse">
-              <a:avLst/>
-            </a:prstGeom>
-            <a:grpFill/>
-            <a:ln>
-              <a:noFill/>
-            </a:ln>
-            <a:effectLst/>
-          </p:spPr>
-          <p:style>
-            <a:lnRef idx="2">
-              <a:schemeClr val="accent1">
-                <a:shade val="50000"/>
-              </a:schemeClr>
-            </a:lnRef>
-            <a:fillRef idx="1">
-              <a:schemeClr val="accent1"/>
-            </a:fillRef>
-            <a:effectRef idx="0">
-              <a:schemeClr val="accent1"/>
-            </a:effectRef>
-            <a:fontRef idx="minor">
-              <a:schemeClr val="lt1"/>
-            </a:fontRef>
-          </p:style>
-          <p:txBody>
-            <a:bodyPr rtlCol="0" anchor="ctr"/>
-            <a:lstStyle/>
-            <a:p>
-              <a:pPr algn="ctr"/>
-              <a:endParaRPr lang="en-US" sz="3200" dirty="0">
-                <a:solidFill>
-                  <a:schemeClr val="accent1"/>
-                </a:solidFill>
-                <a:latin typeface="+mn-ea"/>
-              </a:endParaRPr>
-            </a:p>
-          </p:txBody>
-        </p:sp>
-      </p:grpSp>
-      <p:grpSp>
-        <p:nvGrpSpPr>
-          <p:cNvPr id="30" name="Group 70"/>
-          <p:cNvGrpSpPr/>
-          <p:nvPr/>
-        </p:nvGrpSpPr>
-        <p:grpSpPr>
-          <a:xfrm>
-            <a:off x="6582099" y="1131575"/>
-            <a:ext cx="1785817" cy="2534709"/>
-            <a:chOff x="782231" y="1073968"/>
-            <a:chExt cx="1785817" cy="2534709"/>
-          </a:xfrm>
-          <a:solidFill>
-            <a:srgbClr val="2272AB"/>
-          </a:solidFill>
-          <a:effectLst/>
-        </p:grpSpPr>
-        <p:sp>
-          <p:nvSpPr>
-            <p:cNvPr id="31" name="Rectangle 71"/>
-            <p:cNvSpPr/>
-            <p:nvPr/>
-          </p:nvSpPr>
-          <p:spPr>
-            <a:xfrm>
-              <a:off x="782231" y="1073969"/>
-              <a:ext cx="1785817" cy="2534708"/>
-            </a:xfrm>
-            <a:prstGeom prst="rect">
-              <a:avLst/>
-            </a:prstGeom>
-            <a:grpFill/>
-            <a:ln>
-              <a:noFill/>
-            </a:ln>
-          </p:spPr>
-          <p:style>
-            <a:lnRef idx="2">
-              <a:schemeClr val="accent1">
-                <a:shade val="50000"/>
-              </a:schemeClr>
-            </a:lnRef>
-            <a:fillRef idx="1">
-              <a:schemeClr val="accent1"/>
-            </a:fillRef>
-            <a:effectRef idx="0">
-              <a:schemeClr val="accent1"/>
-            </a:effectRef>
-            <a:fontRef idx="minor">
-              <a:schemeClr val="lt1"/>
-            </a:fontRef>
-          </p:style>
-          <p:txBody>
-            <a:bodyPr rtlCol="0" anchor="ctr"/>
-            <a:lstStyle/>
-            <a:p>
-              <a:pPr algn="ctr"/>
-              <a:endParaRPr lang="en-US" dirty="0">
-                <a:latin typeface="+mn-ea"/>
-              </a:endParaRPr>
-            </a:p>
-          </p:txBody>
-        </p:sp>
-        <p:sp>
-          <p:nvSpPr>
-            <p:cNvPr id="32" name="Down Arrow Callout 72"/>
-            <p:cNvSpPr/>
-            <p:nvPr/>
-          </p:nvSpPr>
-          <p:spPr>
-            <a:xfrm>
-              <a:off x="782231" y="1073968"/>
-              <a:ext cx="1785817" cy="748891"/>
-            </a:xfrm>
-            <a:prstGeom prst="downArrowCallout">
-              <a:avLst>
-                <a:gd name="adj1" fmla="val 50000"/>
-                <a:gd name="adj2" fmla="val 25000"/>
-                <a:gd name="adj3" fmla="val 25000"/>
-                <a:gd name="adj4" fmla="val 75000"/>
-              </a:avLst>
-            </a:prstGeom>
-            <a:grpFill/>
-            <a:ln w="22225" cap="flat" cmpd="sng">
-              <a:solidFill>
-                <a:schemeClr val="bg1"/>
-              </a:solidFill>
-            </a:ln>
-            <a:effectLst/>
-          </p:spPr>
-          <p:style>
-            <a:lnRef idx="2">
-              <a:schemeClr val="accent1">
-                <a:shade val="50000"/>
-              </a:schemeClr>
-            </a:lnRef>
-            <a:fillRef idx="1">
-              <a:schemeClr val="accent1"/>
-            </a:fillRef>
-            <a:effectRef idx="0">
-              <a:schemeClr val="accent1"/>
-            </a:effectRef>
-            <a:fontRef idx="minor">
-              <a:schemeClr val="lt1"/>
-            </a:fontRef>
-          </p:style>
-          <p:txBody>
-            <a:bodyPr rtlCol="0" anchor="ctr"/>
-            <a:lstStyle/>
-            <a:p>
-              <a:pPr algn="ctr"/>
-              <a:r>
-                <a:rPr lang="zh-CN" altLang="en-US" sz="1600" b="1" dirty="0" smtClean="0">
-                  <a:solidFill>
-                    <a:schemeClr val="bg1"/>
-                  </a:solidFill>
-                  <a:latin typeface="+mn-ea"/>
-                </a:rPr>
-                <a:t>添加副标题</a:t>
-              </a:r>
-              <a:endParaRPr lang="en-US" sz="1600" b="1" dirty="0" smtClean="0">
-                <a:solidFill>
-                  <a:schemeClr val="bg1"/>
-                </a:solidFill>
-                <a:latin typeface="+mn-ea"/>
-              </a:endParaRPr>
-            </a:p>
-          </p:txBody>
-        </p:sp>
-        <p:sp>
-          <p:nvSpPr>
-            <p:cNvPr id="33" name="TextBox 73"/>
-            <p:cNvSpPr txBox="1"/>
-            <p:nvPr/>
-          </p:nvSpPr>
-          <p:spPr>
-            <a:xfrm>
-              <a:off x="827545" y="2686964"/>
-              <a:ext cx="1670603" cy="707886"/>
-            </a:xfrm>
-            <a:prstGeom prst="rect">
-              <a:avLst/>
-            </a:prstGeom>
-            <a:grpFill/>
-          </p:spPr>
-          <p:txBody>
-            <a:bodyPr wrap="square" rtlCol="0">
-              <a:spAutoFit/>
-            </a:bodyPr>
-            <a:lstStyle/>
-            <a:p>
-              <a:pPr lvl="0" algn="ctr" defTabSz="914400">
-                <a:spcBef>
-                  <a:spcPct val="20000"/>
-                </a:spcBef>
-                <a:defRPr/>
-              </a:pPr>
-              <a:r>
-                <a:rPr lang="zh-CN" altLang="en-US" sz="1000" b="1" dirty="0">
-                  <a:solidFill>
-                    <a:schemeClr val="bg1"/>
-                  </a:solidFill>
-                  <a:latin typeface="+mn-ea"/>
-                </a:rPr>
-                <a:t>此处添加详细文本描述，建议与标题相关并符合整体语言风格，语言描述尽量简洁生动。</a:t>
-              </a:r>
-              <a:endParaRPr lang="en-US" altLang="zh-CN" sz="1000" dirty="0">
-                <a:solidFill>
-                  <a:schemeClr val="bg1"/>
-                </a:solidFill>
-                <a:latin typeface="+mn-ea"/>
-              </a:endParaRPr>
-            </a:p>
-          </p:txBody>
-        </p:sp>
-        <p:sp>
-          <p:nvSpPr>
-            <p:cNvPr id="34" name="Oval 74"/>
-            <p:cNvSpPr/>
-            <p:nvPr/>
-          </p:nvSpPr>
-          <p:spPr>
-            <a:xfrm>
-              <a:off x="1283227" y="1903139"/>
-              <a:ext cx="783825" cy="783825"/>
-            </a:xfrm>
-            <a:prstGeom prst="ellipse">
-              <a:avLst/>
-            </a:prstGeom>
-            <a:grpFill/>
-            <a:ln>
-              <a:noFill/>
-            </a:ln>
-            <a:effectLst/>
-          </p:spPr>
-          <p:style>
-            <a:lnRef idx="2">
-              <a:schemeClr val="accent1">
-                <a:shade val="50000"/>
-              </a:schemeClr>
-            </a:lnRef>
-            <a:fillRef idx="1">
-              <a:schemeClr val="accent1"/>
-            </a:fillRef>
-            <a:effectRef idx="0">
-              <a:schemeClr val="accent1"/>
-            </a:effectRef>
-            <a:fontRef idx="minor">
-              <a:schemeClr val="lt1"/>
-            </a:fontRef>
-          </p:style>
-          <p:txBody>
-            <a:bodyPr rtlCol="0" anchor="ctr"/>
-            <a:lstStyle/>
-            <a:p>
-              <a:pPr algn="ctr"/>
-              <a:endParaRPr lang="en-US" sz="3200" dirty="0">
-                <a:solidFill>
-                  <a:schemeClr val="accent3"/>
-                </a:solidFill>
-                <a:latin typeface="+mn-ea"/>
-              </a:endParaRPr>
-            </a:p>
-          </p:txBody>
-        </p:sp>
-      </p:grpSp>
-      <p:sp>
-        <p:nvSpPr>
-          <p:cNvPr id="35" name="Freeform 139"/>
-          <p:cNvSpPr/>
-          <p:nvPr/>
-        </p:nvSpPr>
-        <p:spPr bwMode="auto">
-          <a:xfrm>
-            <a:off x="1485432" y="2226806"/>
-            <a:ext cx="379413" cy="287338"/>
-          </a:xfrm>
-          <a:custGeom>
-            <a:avLst/>
-            <a:gdLst>
-              <a:gd name="T0" fmla="*/ 143 w 165"/>
-              <a:gd name="T1" fmla="*/ 19 h 125"/>
-              <a:gd name="T2" fmla="*/ 34 w 165"/>
-              <a:gd name="T3" fmla="*/ 19 h 125"/>
-              <a:gd name="T4" fmla="*/ 30 w 165"/>
-              <a:gd name="T5" fmla="*/ 5 h 125"/>
-              <a:gd name="T6" fmla="*/ 29 w 165"/>
-              <a:gd name="T7" fmla="*/ 4 h 125"/>
-              <a:gd name="T8" fmla="*/ 29 w 165"/>
-              <a:gd name="T9" fmla="*/ 4 h 125"/>
-              <a:gd name="T10" fmla="*/ 28 w 165"/>
-              <a:gd name="T11" fmla="*/ 3 h 125"/>
-              <a:gd name="T12" fmla="*/ 28 w 165"/>
-              <a:gd name="T13" fmla="*/ 2 h 125"/>
-              <a:gd name="T14" fmla="*/ 28 w 165"/>
-              <a:gd name="T15" fmla="*/ 2 h 125"/>
-              <a:gd name="T16" fmla="*/ 27 w 165"/>
-              <a:gd name="T17" fmla="*/ 1 h 125"/>
-              <a:gd name="T18" fmla="*/ 27 w 165"/>
-              <a:gd name="T19" fmla="*/ 1 h 125"/>
-              <a:gd name="T20" fmla="*/ 22 w 165"/>
-              <a:gd name="T21" fmla="*/ 0 h 125"/>
-              <a:gd name="T22" fmla="*/ 7 w 165"/>
-              <a:gd name="T23" fmla="*/ 2 h 125"/>
-              <a:gd name="T24" fmla="*/ 0 w 165"/>
-              <a:gd name="T25" fmla="*/ 9 h 125"/>
-              <a:gd name="T26" fmla="*/ 7 w 165"/>
-              <a:gd name="T27" fmla="*/ 15 h 125"/>
-              <a:gd name="T28" fmla="*/ 18 w 165"/>
-              <a:gd name="T29" fmla="*/ 14 h 125"/>
-              <a:gd name="T30" fmla="*/ 45 w 165"/>
-              <a:gd name="T31" fmla="*/ 99 h 125"/>
-              <a:gd name="T32" fmla="*/ 42 w 165"/>
-              <a:gd name="T33" fmla="*/ 109 h 125"/>
-              <a:gd name="T34" fmla="*/ 58 w 165"/>
-              <a:gd name="T35" fmla="*/ 125 h 125"/>
-              <a:gd name="T36" fmla="*/ 73 w 165"/>
-              <a:gd name="T37" fmla="*/ 116 h 125"/>
-              <a:gd name="T38" fmla="*/ 94 w 165"/>
-              <a:gd name="T39" fmla="*/ 116 h 125"/>
-              <a:gd name="T40" fmla="*/ 109 w 165"/>
-              <a:gd name="T41" fmla="*/ 125 h 125"/>
-              <a:gd name="T42" fmla="*/ 125 w 165"/>
-              <a:gd name="T43" fmla="*/ 109 h 125"/>
-              <a:gd name="T44" fmla="*/ 109 w 165"/>
-              <a:gd name="T45" fmla="*/ 93 h 125"/>
-              <a:gd name="T46" fmla="*/ 94 w 165"/>
-              <a:gd name="T47" fmla="*/ 102 h 125"/>
-              <a:gd name="T48" fmla="*/ 73 w 165"/>
-              <a:gd name="T49" fmla="*/ 102 h 125"/>
-              <a:gd name="T50" fmla="*/ 58 w 165"/>
-              <a:gd name="T51" fmla="*/ 93 h 125"/>
-              <a:gd name="T52" fmla="*/ 58 w 165"/>
-              <a:gd name="T53" fmla="*/ 93 h 125"/>
-              <a:gd name="T54" fmla="*/ 55 w 165"/>
-              <a:gd name="T55" fmla="*/ 83 h 125"/>
-              <a:gd name="T56" fmla="*/ 125 w 165"/>
-              <a:gd name="T57" fmla="*/ 83 h 125"/>
-              <a:gd name="T58" fmla="*/ 139 w 165"/>
-              <a:gd name="T59" fmla="*/ 68 h 125"/>
-              <a:gd name="T60" fmla="*/ 158 w 165"/>
-              <a:gd name="T61" fmla="*/ 34 h 125"/>
-              <a:gd name="T62" fmla="*/ 143 w 165"/>
-              <a:gd name="T63" fmla="*/ 19 h 125"/>
-            </a:gdLst>
-            <a:ahLst/>
-            <a:cxnLst>
-              <a:cxn ang="0">
-                <a:pos x="T0" y="T1"/>
-              </a:cxn>
-              <a:cxn ang="0">
-                <a:pos x="T2" y="T3"/>
-              </a:cxn>
-              <a:cxn ang="0">
-                <a:pos x="T4" y="T5"/>
-              </a:cxn>
-              <a:cxn ang="0">
-                <a:pos x="T6" y="T7"/>
-              </a:cxn>
-              <a:cxn ang="0">
-                <a:pos x="T8" y="T9"/>
-              </a:cxn>
-              <a:cxn ang="0">
-                <a:pos x="T10" y="T11"/>
-              </a:cxn>
-              <a:cxn ang="0">
-                <a:pos x="T12" y="T13"/>
-              </a:cxn>
-              <a:cxn ang="0">
-                <a:pos x="T14" y="T15"/>
-              </a:cxn>
-              <a:cxn ang="0">
-                <a:pos x="T16" y="T17"/>
-              </a:cxn>
-              <a:cxn ang="0">
-                <a:pos x="T18" y="T19"/>
-              </a:cxn>
-              <a:cxn ang="0">
-                <a:pos x="T20" y="T21"/>
-              </a:cxn>
-              <a:cxn ang="0">
-                <a:pos x="T22" y="T23"/>
-              </a:cxn>
-              <a:cxn ang="0">
-                <a:pos x="T24" y="T25"/>
-              </a:cxn>
-              <a:cxn ang="0">
-                <a:pos x="T26" y="T27"/>
-              </a:cxn>
-              <a:cxn ang="0">
-                <a:pos x="T28" y="T29"/>
-              </a:cxn>
-              <a:cxn ang="0">
-                <a:pos x="T30" y="T31"/>
-              </a:cxn>
-              <a:cxn ang="0">
-                <a:pos x="T32" y="T33"/>
-              </a:cxn>
-              <a:cxn ang="0">
-                <a:pos x="T34" y="T35"/>
-              </a:cxn>
-              <a:cxn ang="0">
-                <a:pos x="T36" y="T37"/>
-              </a:cxn>
-              <a:cxn ang="0">
-                <a:pos x="T38" y="T39"/>
-              </a:cxn>
-              <a:cxn ang="0">
-                <a:pos x="T40" y="T41"/>
-              </a:cxn>
-              <a:cxn ang="0">
-                <a:pos x="T42" y="T43"/>
-              </a:cxn>
-              <a:cxn ang="0">
-                <a:pos x="T44" y="T45"/>
-              </a:cxn>
-              <a:cxn ang="0">
-                <a:pos x="T46" y="T47"/>
-              </a:cxn>
-              <a:cxn ang="0">
-                <a:pos x="T48" y="T49"/>
-              </a:cxn>
-              <a:cxn ang="0">
-                <a:pos x="T50" y="T51"/>
-              </a:cxn>
-              <a:cxn ang="0">
-                <a:pos x="T52" y="T53"/>
-              </a:cxn>
-              <a:cxn ang="0">
-                <a:pos x="T54" y="T55"/>
-              </a:cxn>
-              <a:cxn ang="0">
-                <a:pos x="T56" y="T57"/>
-              </a:cxn>
-              <a:cxn ang="0">
-                <a:pos x="T58" y="T59"/>
-              </a:cxn>
-              <a:cxn ang="0">
-                <a:pos x="T60" y="T61"/>
-              </a:cxn>
-              <a:cxn ang="0">
-                <a:pos x="T62" y="T63"/>
-              </a:cxn>
-            </a:cxnLst>
-            <a:rect l="0" t="0" r="r" b="b"/>
-            <a:pathLst>
-              <a:path w="165" h="125">
-                <a:moveTo>
-                  <a:pt x="143" y="19"/>
-                </a:moveTo>
-                <a:cubicBezTo>
-                  <a:pt x="34" y="19"/>
-                  <a:pt x="34" y="19"/>
-                  <a:pt x="34" y="19"/>
-                </a:cubicBezTo>
-                <a:cubicBezTo>
-                  <a:pt x="30" y="5"/>
-                  <a:pt x="30" y="5"/>
-                  <a:pt x="30" y="5"/>
-                </a:cubicBezTo>
-                <a:cubicBezTo>
-                  <a:pt x="30" y="5"/>
-                  <a:pt x="29" y="4"/>
-                  <a:pt x="29" y="4"/>
-                </a:cubicBezTo>
-                <a:cubicBezTo>
-                  <a:pt x="29" y="4"/>
-                  <a:pt x="29" y="4"/>
-                  <a:pt x="29" y="4"/>
-                </a:cubicBezTo>
-                <a:cubicBezTo>
-                  <a:pt x="29" y="3"/>
-                  <a:pt x="29" y="3"/>
-                  <a:pt x="28" y="3"/>
-                </a:cubicBezTo>
-                <a:cubicBezTo>
-                  <a:pt x="28" y="2"/>
-                  <a:pt x="28" y="2"/>
-                  <a:pt x="28" y="2"/>
-                </a:cubicBezTo>
-                <a:cubicBezTo>
-                  <a:pt x="28" y="2"/>
-                  <a:pt x="28" y="2"/>
-                  <a:pt x="28" y="2"/>
-                </a:cubicBezTo>
-                <a:cubicBezTo>
-                  <a:pt x="27" y="2"/>
-                  <a:pt x="27" y="1"/>
-                  <a:pt x="27" y="1"/>
-                </a:cubicBezTo>
-                <a:cubicBezTo>
-                  <a:pt x="27" y="1"/>
-                  <a:pt x="27" y="1"/>
-                  <a:pt x="27" y="1"/>
-                </a:cubicBezTo>
-                <a:cubicBezTo>
-                  <a:pt x="25" y="0"/>
-                  <a:pt x="24" y="0"/>
-                  <a:pt x="22" y="0"/>
-                </a:cubicBezTo>
-                <a:cubicBezTo>
-                  <a:pt x="7" y="2"/>
-                  <a:pt x="7" y="2"/>
-                  <a:pt x="7" y="2"/>
-                </a:cubicBezTo>
-                <a:cubicBezTo>
-                  <a:pt x="3" y="2"/>
-                  <a:pt x="0" y="5"/>
-                  <a:pt x="0" y="9"/>
-                </a:cubicBezTo>
-                <a:cubicBezTo>
-                  <a:pt x="1" y="12"/>
-                  <a:pt x="4" y="15"/>
-                  <a:pt x="7" y="15"/>
-                </a:cubicBezTo>
-                <a:cubicBezTo>
-                  <a:pt x="18" y="14"/>
-                  <a:pt x="18" y="14"/>
-                  <a:pt x="18" y="14"/>
-                </a:cubicBezTo>
-                <a:cubicBezTo>
-                  <a:pt x="45" y="99"/>
-                  <a:pt x="45" y="99"/>
-                  <a:pt x="45" y="99"/>
-                </a:cubicBezTo>
-                <a:cubicBezTo>
-                  <a:pt x="43" y="101"/>
-                  <a:pt x="42" y="105"/>
-                  <a:pt x="42" y="109"/>
-                </a:cubicBezTo>
-                <a:cubicBezTo>
-                  <a:pt x="42" y="118"/>
-                  <a:pt x="49" y="125"/>
-                  <a:pt x="58" y="125"/>
-                </a:cubicBezTo>
-                <a:cubicBezTo>
-                  <a:pt x="64" y="125"/>
-                  <a:pt x="70" y="121"/>
-                  <a:pt x="73" y="116"/>
-                </a:cubicBezTo>
-                <a:cubicBezTo>
-                  <a:pt x="94" y="116"/>
-                  <a:pt x="94" y="116"/>
-                  <a:pt x="94" y="116"/>
-                </a:cubicBezTo>
-                <a:cubicBezTo>
-                  <a:pt x="97" y="121"/>
-                  <a:pt x="103" y="125"/>
-                  <a:pt x="109" y="125"/>
-                </a:cubicBezTo>
-                <a:cubicBezTo>
-                  <a:pt x="118" y="125"/>
-                  <a:pt x="125" y="118"/>
-                  <a:pt x="125" y="109"/>
-                </a:cubicBezTo>
-                <a:cubicBezTo>
-                  <a:pt x="125" y="100"/>
-                  <a:pt x="118" y="93"/>
-                  <a:pt x="109" y="93"/>
-                </a:cubicBezTo>
-                <a:cubicBezTo>
-                  <a:pt x="103" y="93"/>
-                  <a:pt x="97" y="97"/>
-                  <a:pt x="94" y="102"/>
-                </a:cubicBezTo>
-                <a:cubicBezTo>
-                  <a:pt x="73" y="102"/>
-                  <a:pt x="73" y="102"/>
-                  <a:pt x="73" y="102"/>
-                </a:cubicBezTo>
-                <a:cubicBezTo>
-                  <a:pt x="70" y="97"/>
-                  <a:pt x="64" y="93"/>
-                  <a:pt x="58" y="93"/>
-                </a:cubicBezTo>
-                <a:cubicBezTo>
-                  <a:pt x="58" y="93"/>
-                  <a:pt x="58" y="93"/>
-                  <a:pt x="58" y="93"/>
-                </a:cubicBezTo>
-                <a:cubicBezTo>
-                  <a:pt x="55" y="83"/>
-                  <a:pt x="55" y="83"/>
-                  <a:pt x="55" y="83"/>
-                </a:cubicBezTo>
-                <a:cubicBezTo>
-                  <a:pt x="125" y="83"/>
-                  <a:pt x="125" y="83"/>
-                  <a:pt x="125" y="83"/>
-                </a:cubicBezTo>
-                <a:cubicBezTo>
-                  <a:pt x="133" y="83"/>
-                  <a:pt x="134" y="77"/>
-                  <a:pt x="139" y="68"/>
-                </a:cubicBezTo>
-                <a:cubicBezTo>
-                  <a:pt x="158" y="34"/>
-                  <a:pt x="158" y="34"/>
-                  <a:pt x="158" y="34"/>
-                </a:cubicBezTo>
-                <a:cubicBezTo>
-                  <a:pt x="165" y="20"/>
-                  <a:pt x="151" y="19"/>
-                  <a:pt x="143" y="19"/>
-                </a:cubicBezTo>
-                <a:close/>
-              </a:path>
-            </a:pathLst>
-          </a:custGeom>
-          <a:solidFill>
-            <a:schemeClr val="bg1"/>
-          </a:solidFill>
-          <a:ln>
-            <a:noFill/>
-          </a:ln>
-        </p:spPr>
-        <p:txBody>
-          <a:bodyPr vert="horz" wrap="square" lIns="91440" tIns="45720" rIns="91440" bIns="45720" numCol="1" anchor="t" anchorCtr="0" compatLnSpc="1"/>
-          <a:lstStyle/>
-          <a:p>
-            <a:endParaRPr lang="en-US">
-              <a:solidFill>
-                <a:schemeClr val="bg1"/>
-              </a:solidFill>
-              <a:latin typeface="+mn-ea"/>
-            </a:endParaRPr>
-          </a:p>
-        </p:txBody>
-      </p:sp>
-      <p:grpSp>
-        <p:nvGrpSpPr>
-          <p:cNvPr id="36" name="组合 35"/>
-          <p:cNvGrpSpPr/>
-          <p:nvPr/>
-        </p:nvGrpSpPr>
-        <p:grpSpPr>
-          <a:xfrm>
-            <a:off x="3444915" y="2187119"/>
-            <a:ext cx="327026" cy="327025"/>
-            <a:chOff x="4176518" y="3227428"/>
-            <a:chExt cx="327026" cy="327025"/>
-          </a:xfrm>
-          <a:solidFill>
-            <a:schemeClr val="bg1"/>
-          </a:solidFill>
-        </p:grpSpPr>
-        <p:sp>
-          <p:nvSpPr>
-            <p:cNvPr id="37" name="Freeform 140"/>
-            <p:cNvSpPr>
-              <a:spLocks noEditPoints="1"/>
-            </p:cNvSpPr>
-            <p:nvPr/>
-          </p:nvSpPr>
-          <p:spPr bwMode="auto">
-            <a:xfrm>
-              <a:off x="4176518" y="3297278"/>
-              <a:ext cx="257175" cy="257175"/>
-            </a:xfrm>
-            <a:custGeom>
-              <a:avLst/>
-              <a:gdLst>
-                <a:gd name="T0" fmla="*/ 103 w 112"/>
-                <a:gd name="T1" fmla="*/ 47 h 112"/>
-                <a:gd name="T2" fmla="*/ 106 w 112"/>
-                <a:gd name="T3" fmla="*/ 36 h 112"/>
-                <a:gd name="T4" fmla="*/ 102 w 112"/>
-                <a:gd name="T5" fmla="*/ 22 h 112"/>
-                <a:gd name="T6" fmla="*/ 92 w 112"/>
-                <a:gd name="T7" fmla="*/ 25 h 112"/>
-                <a:gd name="T8" fmla="*/ 90 w 112"/>
-                <a:gd name="T9" fmla="*/ 14 h 112"/>
-                <a:gd name="T10" fmla="*/ 79 w 112"/>
-                <a:gd name="T11" fmla="*/ 4 h 112"/>
-                <a:gd name="T12" fmla="*/ 71 w 112"/>
-                <a:gd name="T13" fmla="*/ 11 h 112"/>
-                <a:gd name="T14" fmla="*/ 64 w 112"/>
-                <a:gd name="T15" fmla="*/ 3 h 112"/>
-                <a:gd name="T16" fmla="*/ 50 w 112"/>
-                <a:gd name="T17" fmla="*/ 0 h 112"/>
-                <a:gd name="T18" fmla="*/ 47 w 112"/>
-                <a:gd name="T19" fmla="*/ 10 h 112"/>
-                <a:gd name="T20" fmla="*/ 37 w 112"/>
-                <a:gd name="T21" fmla="*/ 6 h 112"/>
-                <a:gd name="T22" fmla="*/ 23 w 112"/>
-                <a:gd name="T23" fmla="*/ 11 h 112"/>
-                <a:gd name="T24" fmla="*/ 25 w 112"/>
-                <a:gd name="T25" fmla="*/ 20 h 112"/>
-                <a:gd name="T26" fmla="*/ 14 w 112"/>
-                <a:gd name="T27" fmla="*/ 22 h 112"/>
-                <a:gd name="T28" fmla="*/ 5 w 112"/>
-                <a:gd name="T29" fmla="*/ 33 h 112"/>
-                <a:gd name="T30" fmla="*/ 12 w 112"/>
-                <a:gd name="T31" fmla="*/ 41 h 112"/>
-                <a:gd name="T32" fmla="*/ 3 w 112"/>
-                <a:gd name="T33" fmla="*/ 48 h 112"/>
-                <a:gd name="T34" fmla="*/ 0 w 112"/>
-                <a:gd name="T35" fmla="*/ 62 h 112"/>
-                <a:gd name="T36" fmla="*/ 10 w 112"/>
-                <a:gd name="T37" fmla="*/ 65 h 112"/>
-                <a:gd name="T38" fmla="*/ 6 w 112"/>
-                <a:gd name="T39" fmla="*/ 75 h 112"/>
-                <a:gd name="T40" fmla="*/ 11 w 112"/>
-                <a:gd name="T41" fmla="*/ 89 h 112"/>
-                <a:gd name="T42" fmla="*/ 21 w 112"/>
-                <a:gd name="T43" fmla="*/ 87 h 112"/>
-                <a:gd name="T44" fmla="*/ 23 w 112"/>
-                <a:gd name="T45" fmla="*/ 98 h 112"/>
-                <a:gd name="T46" fmla="*/ 34 w 112"/>
-                <a:gd name="T47" fmla="*/ 108 h 112"/>
-                <a:gd name="T48" fmla="*/ 41 w 112"/>
-                <a:gd name="T49" fmla="*/ 101 h 112"/>
-                <a:gd name="T50" fmla="*/ 48 w 112"/>
-                <a:gd name="T51" fmla="*/ 109 h 112"/>
-                <a:gd name="T52" fmla="*/ 63 w 112"/>
-                <a:gd name="T53" fmla="*/ 112 h 112"/>
-                <a:gd name="T54" fmla="*/ 66 w 112"/>
-                <a:gd name="T55" fmla="*/ 102 h 112"/>
-                <a:gd name="T56" fmla="*/ 76 w 112"/>
-                <a:gd name="T57" fmla="*/ 106 h 112"/>
-                <a:gd name="T58" fmla="*/ 90 w 112"/>
-                <a:gd name="T59" fmla="*/ 101 h 112"/>
-                <a:gd name="T60" fmla="*/ 88 w 112"/>
-                <a:gd name="T61" fmla="*/ 91 h 112"/>
-                <a:gd name="T62" fmla="*/ 98 w 112"/>
-                <a:gd name="T63" fmla="*/ 89 h 112"/>
-                <a:gd name="T64" fmla="*/ 108 w 112"/>
-                <a:gd name="T65" fmla="*/ 78 h 112"/>
-                <a:gd name="T66" fmla="*/ 101 w 112"/>
-                <a:gd name="T67" fmla="*/ 71 h 112"/>
-                <a:gd name="T68" fmla="*/ 110 w 112"/>
-                <a:gd name="T69" fmla="*/ 64 h 112"/>
-                <a:gd name="T70" fmla="*/ 112 w 112"/>
-                <a:gd name="T71" fmla="*/ 49 h 112"/>
-                <a:gd name="T72" fmla="*/ 56 w 112"/>
-                <a:gd name="T73" fmla="*/ 86 h 112"/>
-                <a:gd name="T74" fmla="*/ 56 w 112"/>
-                <a:gd name="T75" fmla="*/ 26 h 112"/>
-                <a:gd name="T76" fmla="*/ 56 w 112"/>
-                <a:gd name="T77" fmla="*/ 86 h 112"/>
-              </a:gdLst>
-              <a:ahLst/>
-              <a:cxnLst>
-                <a:cxn ang="0">
-                  <a:pos x="T0" y="T1"/>
-                </a:cxn>
-                <a:cxn ang="0">
-                  <a:pos x="T2" y="T3"/>
-                </a:cxn>
-                <a:cxn ang="0">
-                  <a:pos x="T4" y="T5"/>
-                </a:cxn>
-                <a:cxn ang="0">
-                  <a:pos x="T6" y="T7"/>
-                </a:cxn>
-                <a:cxn ang="0">
-                  <a:pos x="T8" y="T9"/>
-                </a:cxn>
-                <a:cxn ang="0">
-                  <a:pos x="T10" y="T11"/>
-                </a:cxn>
-                <a:cxn ang="0">
-                  <a:pos x="T12" y="T13"/>
-                </a:cxn>
-                <a:cxn ang="0">
-                  <a:pos x="T14" y="T15"/>
-                </a:cxn>
-                <a:cxn ang="0">
-                  <a:pos x="T16" y="T17"/>
-                </a:cxn>
-                <a:cxn ang="0">
-                  <a:pos x="T18" y="T19"/>
-                </a:cxn>
-                <a:cxn ang="0">
-                  <a:pos x="T20" y="T21"/>
-                </a:cxn>
-                <a:cxn ang="0">
-                  <a:pos x="T22" y="T23"/>
-                </a:cxn>
-                <a:cxn ang="0">
-                  <a:pos x="T24" y="T25"/>
-                </a:cxn>
-                <a:cxn ang="0">
-                  <a:pos x="T26" y="T27"/>
-                </a:cxn>
-                <a:cxn ang="0">
-                  <a:pos x="T28" y="T29"/>
-                </a:cxn>
-                <a:cxn ang="0">
-                  <a:pos x="T30" y="T31"/>
-                </a:cxn>
-                <a:cxn ang="0">
-                  <a:pos x="T32" y="T33"/>
-                </a:cxn>
-                <a:cxn ang="0">
-                  <a:pos x="T34" y="T35"/>
-                </a:cxn>
-                <a:cxn ang="0">
-                  <a:pos x="T36" y="T37"/>
-                </a:cxn>
-                <a:cxn ang="0">
-                  <a:pos x="T38" y="T39"/>
-                </a:cxn>
-                <a:cxn ang="0">
-                  <a:pos x="T40" y="T41"/>
-                </a:cxn>
-                <a:cxn ang="0">
-                  <a:pos x="T42" y="T43"/>
-                </a:cxn>
-                <a:cxn ang="0">
-                  <a:pos x="T44" y="T45"/>
-                </a:cxn>
-                <a:cxn ang="0">
-                  <a:pos x="T46" y="T47"/>
-                </a:cxn>
-                <a:cxn ang="0">
-                  <a:pos x="T48" y="T49"/>
-                </a:cxn>
-                <a:cxn ang="0">
-                  <a:pos x="T50" y="T51"/>
-                </a:cxn>
-                <a:cxn ang="0">
-                  <a:pos x="T52" y="T53"/>
-                </a:cxn>
-                <a:cxn ang="0">
-                  <a:pos x="T54" y="T55"/>
-                </a:cxn>
-                <a:cxn ang="0">
-                  <a:pos x="T56" y="T57"/>
-                </a:cxn>
-                <a:cxn ang="0">
-                  <a:pos x="T58" y="T59"/>
-                </a:cxn>
-                <a:cxn ang="0">
-                  <a:pos x="T60" y="T61"/>
-                </a:cxn>
-                <a:cxn ang="0">
-                  <a:pos x="T62" y="T63"/>
-                </a:cxn>
-                <a:cxn ang="0">
-                  <a:pos x="T64" y="T65"/>
-                </a:cxn>
-                <a:cxn ang="0">
-                  <a:pos x="T66" y="T67"/>
-                </a:cxn>
-                <a:cxn ang="0">
-                  <a:pos x="T68" y="T69"/>
-                </a:cxn>
-                <a:cxn ang="0">
-                  <a:pos x="T70" y="T71"/>
-                </a:cxn>
-                <a:cxn ang="0">
-                  <a:pos x="T72" y="T73"/>
-                </a:cxn>
-                <a:cxn ang="0">
-                  <a:pos x="T74" y="T75"/>
-                </a:cxn>
-                <a:cxn ang="0">
-                  <a:pos x="T76" y="T77"/>
-                </a:cxn>
-              </a:cxnLst>
-              <a:rect l="0" t="0" r="r" b="b"/>
-              <a:pathLst>
-                <a:path w="112" h="112">
-                  <a:moveTo>
-                    <a:pt x="110" y="47"/>
-                  </a:moveTo>
-                  <a:cubicBezTo>
-                    <a:pt x="103" y="47"/>
-                    <a:pt x="103" y="47"/>
-                    <a:pt x="103" y="47"/>
-                  </a:cubicBezTo>
-                  <a:cubicBezTo>
-                    <a:pt x="102" y="44"/>
-                    <a:pt x="101" y="42"/>
-                    <a:pt x="101" y="39"/>
-                  </a:cubicBezTo>
-                  <a:cubicBezTo>
-                    <a:pt x="106" y="36"/>
-                    <a:pt x="106" y="36"/>
-                    <a:pt x="106" y="36"/>
-                  </a:cubicBezTo>
-                  <a:cubicBezTo>
-                    <a:pt x="108" y="35"/>
-                    <a:pt x="108" y="34"/>
-                    <a:pt x="107" y="32"/>
-                  </a:cubicBezTo>
-                  <a:cubicBezTo>
-                    <a:pt x="102" y="22"/>
-                    <a:pt x="102" y="22"/>
-                    <a:pt x="102" y="22"/>
-                  </a:cubicBezTo>
-                  <a:cubicBezTo>
-                    <a:pt x="101" y="21"/>
-                    <a:pt x="99" y="20"/>
-                    <a:pt x="98" y="21"/>
-                  </a:cubicBezTo>
-                  <a:cubicBezTo>
-                    <a:pt x="92" y="25"/>
-                    <a:pt x="92" y="25"/>
-                    <a:pt x="92" y="25"/>
-                  </a:cubicBezTo>
-                  <a:cubicBezTo>
-                    <a:pt x="90" y="23"/>
-                    <a:pt x="88" y="21"/>
-                    <a:pt x="87" y="20"/>
-                  </a:cubicBezTo>
-                  <a:cubicBezTo>
-                    <a:pt x="90" y="14"/>
-                    <a:pt x="90" y="14"/>
-                    <a:pt x="90" y="14"/>
-                  </a:cubicBezTo>
-                  <a:cubicBezTo>
-                    <a:pt x="91" y="12"/>
-                    <a:pt x="90" y="11"/>
-                    <a:pt x="89" y="10"/>
-                  </a:cubicBezTo>
-                  <a:cubicBezTo>
-                    <a:pt x="79" y="4"/>
-                    <a:pt x="79" y="4"/>
-                    <a:pt x="79" y="4"/>
-                  </a:cubicBezTo>
-                  <a:cubicBezTo>
-                    <a:pt x="77" y="3"/>
-                    <a:pt x="76" y="4"/>
-                    <a:pt x="75" y="5"/>
-                  </a:cubicBezTo>
-                  <a:cubicBezTo>
-                    <a:pt x="71" y="11"/>
-                    <a:pt x="71" y="11"/>
-                    <a:pt x="71" y="11"/>
-                  </a:cubicBezTo>
-                  <a:cubicBezTo>
-                    <a:pt x="69" y="10"/>
-                    <a:pt x="67" y="10"/>
-                    <a:pt x="64" y="9"/>
-                  </a:cubicBezTo>
-                  <a:cubicBezTo>
-                    <a:pt x="64" y="3"/>
-                    <a:pt x="64" y="3"/>
-                    <a:pt x="64" y="3"/>
-                  </a:cubicBezTo>
-                  <a:cubicBezTo>
-                    <a:pt x="64" y="1"/>
-                    <a:pt x="63" y="0"/>
-                    <a:pt x="61" y="0"/>
-                  </a:cubicBezTo>
-                  <a:cubicBezTo>
-                    <a:pt x="50" y="0"/>
-                    <a:pt x="50" y="0"/>
-                    <a:pt x="50" y="0"/>
-                  </a:cubicBezTo>
-                  <a:cubicBezTo>
-                    <a:pt x="48" y="0"/>
-                    <a:pt x="47" y="1"/>
-                    <a:pt x="47" y="3"/>
-                  </a:cubicBezTo>
-                  <a:cubicBezTo>
-                    <a:pt x="47" y="10"/>
-                    <a:pt x="47" y="10"/>
-                    <a:pt x="47" y="10"/>
-                  </a:cubicBezTo>
-                  <a:cubicBezTo>
-                    <a:pt x="45" y="10"/>
-                    <a:pt x="42" y="11"/>
-                    <a:pt x="40" y="12"/>
-                  </a:cubicBezTo>
-                  <a:cubicBezTo>
-                    <a:pt x="37" y="6"/>
-                    <a:pt x="37" y="6"/>
-                    <a:pt x="37" y="6"/>
-                  </a:cubicBezTo>
-                  <a:cubicBezTo>
-                    <a:pt x="36" y="4"/>
-                    <a:pt x="34" y="4"/>
-                    <a:pt x="33" y="5"/>
-                  </a:cubicBezTo>
-                  <a:cubicBezTo>
-                    <a:pt x="23" y="11"/>
-                    <a:pt x="23" y="11"/>
-                    <a:pt x="23" y="11"/>
-                  </a:cubicBezTo>
-                  <a:cubicBezTo>
-                    <a:pt x="21" y="11"/>
-                    <a:pt x="21" y="13"/>
-                    <a:pt x="22" y="14"/>
-                  </a:cubicBezTo>
-                  <a:cubicBezTo>
-                    <a:pt x="25" y="20"/>
-                    <a:pt x="25" y="20"/>
-                    <a:pt x="25" y="20"/>
-                  </a:cubicBezTo>
-                  <a:cubicBezTo>
-                    <a:pt x="23" y="22"/>
-                    <a:pt x="22" y="24"/>
-                    <a:pt x="20" y="26"/>
-                  </a:cubicBezTo>
-                  <a:cubicBezTo>
-                    <a:pt x="14" y="22"/>
-                    <a:pt x="14" y="22"/>
-                    <a:pt x="14" y="22"/>
-                  </a:cubicBezTo>
-                  <a:cubicBezTo>
-                    <a:pt x="13" y="22"/>
-                    <a:pt x="11" y="22"/>
-                    <a:pt x="10" y="23"/>
-                  </a:cubicBezTo>
-                  <a:cubicBezTo>
-                    <a:pt x="5" y="33"/>
-                    <a:pt x="5" y="33"/>
-                    <a:pt x="5" y="33"/>
-                  </a:cubicBezTo>
-                  <a:cubicBezTo>
-                    <a:pt x="4" y="35"/>
-                    <a:pt x="4" y="36"/>
-                    <a:pt x="6" y="37"/>
-                  </a:cubicBezTo>
-                  <a:cubicBezTo>
-                    <a:pt x="12" y="41"/>
-                    <a:pt x="12" y="41"/>
-                    <a:pt x="12" y="41"/>
-                  </a:cubicBezTo>
-                  <a:cubicBezTo>
-                    <a:pt x="11" y="43"/>
-                    <a:pt x="10" y="45"/>
-                    <a:pt x="10" y="48"/>
-                  </a:cubicBezTo>
-                  <a:cubicBezTo>
-                    <a:pt x="3" y="48"/>
-                    <a:pt x="3" y="48"/>
-                    <a:pt x="3" y="48"/>
-                  </a:cubicBezTo>
-                  <a:cubicBezTo>
-                    <a:pt x="2" y="48"/>
-                    <a:pt x="0" y="49"/>
-                    <a:pt x="0" y="51"/>
-                  </a:cubicBezTo>
-                  <a:cubicBezTo>
-                    <a:pt x="0" y="62"/>
-                    <a:pt x="0" y="62"/>
-                    <a:pt x="0" y="62"/>
-                  </a:cubicBezTo>
-                  <a:cubicBezTo>
-                    <a:pt x="0" y="64"/>
-                    <a:pt x="2" y="65"/>
-                    <a:pt x="3" y="65"/>
-                  </a:cubicBezTo>
-                  <a:cubicBezTo>
-                    <a:pt x="10" y="65"/>
-                    <a:pt x="10" y="65"/>
-                    <a:pt x="10" y="65"/>
-                  </a:cubicBezTo>
-                  <a:cubicBezTo>
-                    <a:pt x="11" y="68"/>
-                    <a:pt x="11" y="70"/>
-                    <a:pt x="12" y="72"/>
-                  </a:cubicBezTo>
-                  <a:cubicBezTo>
-                    <a:pt x="6" y="75"/>
-                    <a:pt x="6" y="75"/>
-                    <a:pt x="6" y="75"/>
-                  </a:cubicBezTo>
-                  <a:cubicBezTo>
-                    <a:pt x="5" y="76"/>
-                    <a:pt x="5" y="78"/>
-                    <a:pt x="5" y="79"/>
-                  </a:cubicBezTo>
-                  <a:cubicBezTo>
-                    <a:pt x="11" y="89"/>
-                    <a:pt x="11" y="89"/>
-                    <a:pt x="11" y="89"/>
-                  </a:cubicBezTo>
-                  <a:cubicBezTo>
-                    <a:pt x="12" y="91"/>
-                    <a:pt x="14" y="91"/>
-                    <a:pt x="15" y="90"/>
-                  </a:cubicBezTo>
-                  <a:cubicBezTo>
-                    <a:pt x="21" y="87"/>
-                    <a:pt x="21" y="87"/>
-                    <a:pt x="21" y="87"/>
-                  </a:cubicBezTo>
-                  <a:cubicBezTo>
-                    <a:pt x="23" y="89"/>
-                    <a:pt x="24" y="91"/>
-                    <a:pt x="26" y="92"/>
-                  </a:cubicBezTo>
-                  <a:cubicBezTo>
-                    <a:pt x="23" y="98"/>
-                    <a:pt x="23" y="98"/>
-                    <a:pt x="23" y="98"/>
-                  </a:cubicBezTo>
-                  <a:cubicBezTo>
-                    <a:pt x="22" y="99"/>
-                    <a:pt x="23" y="101"/>
-                    <a:pt x="24" y="102"/>
-                  </a:cubicBezTo>
-                  <a:cubicBezTo>
-                    <a:pt x="34" y="108"/>
-                    <a:pt x="34" y="108"/>
-                    <a:pt x="34" y="108"/>
-                  </a:cubicBezTo>
-                  <a:cubicBezTo>
-                    <a:pt x="35" y="108"/>
-                    <a:pt x="37" y="108"/>
-                    <a:pt x="38" y="106"/>
-                  </a:cubicBezTo>
-                  <a:cubicBezTo>
-                    <a:pt x="41" y="101"/>
-                    <a:pt x="41" y="101"/>
-                    <a:pt x="41" y="101"/>
-                  </a:cubicBezTo>
-                  <a:cubicBezTo>
-                    <a:pt x="44" y="101"/>
-                    <a:pt x="46" y="102"/>
-                    <a:pt x="48" y="102"/>
-                  </a:cubicBezTo>
-                  <a:cubicBezTo>
-                    <a:pt x="48" y="109"/>
-                    <a:pt x="48" y="109"/>
-                    <a:pt x="48" y="109"/>
-                  </a:cubicBezTo>
-                  <a:cubicBezTo>
-                    <a:pt x="48" y="111"/>
-                    <a:pt x="50" y="112"/>
-                    <a:pt x="51" y="112"/>
-                  </a:cubicBezTo>
-                  <a:cubicBezTo>
-                    <a:pt x="63" y="112"/>
-                    <a:pt x="63" y="112"/>
-                    <a:pt x="63" y="112"/>
-                  </a:cubicBezTo>
-                  <a:cubicBezTo>
-                    <a:pt x="64" y="112"/>
-                    <a:pt x="66" y="111"/>
-                    <a:pt x="66" y="109"/>
-                  </a:cubicBezTo>
-                  <a:cubicBezTo>
-                    <a:pt x="66" y="102"/>
-                    <a:pt x="66" y="102"/>
-                    <a:pt x="66" y="102"/>
-                  </a:cubicBezTo>
-                  <a:cubicBezTo>
-                    <a:pt x="68" y="102"/>
-                    <a:pt x="70" y="101"/>
-                    <a:pt x="73" y="100"/>
-                  </a:cubicBezTo>
-                  <a:cubicBezTo>
-                    <a:pt x="76" y="106"/>
-                    <a:pt x="76" y="106"/>
-                    <a:pt x="76" y="106"/>
-                  </a:cubicBezTo>
-                  <a:cubicBezTo>
-                    <a:pt x="77" y="107"/>
-                    <a:pt x="79" y="108"/>
-                    <a:pt x="80" y="107"/>
-                  </a:cubicBezTo>
-                  <a:cubicBezTo>
-                    <a:pt x="90" y="101"/>
-                    <a:pt x="90" y="101"/>
-                    <a:pt x="90" y="101"/>
-                  </a:cubicBezTo>
-                  <a:cubicBezTo>
-                    <a:pt x="91" y="100"/>
-                    <a:pt x="92" y="99"/>
-                    <a:pt x="91" y="97"/>
-                  </a:cubicBezTo>
-                  <a:cubicBezTo>
-                    <a:pt x="88" y="91"/>
-                    <a:pt x="88" y="91"/>
-                    <a:pt x="88" y="91"/>
-                  </a:cubicBezTo>
-                  <a:cubicBezTo>
-                    <a:pt x="89" y="90"/>
-                    <a:pt x="91" y="88"/>
-                    <a:pt x="93" y="86"/>
-                  </a:cubicBezTo>
-                  <a:cubicBezTo>
-                    <a:pt x="98" y="89"/>
-                    <a:pt x="98" y="89"/>
-                    <a:pt x="98" y="89"/>
-                  </a:cubicBezTo>
-                  <a:cubicBezTo>
-                    <a:pt x="100" y="90"/>
-                    <a:pt x="102" y="90"/>
-                    <a:pt x="102" y="88"/>
-                  </a:cubicBezTo>
-                  <a:cubicBezTo>
-                    <a:pt x="108" y="78"/>
-                    <a:pt x="108" y="78"/>
-                    <a:pt x="108" y="78"/>
-                  </a:cubicBezTo>
-                  <a:cubicBezTo>
-                    <a:pt x="109" y="77"/>
-                    <a:pt x="108" y="75"/>
-                    <a:pt x="107" y="74"/>
-                  </a:cubicBezTo>
-                  <a:cubicBezTo>
-                    <a:pt x="101" y="71"/>
-                    <a:pt x="101" y="71"/>
-                    <a:pt x="101" y="71"/>
-                  </a:cubicBezTo>
-                  <a:cubicBezTo>
-                    <a:pt x="102" y="69"/>
-                    <a:pt x="102" y="66"/>
-                    <a:pt x="103" y="64"/>
-                  </a:cubicBezTo>
-                  <a:cubicBezTo>
-                    <a:pt x="110" y="64"/>
-                    <a:pt x="110" y="64"/>
-                    <a:pt x="110" y="64"/>
-                  </a:cubicBezTo>
-                  <a:cubicBezTo>
-                    <a:pt x="111" y="64"/>
-                    <a:pt x="112" y="63"/>
-                    <a:pt x="112" y="61"/>
-                  </a:cubicBezTo>
-                  <a:cubicBezTo>
-                    <a:pt x="112" y="49"/>
-                    <a:pt x="112" y="49"/>
-                    <a:pt x="112" y="49"/>
-                  </a:cubicBezTo>
-                  <a:cubicBezTo>
-                    <a:pt x="112" y="48"/>
-                    <a:pt x="111" y="47"/>
-                    <a:pt x="110" y="47"/>
-                  </a:cubicBezTo>
-                  <a:close/>
-                  <a:moveTo>
-                    <a:pt x="56" y="86"/>
-                  </a:moveTo>
-                  <a:cubicBezTo>
-                    <a:pt x="40" y="86"/>
-                    <a:pt x="26" y="72"/>
-                    <a:pt x="26" y="56"/>
-                  </a:cubicBezTo>
-                  <a:cubicBezTo>
-                    <a:pt x="26" y="39"/>
-                    <a:pt x="40" y="26"/>
-                    <a:pt x="56" y="26"/>
-                  </a:cubicBezTo>
-                  <a:cubicBezTo>
-                    <a:pt x="73" y="26"/>
-                    <a:pt x="86" y="39"/>
-                    <a:pt x="86" y="56"/>
-                  </a:cubicBezTo>
-                  <a:cubicBezTo>
-                    <a:pt x="86" y="72"/>
-                    <a:pt x="73" y="86"/>
-                    <a:pt x="56" y="86"/>
-                  </a:cubicBezTo>
-                  <a:close/>
-                </a:path>
-              </a:pathLst>
-            </a:custGeom>
-            <a:grpFill/>
-            <a:ln>
-              <a:noFill/>
-            </a:ln>
-            <a:extLst>
-              <a:ext uri="{91240B29-F687-4F45-9708-019B960494DF}">
-                <a14:hiddenLine xmlns:a14="http://schemas.microsoft.com/office/drawing/2010/main" w="9525">
-                  <a:solidFill>
-                    <a:srgbClr val="000000"/>
-                  </a:solidFill>
-                  <a:round/>
-                </a14:hiddenLine>
-              </a:ext>
-            </a:extLst>
-          </p:spPr>
-          <p:txBody>
-            <a:bodyPr vert="horz" wrap="square" lIns="91440" tIns="45720" rIns="91440" bIns="45720" numCol="1" anchor="t" anchorCtr="0" compatLnSpc="1"/>
-            <a:lstStyle/>
-            <a:p>
-              <a:endParaRPr lang="en-US">
-                <a:solidFill>
-                  <a:schemeClr val="bg1"/>
-                </a:solidFill>
-                <a:latin typeface="+mn-ea"/>
-              </a:endParaRPr>
-            </a:p>
-          </p:txBody>
-        </p:sp>
-        <p:sp>
-          <p:nvSpPr>
-            <p:cNvPr id="38" name="Freeform 141"/>
-            <p:cNvSpPr>
-              <a:spLocks noEditPoints="1"/>
-            </p:cNvSpPr>
-            <p:nvPr/>
-          </p:nvSpPr>
-          <p:spPr bwMode="auto">
-            <a:xfrm>
-              <a:off x="4384481" y="3227428"/>
-              <a:ext cx="119063" cy="120650"/>
-            </a:xfrm>
-            <a:custGeom>
-              <a:avLst/>
-              <a:gdLst>
-                <a:gd name="T0" fmla="*/ 48 w 52"/>
-                <a:gd name="T1" fmla="*/ 23 h 52"/>
-                <a:gd name="T2" fmla="*/ 50 w 52"/>
-                <a:gd name="T3" fmla="*/ 17 h 52"/>
-                <a:gd name="T4" fmla="*/ 48 w 52"/>
-                <a:gd name="T5" fmla="*/ 11 h 52"/>
-                <a:gd name="T6" fmla="*/ 44 w 52"/>
-                <a:gd name="T7" fmla="*/ 12 h 52"/>
-                <a:gd name="T8" fmla="*/ 42 w 52"/>
-                <a:gd name="T9" fmla="*/ 6 h 52"/>
-                <a:gd name="T10" fmla="*/ 38 w 52"/>
-                <a:gd name="T11" fmla="*/ 2 h 52"/>
-                <a:gd name="T12" fmla="*/ 34 w 52"/>
-                <a:gd name="T13" fmla="*/ 5 h 52"/>
-                <a:gd name="T14" fmla="*/ 30 w 52"/>
-                <a:gd name="T15" fmla="*/ 1 h 52"/>
-                <a:gd name="T16" fmla="*/ 24 w 52"/>
-                <a:gd name="T17" fmla="*/ 0 h 52"/>
-                <a:gd name="T18" fmla="*/ 23 w 52"/>
-                <a:gd name="T19" fmla="*/ 4 h 52"/>
-                <a:gd name="T20" fmla="*/ 17 w 52"/>
-                <a:gd name="T21" fmla="*/ 2 h 52"/>
-                <a:gd name="T22" fmla="*/ 11 w 52"/>
-                <a:gd name="T23" fmla="*/ 4 h 52"/>
-                <a:gd name="T24" fmla="*/ 12 w 52"/>
-                <a:gd name="T25" fmla="*/ 8 h 52"/>
-                <a:gd name="T26" fmla="*/ 6 w 52"/>
-                <a:gd name="T27" fmla="*/ 10 h 52"/>
-                <a:gd name="T28" fmla="*/ 2 w 52"/>
-                <a:gd name="T29" fmla="*/ 14 h 52"/>
-                <a:gd name="T30" fmla="*/ 6 w 52"/>
-                <a:gd name="T31" fmla="*/ 18 h 52"/>
-                <a:gd name="T32" fmla="*/ 1 w 52"/>
-                <a:gd name="T33" fmla="*/ 22 h 52"/>
-                <a:gd name="T34" fmla="*/ 0 w 52"/>
-                <a:gd name="T35" fmla="*/ 28 h 52"/>
-                <a:gd name="T36" fmla="*/ 4 w 52"/>
-                <a:gd name="T37" fmla="*/ 29 h 52"/>
-                <a:gd name="T38" fmla="*/ 2 w 52"/>
-                <a:gd name="T39" fmla="*/ 35 h 52"/>
-                <a:gd name="T40" fmla="*/ 4 w 52"/>
-                <a:gd name="T41" fmla="*/ 41 h 52"/>
-                <a:gd name="T42" fmla="*/ 9 w 52"/>
-                <a:gd name="T43" fmla="*/ 40 h 52"/>
-                <a:gd name="T44" fmla="*/ 10 w 52"/>
-                <a:gd name="T45" fmla="*/ 46 h 52"/>
-                <a:gd name="T46" fmla="*/ 15 w 52"/>
-                <a:gd name="T47" fmla="*/ 50 h 52"/>
-                <a:gd name="T48" fmla="*/ 18 w 52"/>
-                <a:gd name="T49" fmla="*/ 47 h 52"/>
-                <a:gd name="T50" fmla="*/ 22 w 52"/>
-                <a:gd name="T51" fmla="*/ 51 h 52"/>
-                <a:gd name="T52" fmla="*/ 28 w 52"/>
-                <a:gd name="T53" fmla="*/ 52 h 52"/>
-                <a:gd name="T54" fmla="*/ 29 w 52"/>
-                <a:gd name="T55" fmla="*/ 48 h 52"/>
-                <a:gd name="T56" fmla="*/ 35 w 52"/>
-                <a:gd name="T57" fmla="*/ 50 h 52"/>
-                <a:gd name="T58" fmla="*/ 41 w 52"/>
-                <a:gd name="T59" fmla="*/ 48 h 52"/>
-                <a:gd name="T60" fmla="*/ 40 w 52"/>
-                <a:gd name="T61" fmla="*/ 43 h 52"/>
-                <a:gd name="T62" fmla="*/ 46 w 52"/>
-                <a:gd name="T63" fmla="*/ 42 h 52"/>
-                <a:gd name="T64" fmla="*/ 50 w 52"/>
-                <a:gd name="T65" fmla="*/ 37 h 52"/>
-                <a:gd name="T66" fmla="*/ 47 w 52"/>
-                <a:gd name="T67" fmla="*/ 34 h 52"/>
-                <a:gd name="T68" fmla="*/ 51 w 52"/>
-                <a:gd name="T69" fmla="*/ 30 h 52"/>
-                <a:gd name="T70" fmla="*/ 52 w 52"/>
-                <a:gd name="T71" fmla="*/ 24 h 52"/>
-                <a:gd name="T72" fmla="*/ 26 w 52"/>
-                <a:gd name="T73" fmla="*/ 40 h 52"/>
-                <a:gd name="T74" fmla="*/ 26 w 52"/>
-                <a:gd name="T75" fmla="*/ 12 h 52"/>
-                <a:gd name="T76" fmla="*/ 26 w 52"/>
-                <a:gd name="T77" fmla="*/ 40 h 52"/>
-              </a:gdLst>
-              <a:ahLst/>
-              <a:cxnLst>
-                <a:cxn ang="0">
-                  <a:pos x="T0" y="T1"/>
-                </a:cxn>
-                <a:cxn ang="0">
-                  <a:pos x="T2" y="T3"/>
-                </a:cxn>
-                <a:cxn ang="0">
-                  <a:pos x="T4" y="T5"/>
-                </a:cxn>
-                <a:cxn ang="0">
-                  <a:pos x="T6" y="T7"/>
-                </a:cxn>
-                <a:cxn ang="0">
-                  <a:pos x="T8" y="T9"/>
-                </a:cxn>
-                <a:cxn ang="0">
-                  <a:pos x="T10" y="T11"/>
-                </a:cxn>
-                <a:cxn ang="0">
-                  <a:pos x="T12" y="T13"/>
-                </a:cxn>
-                <a:cxn ang="0">
-                  <a:pos x="T14" y="T15"/>
-                </a:cxn>
-                <a:cxn ang="0">
-                  <a:pos x="T16" y="T17"/>
-                </a:cxn>
-                <a:cxn ang="0">
-                  <a:pos x="T18" y="T19"/>
-                </a:cxn>
-                <a:cxn ang="0">
-                  <a:pos x="T20" y="T21"/>
-                </a:cxn>
-                <a:cxn ang="0">
-                  <a:pos x="T22" y="T23"/>
-                </a:cxn>
-                <a:cxn ang="0">
-                  <a:pos x="T24" y="T25"/>
-                </a:cxn>
-                <a:cxn ang="0">
-                  <a:pos x="T26" y="T27"/>
-                </a:cxn>
-                <a:cxn ang="0">
-                  <a:pos x="T28" y="T29"/>
-                </a:cxn>
-                <a:cxn ang="0">
-                  <a:pos x="T30" y="T31"/>
-                </a:cxn>
-                <a:cxn ang="0">
-                  <a:pos x="T32" y="T33"/>
-                </a:cxn>
-                <a:cxn ang="0">
-                  <a:pos x="T34" y="T35"/>
-                </a:cxn>
-                <a:cxn ang="0">
-                  <a:pos x="T36" y="T37"/>
-                </a:cxn>
-                <a:cxn ang="0">
-                  <a:pos x="T38" y="T39"/>
-                </a:cxn>
-                <a:cxn ang="0">
-                  <a:pos x="T40" y="T41"/>
-                </a:cxn>
-                <a:cxn ang="0">
-                  <a:pos x="T42" y="T43"/>
-                </a:cxn>
-                <a:cxn ang="0">
-                  <a:pos x="T44" y="T45"/>
-                </a:cxn>
-                <a:cxn ang="0">
-                  <a:pos x="T46" y="T47"/>
-                </a:cxn>
-                <a:cxn ang="0">
-                  <a:pos x="T48" y="T49"/>
-                </a:cxn>
-                <a:cxn ang="0">
-                  <a:pos x="T50" y="T51"/>
-                </a:cxn>
-                <a:cxn ang="0">
-                  <a:pos x="T52" y="T53"/>
-                </a:cxn>
-                <a:cxn ang="0">
-                  <a:pos x="T54" y="T55"/>
-                </a:cxn>
-                <a:cxn ang="0">
-                  <a:pos x="T56" y="T57"/>
-                </a:cxn>
-                <a:cxn ang="0">
-                  <a:pos x="T58" y="T59"/>
-                </a:cxn>
-                <a:cxn ang="0">
-                  <a:pos x="T60" y="T61"/>
-                </a:cxn>
-                <a:cxn ang="0">
-                  <a:pos x="T62" y="T63"/>
-                </a:cxn>
-                <a:cxn ang="0">
-                  <a:pos x="T64" y="T65"/>
-                </a:cxn>
-                <a:cxn ang="0">
-                  <a:pos x="T66" y="T67"/>
-                </a:cxn>
-                <a:cxn ang="0">
-                  <a:pos x="T68" y="T69"/>
-                </a:cxn>
-                <a:cxn ang="0">
-                  <a:pos x="T70" y="T71"/>
-                </a:cxn>
-                <a:cxn ang="0">
-                  <a:pos x="T72" y="T73"/>
-                </a:cxn>
-                <a:cxn ang="0">
-                  <a:pos x="T74" y="T75"/>
-                </a:cxn>
-                <a:cxn ang="0">
-                  <a:pos x="T76" y="T77"/>
-                </a:cxn>
-              </a:cxnLst>
-              <a:rect l="0" t="0" r="r" b="b"/>
-              <a:pathLst>
-                <a:path w="52" h="52">
-                  <a:moveTo>
-                    <a:pt x="51" y="23"/>
-                  </a:moveTo>
-                  <a:cubicBezTo>
-                    <a:pt x="48" y="23"/>
-                    <a:pt x="48" y="23"/>
-                    <a:pt x="48" y="23"/>
-                  </a:cubicBezTo>
-                  <a:cubicBezTo>
-                    <a:pt x="48" y="21"/>
-                    <a:pt x="48" y="20"/>
-                    <a:pt x="47" y="18"/>
-                  </a:cubicBezTo>
-                  <a:cubicBezTo>
-                    <a:pt x="50" y="17"/>
-                    <a:pt x="50" y="17"/>
-                    <a:pt x="50" y="17"/>
-                  </a:cubicBezTo>
-                  <a:cubicBezTo>
-                    <a:pt x="50" y="16"/>
-                    <a:pt x="51" y="16"/>
-                    <a:pt x="50" y="15"/>
-                  </a:cubicBezTo>
-                  <a:cubicBezTo>
-                    <a:pt x="48" y="11"/>
-                    <a:pt x="48" y="11"/>
-                    <a:pt x="48" y="11"/>
-                  </a:cubicBezTo>
-                  <a:cubicBezTo>
-                    <a:pt x="48" y="10"/>
-                    <a:pt x="47" y="10"/>
-                    <a:pt x="46" y="11"/>
-                  </a:cubicBezTo>
-                  <a:cubicBezTo>
-                    <a:pt x="44" y="12"/>
-                    <a:pt x="44" y="12"/>
-                    <a:pt x="44" y="12"/>
-                  </a:cubicBezTo>
-                  <a:cubicBezTo>
-                    <a:pt x="43" y="11"/>
-                    <a:pt x="42" y="10"/>
-                    <a:pt x="40" y="9"/>
-                  </a:cubicBezTo>
-                  <a:cubicBezTo>
-                    <a:pt x="42" y="6"/>
-                    <a:pt x="42" y="6"/>
-                    <a:pt x="42" y="6"/>
-                  </a:cubicBezTo>
-                  <a:cubicBezTo>
-                    <a:pt x="42" y="6"/>
-                    <a:pt x="42" y="5"/>
-                    <a:pt x="42" y="4"/>
-                  </a:cubicBezTo>
-                  <a:cubicBezTo>
-                    <a:pt x="38" y="2"/>
-                    <a:pt x="38" y="2"/>
-                    <a:pt x="38" y="2"/>
-                  </a:cubicBezTo>
-                  <a:cubicBezTo>
-                    <a:pt x="37" y="2"/>
-                    <a:pt x="36" y="2"/>
-                    <a:pt x="36" y="3"/>
-                  </a:cubicBezTo>
-                  <a:cubicBezTo>
-                    <a:pt x="34" y="5"/>
-                    <a:pt x="34" y="5"/>
-                    <a:pt x="34" y="5"/>
-                  </a:cubicBezTo>
-                  <a:cubicBezTo>
-                    <a:pt x="33" y="5"/>
-                    <a:pt x="32" y="4"/>
-                    <a:pt x="30" y="4"/>
-                  </a:cubicBezTo>
-                  <a:cubicBezTo>
-                    <a:pt x="30" y="1"/>
-                    <a:pt x="30" y="1"/>
-                    <a:pt x="30" y="1"/>
-                  </a:cubicBezTo>
-                  <a:cubicBezTo>
-                    <a:pt x="30" y="0"/>
-                    <a:pt x="29" y="0"/>
-                    <a:pt x="29" y="0"/>
-                  </a:cubicBezTo>
-                  <a:cubicBezTo>
-                    <a:pt x="24" y="0"/>
-                    <a:pt x="24" y="0"/>
-                    <a:pt x="24" y="0"/>
-                  </a:cubicBezTo>
-                  <a:cubicBezTo>
-                    <a:pt x="24" y="0"/>
-                    <a:pt x="23" y="0"/>
-                    <a:pt x="23" y="1"/>
-                  </a:cubicBezTo>
-                  <a:cubicBezTo>
-                    <a:pt x="23" y="4"/>
-                    <a:pt x="23" y="4"/>
-                    <a:pt x="23" y="4"/>
-                  </a:cubicBezTo>
-                  <a:cubicBezTo>
-                    <a:pt x="21" y="4"/>
-                    <a:pt x="20" y="5"/>
-                    <a:pt x="19" y="5"/>
-                  </a:cubicBezTo>
-                  <a:cubicBezTo>
-                    <a:pt x="17" y="2"/>
-                    <a:pt x="17" y="2"/>
-                    <a:pt x="17" y="2"/>
-                  </a:cubicBezTo>
-                  <a:cubicBezTo>
-                    <a:pt x="17" y="2"/>
-                    <a:pt x="16" y="1"/>
-                    <a:pt x="15" y="2"/>
-                  </a:cubicBezTo>
-                  <a:cubicBezTo>
-                    <a:pt x="11" y="4"/>
-                    <a:pt x="11" y="4"/>
-                    <a:pt x="11" y="4"/>
-                  </a:cubicBezTo>
-                  <a:cubicBezTo>
-                    <a:pt x="11" y="4"/>
-                    <a:pt x="11" y="5"/>
-                    <a:pt x="11" y="6"/>
-                  </a:cubicBezTo>
-                  <a:cubicBezTo>
-                    <a:pt x="12" y="8"/>
-                    <a:pt x="12" y="8"/>
-                    <a:pt x="12" y="8"/>
-                  </a:cubicBezTo>
-                  <a:cubicBezTo>
-                    <a:pt x="11" y="9"/>
-                    <a:pt x="10" y="10"/>
-                    <a:pt x="9" y="12"/>
-                  </a:cubicBezTo>
-                  <a:cubicBezTo>
-                    <a:pt x="6" y="10"/>
-                    <a:pt x="6" y="10"/>
-                    <a:pt x="6" y="10"/>
-                  </a:cubicBezTo>
-                  <a:cubicBezTo>
-                    <a:pt x="6" y="10"/>
-                    <a:pt x="5" y="10"/>
-                    <a:pt x="5" y="10"/>
-                  </a:cubicBezTo>
-                  <a:cubicBezTo>
-                    <a:pt x="2" y="14"/>
-                    <a:pt x="2" y="14"/>
-                    <a:pt x="2" y="14"/>
-                  </a:cubicBezTo>
-                  <a:cubicBezTo>
-                    <a:pt x="2" y="15"/>
-                    <a:pt x="2" y="16"/>
-                    <a:pt x="3" y="16"/>
-                  </a:cubicBezTo>
-                  <a:cubicBezTo>
-                    <a:pt x="6" y="18"/>
-                    <a:pt x="6" y="18"/>
-                    <a:pt x="6" y="18"/>
-                  </a:cubicBezTo>
-                  <a:cubicBezTo>
-                    <a:pt x="5" y="19"/>
-                    <a:pt x="5" y="21"/>
-                    <a:pt x="4" y="22"/>
-                  </a:cubicBezTo>
-                  <a:cubicBezTo>
-                    <a:pt x="1" y="22"/>
-                    <a:pt x="1" y="22"/>
-                    <a:pt x="1" y="22"/>
-                  </a:cubicBezTo>
-                  <a:cubicBezTo>
-                    <a:pt x="0" y="22"/>
-                    <a:pt x="0" y="23"/>
-                    <a:pt x="0" y="23"/>
-                  </a:cubicBezTo>
-                  <a:cubicBezTo>
-                    <a:pt x="0" y="28"/>
-                    <a:pt x="0" y="28"/>
-                    <a:pt x="0" y="28"/>
-                  </a:cubicBezTo>
-                  <a:cubicBezTo>
-                    <a:pt x="0" y="29"/>
-                    <a:pt x="0" y="29"/>
-                    <a:pt x="1" y="29"/>
-                  </a:cubicBezTo>
-                  <a:cubicBezTo>
-                    <a:pt x="4" y="29"/>
-                    <a:pt x="4" y="29"/>
-                    <a:pt x="4" y="29"/>
-                  </a:cubicBezTo>
-                  <a:cubicBezTo>
-                    <a:pt x="4" y="31"/>
-                    <a:pt x="5" y="32"/>
-                    <a:pt x="5" y="34"/>
-                  </a:cubicBezTo>
-                  <a:cubicBezTo>
-                    <a:pt x="2" y="35"/>
-                    <a:pt x="2" y="35"/>
-                    <a:pt x="2" y="35"/>
-                  </a:cubicBezTo>
-                  <a:cubicBezTo>
-                    <a:pt x="2" y="36"/>
-                    <a:pt x="2" y="36"/>
-                    <a:pt x="2" y="37"/>
-                  </a:cubicBezTo>
-                  <a:cubicBezTo>
-                    <a:pt x="4" y="41"/>
-                    <a:pt x="4" y="41"/>
-                    <a:pt x="4" y="41"/>
-                  </a:cubicBezTo>
-                  <a:cubicBezTo>
-                    <a:pt x="5" y="41"/>
-                    <a:pt x="5" y="42"/>
-                    <a:pt x="6" y="41"/>
-                  </a:cubicBezTo>
-                  <a:cubicBezTo>
-                    <a:pt x="9" y="40"/>
-                    <a:pt x="9" y="40"/>
-                    <a:pt x="9" y="40"/>
-                  </a:cubicBezTo>
-                  <a:cubicBezTo>
-                    <a:pt x="10" y="41"/>
-                    <a:pt x="11" y="42"/>
-                    <a:pt x="12" y="43"/>
-                  </a:cubicBezTo>
-                  <a:cubicBezTo>
-                    <a:pt x="10" y="46"/>
-                    <a:pt x="10" y="46"/>
-                    <a:pt x="10" y="46"/>
-                  </a:cubicBezTo>
-                  <a:cubicBezTo>
-                    <a:pt x="10" y="46"/>
-                    <a:pt x="10" y="47"/>
-                    <a:pt x="11" y="47"/>
-                  </a:cubicBezTo>
-                  <a:cubicBezTo>
-                    <a:pt x="15" y="50"/>
-                    <a:pt x="15" y="50"/>
-                    <a:pt x="15" y="50"/>
-                  </a:cubicBezTo>
-                  <a:cubicBezTo>
-                    <a:pt x="15" y="50"/>
-                    <a:pt x="16" y="50"/>
-                    <a:pt x="16" y="49"/>
-                  </a:cubicBezTo>
-                  <a:cubicBezTo>
-                    <a:pt x="18" y="47"/>
-                    <a:pt x="18" y="47"/>
-                    <a:pt x="18" y="47"/>
-                  </a:cubicBezTo>
-                  <a:cubicBezTo>
-                    <a:pt x="19" y="47"/>
-                    <a:pt x="21" y="48"/>
-                    <a:pt x="22" y="48"/>
-                  </a:cubicBezTo>
-                  <a:cubicBezTo>
-                    <a:pt x="22" y="51"/>
-                    <a:pt x="22" y="51"/>
-                    <a:pt x="22" y="51"/>
-                  </a:cubicBezTo>
-                  <a:cubicBezTo>
-                    <a:pt x="22" y="52"/>
-                    <a:pt x="23" y="52"/>
-                    <a:pt x="24" y="52"/>
-                  </a:cubicBezTo>
-                  <a:cubicBezTo>
-                    <a:pt x="28" y="52"/>
-                    <a:pt x="28" y="52"/>
-                    <a:pt x="28" y="52"/>
-                  </a:cubicBezTo>
-                  <a:cubicBezTo>
-                    <a:pt x="29" y="52"/>
-                    <a:pt x="29" y="52"/>
-                    <a:pt x="29" y="51"/>
-                  </a:cubicBezTo>
-                  <a:cubicBezTo>
-                    <a:pt x="29" y="48"/>
-                    <a:pt x="29" y="48"/>
-                    <a:pt x="29" y="48"/>
-                  </a:cubicBezTo>
-                  <a:cubicBezTo>
-                    <a:pt x="31" y="48"/>
-                    <a:pt x="32" y="47"/>
-                    <a:pt x="34" y="47"/>
-                  </a:cubicBezTo>
-                  <a:cubicBezTo>
-                    <a:pt x="35" y="50"/>
-                    <a:pt x="35" y="50"/>
-                    <a:pt x="35" y="50"/>
-                  </a:cubicBezTo>
-                  <a:cubicBezTo>
-                    <a:pt x="36" y="50"/>
-                    <a:pt x="36" y="50"/>
-                    <a:pt x="37" y="50"/>
-                  </a:cubicBezTo>
-                  <a:cubicBezTo>
-                    <a:pt x="41" y="48"/>
-                    <a:pt x="41" y="48"/>
-                    <a:pt x="41" y="48"/>
-                  </a:cubicBezTo>
-                  <a:cubicBezTo>
-                    <a:pt x="42" y="47"/>
-                    <a:pt x="42" y="47"/>
-                    <a:pt x="41" y="46"/>
-                  </a:cubicBezTo>
-                  <a:cubicBezTo>
-                    <a:pt x="40" y="43"/>
-                    <a:pt x="40" y="43"/>
-                    <a:pt x="40" y="43"/>
-                  </a:cubicBezTo>
-                  <a:cubicBezTo>
-                    <a:pt x="41" y="42"/>
-                    <a:pt x="42" y="41"/>
-                    <a:pt x="43" y="40"/>
-                  </a:cubicBezTo>
-                  <a:cubicBezTo>
-                    <a:pt x="46" y="42"/>
-                    <a:pt x="46" y="42"/>
-                    <a:pt x="46" y="42"/>
-                  </a:cubicBezTo>
-                  <a:cubicBezTo>
-                    <a:pt x="47" y="42"/>
-                    <a:pt x="47" y="42"/>
-                    <a:pt x="48" y="41"/>
-                  </a:cubicBezTo>
-                  <a:cubicBezTo>
-                    <a:pt x="50" y="37"/>
-                    <a:pt x="50" y="37"/>
-                    <a:pt x="50" y="37"/>
-                  </a:cubicBezTo>
-                  <a:cubicBezTo>
-                    <a:pt x="50" y="37"/>
-                    <a:pt x="50" y="36"/>
-                    <a:pt x="50" y="36"/>
-                  </a:cubicBezTo>
-                  <a:cubicBezTo>
-                    <a:pt x="47" y="34"/>
-                    <a:pt x="47" y="34"/>
-                    <a:pt x="47" y="34"/>
-                  </a:cubicBezTo>
-                  <a:cubicBezTo>
-                    <a:pt x="47" y="33"/>
-                    <a:pt x="48" y="31"/>
-                    <a:pt x="48" y="30"/>
-                  </a:cubicBezTo>
-                  <a:cubicBezTo>
-                    <a:pt x="51" y="30"/>
-                    <a:pt x="51" y="30"/>
-                    <a:pt x="51" y="30"/>
-                  </a:cubicBezTo>
-                  <a:cubicBezTo>
-                    <a:pt x="52" y="30"/>
-                    <a:pt x="52" y="29"/>
-                    <a:pt x="52" y="29"/>
-                  </a:cubicBezTo>
-                  <a:cubicBezTo>
-                    <a:pt x="52" y="24"/>
-                    <a:pt x="52" y="24"/>
-                    <a:pt x="52" y="24"/>
-                  </a:cubicBezTo>
-                  <a:cubicBezTo>
-                    <a:pt x="52" y="23"/>
-                    <a:pt x="52" y="23"/>
-                    <a:pt x="51" y="23"/>
-                  </a:cubicBezTo>
-                  <a:close/>
-                  <a:moveTo>
-                    <a:pt x="26" y="40"/>
-                  </a:moveTo>
-                  <a:cubicBezTo>
-                    <a:pt x="18" y="40"/>
-                    <a:pt x="12" y="34"/>
-                    <a:pt x="12" y="26"/>
-                  </a:cubicBezTo>
-                  <a:cubicBezTo>
-                    <a:pt x="12" y="18"/>
-                    <a:pt x="18" y="12"/>
-                    <a:pt x="26" y="12"/>
-                  </a:cubicBezTo>
-                  <a:cubicBezTo>
-                    <a:pt x="34" y="12"/>
-                    <a:pt x="40" y="18"/>
-                    <a:pt x="40" y="26"/>
-                  </a:cubicBezTo>
-                  <a:cubicBezTo>
-                    <a:pt x="40" y="34"/>
-                    <a:pt x="34" y="40"/>
-                    <a:pt x="26" y="40"/>
-                  </a:cubicBezTo>
-                  <a:close/>
-                </a:path>
-              </a:pathLst>
-            </a:custGeom>
-            <a:grpFill/>
-            <a:ln>
-              <a:noFill/>
-            </a:ln>
-            <a:extLst>
-              <a:ext uri="{91240B29-F687-4F45-9708-019B960494DF}">
-                <a14:hiddenLine xmlns:a14="http://schemas.microsoft.com/office/drawing/2010/main" w="9525">
-                  <a:solidFill>
-                    <a:srgbClr val="000000"/>
-                  </a:solidFill>
-                  <a:round/>
-                </a14:hiddenLine>
-              </a:ext>
-            </a:extLst>
-          </p:spPr>
-          <p:txBody>
-            <a:bodyPr vert="horz" wrap="square" lIns="91440" tIns="45720" rIns="91440" bIns="45720" numCol="1" anchor="t" anchorCtr="0" compatLnSpc="1"/>
-            <a:lstStyle/>
-            <a:p>
-              <a:endParaRPr lang="en-US">
-                <a:solidFill>
-                  <a:schemeClr val="bg1"/>
-                </a:solidFill>
-                <a:latin typeface="+mn-ea"/>
-              </a:endParaRPr>
-            </a:p>
-          </p:txBody>
-        </p:sp>
-      </p:grpSp>
-      <p:grpSp>
-        <p:nvGrpSpPr>
-          <p:cNvPr id="39" name="组合 38"/>
-          <p:cNvGrpSpPr/>
-          <p:nvPr/>
-        </p:nvGrpSpPr>
-        <p:grpSpPr>
-          <a:xfrm>
-            <a:off x="5312115" y="2216392"/>
-            <a:ext cx="468313" cy="273050"/>
-            <a:chOff x="4946782" y="3274077"/>
-            <a:chExt cx="468313" cy="273050"/>
-          </a:xfrm>
-          <a:solidFill>
-            <a:schemeClr val="bg1"/>
-          </a:solidFill>
-        </p:grpSpPr>
-        <p:sp>
-          <p:nvSpPr>
-            <p:cNvPr id="40" name="Freeform 166"/>
-            <p:cNvSpPr/>
-            <p:nvPr/>
-          </p:nvSpPr>
-          <p:spPr bwMode="auto">
-            <a:xfrm>
-              <a:off x="5134107" y="3274077"/>
-              <a:ext cx="280988" cy="273050"/>
-            </a:xfrm>
-            <a:custGeom>
-              <a:avLst/>
-              <a:gdLst>
-                <a:gd name="T0" fmla="*/ 49 w 122"/>
-                <a:gd name="T1" fmla="*/ 48 h 119"/>
-                <a:gd name="T2" fmla="*/ 100 w 122"/>
-                <a:gd name="T3" fmla="*/ 26 h 119"/>
-                <a:gd name="T4" fmla="*/ 43 w 122"/>
-                <a:gd name="T5" fmla="*/ 47 h 119"/>
-                <a:gd name="T6" fmla="*/ 8 w 122"/>
-                <a:gd name="T7" fmla="*/ 89 h 119"/>
-                <a:gd name="T8" fmla="*/ 22 w 122"/>
-                <a:gd name="T9" fmla="*/ 36 h 119"/>
-                <a:gd name="T10" fmla="*/ 122 w 122"/>
-                <a:gd name="T11" fmla="*/ 27 h 119"/>
-                <a:gd name="T12" fmla="*/ 72 w 122"/>
-                <a:gd name="T13" fmla="*/ 105 h 119"/>
-                <a:gd name="T14" fmla="*/ 15 w 122"/>
-                <a:gd name="T15" fmla="*/ 100 h 119"/>
-                <a:gd name="T16" fmla="*/ 49 w 122"/>
-                <a:gd name="T17" fmla="*/ 48 h 119"/>
-              </a:gdLst>
-              <a:ahLst/>
-              <a:cxnLst>
-                <a:cxn ang="0">
-                  <a:pos x="T0" y="T1"/>
-                </a:cxn>
-                <a:cxn ang="0">
-                  <a:pos x="T2" y="T3"/>
-                </a:cxn>
-                <a:cxn ang="0">
-                  <a:pos x="T4" y="T5"/>
-                </a:cxn>
-                <a:cxn ang="0">
-                  <a:pos x="T6" y="T7"/>
-                </a:cxn>
-                <a:cxn ang="0">
-                  <a:pos x="T8" y="T9"/>
-                </a:cxn>
-                <a:cxn ang="0">
-                  <a:pos x="T10" y="T11"/>
-                </a:cxn>
-                <a:cxn ang="0">
-                  <a:pos x="T12" y="T13"/>
-                </a:cxn>
-                <a:cxn ang="0">
-                  <a:pos x="T14" y="T15"/>
-                </a:cxn>
-                <a:cxn ang="0">
-                  <a:pos x="T16" y="T17"/>
-                </a:cxn>
-              </a:cxnLst>
-              <a:rect l="0" t="0" r="r" b="b"/>
-              <a:pathLst>
-                <a:path w="122" h="119">
-                  <a:moveTo>
-                    <a:pt x="49" y="48"/>
-                  </a:moveTo>
-                  <a:cubicBezTo>
-                    <a:pt x="65" y="36"/>
-                    <a:pt x="83" y="28"/>
-                    <a:pt x="100" y="26"/>
-                  </a:cubicBezTo>
-                  <a:cubicBezTo>
-                    <a:pt x="81" y="27"/>
-                    <a:pt x="61" y="34"/>
-                    <a:pt x="43" y="47"/>
-                  </a:cubicBezTo>
-                  <a:cubicBezTo>
-                    <a:pt x="27" y="58"/>
-                    <a:pt x="15" y="73"/>
-                    <a:pt x="8" y="89"/>
-                  </a:cubicBezTo>
-                  <a:cubicBezTo>
-                    <a:pt x="0" y="71"/>
-                    <a:pt x="5" y="48"/>
-                    <a:pt x="22" y="36"/>
-                  </a:cubicBezTo>
-                  <a:cubicBezTo>
-                    <a:pt x="70" y="0"/>
-                    <a:pt x="122" y="27"/>
-                    <a:pt x="122" y="27"/>
-                  </a:cubicBezTo>
-                  <a:cubicBezTo>
-                    <a:pt x="92" y="31"/>
-                    <a:pt x="98" y="86"/>
-                    <a:pt x="72" y="105"/>
-                  </a:cubicBezTo>
-                  <a:cubicBezTo>
-                    <a:pt x="55" y="119"/>
-                    <a:pt x="30" y="116"/>
-                    <a:pt x="15" y="100"/>
-                  </a:cubicBezTo>
-                  <a:cubicBezTo>
-                    <a:pt x="14" y="98"/>
-                    <a:pt x="25" y="67"/>
-                    <a:pt x="49" y="48"/>
-                  </a:cubicBezTo>
-                  <a:close/>
-                </a:path>
-              </a:pathLst>
-            </a:custGeom>
-            <a:grpFill/>
-            <a:ln>
-              <a:noFill/>
-            </a:ln>
-            <a:extLst>
-              <a:ext uri="{91240B29-F687-4F45-9708-019B960494DF}">
-                <a14:hiddenLine xmlns:a14="http://schemas.microsoft.com/office/drawing/2010/main" w="9525">
-                  <a:solidFill>
-                    <a:srgbClr val="000000"/>
-                  </a:solidFill>
-                  <a:round/>
-                </a14:hiddenLine>
-              </a:ext>
-            </a:extLst>
-          </p:spPr>
-          <p:txBody>
-            <a:bodyPr vert="horz" wrap="square" lIns="91440" tIns="45720" rIns="91440" bIns="45720" numCol="1" anchor="t" anchorCtr="0" compatLnSpc="1"/>
-            <a:lstStyle/>
-            <a:p>
-              <a:endParaRPr lang="en-US">
-                <a:solidFill>
-                  <a:schemeClr val="bg1"/>
-                </a:solidFill>
-                <a:latin typeface="+mn-ea"/>
-              </a:endParaRPr>
-            </a:p>
-          </p:txBody>
-        </p:sp>
-        <p:sp>
-          <p:nvSpPr>
-            <p:cNvPr id="41" name="Freeform 167"/>
-            <p:cNvSpPr/>
-            <p:nvPr/>
-          </p:nvSpPr>
-          <p:spPr bwMode="auto">
-            <a:xfrm>
-              <a:off x="4946782" y="3416952"/>
-              <a:ext cx="187325" cy="128588"/>
-            </a:xfrm>
-            <a:custGeom>
-              <a:avLst/>
-              <a:gdLst>
-                <a:gd name="T0" fmla="*/ 44 w 81"/>
-                <a:gd name="T1" fmla="*/ 18 h 56"/>
-                <a:gd name="T2" fmla="*/ 10 w 81"/>
-                <a:gd name="T3" fmla="*/ 27 h 56"/>
-                <a:gd name="T4" fmla="*/ 46 w 81"/>
-                <a:gd name="T5" fmla="*/ 15 h 56"/>
-                <a:gd name="T6" fmla="*/ 80 w 81"/>
-                <a:gd name="T7" fmla="*/ 22 h 56"/>
-                <a:gd name="T8" fmla="*/ 53 w 81"/>
-                <a:gd name="T9" fmla="*/ 1 h 56"/>
-                <a:gd name="T10" fmla="*/ 0 w 81"/>
-                <a:gd name="T11" fmla="*/ 36 h 56"/>
-                <a:gd name="T12" fmla="*/ 55 w 81"/>
-                <a:gd name="T13" fmla="*/ 55 h 56"/>
-                <a:gd name="T14" fmla="*/ 81 w 81"/>
-                <a:gd name="T15" fmla="*/ 30 h 56"/>
-                <a:gd name="T16" fmla="*/ 44 w 81"/>
-                <a:gd name="T17" fmla="*/ 18 h 56"/>
-              </a:gdLst>
-              <a:ahLst/>
-              <a:cxnLst>
-                <a:cxn ang="0">
-                  <a:pos x="T0" y="T1"/>
-                </a:cxn>
-                <a:cxn ang="0">
-                  <a:pos x="T2" y="T3"/>
-                </a:cxn>
-                <a:cxn ang="0">
-                  <a:pos x="T4" y="T5"/>
-                </a:cxn>
-                <a:cxn ang="0">
-                  <a:pos x="T6" y="T7"/>
-                </a:cxn>
-                <a:cxn ang="0">
-                  <a:pos x="T8" y="T9"/>
-                </a:cxn>
-                <a:cxn ang="0">
-                  <a:pos x="T10" y="T11"/>
-                </a:cxn>
-                <a:cxn ang="0">
-                  <a:pos x="T12" y="T13"/>
-                </a:cxn>
-                <a:cxn ang="0">
-                  <a:pos x="T14" y="T15"/>
-                </a:cxn>
-                <a:cxn ang="0">
-                  <a:pos x="T16" y="T17"/>
-                </a:cxn>
-              </a:cxnLst>
-              <a:rect l="0" t="0" r="r" b="b"/>
-              <a:pathLst>
-                <a:path w="81" h="56">
-                  <a:moveTo>
-                    <a:pt x="44" y="18"/>
-                  </a:moveTo>
-                  <a:cubicBezTo>
-                    <a:pt x="31" y="18"/>
-                    <a:pt x="19" y="21"/>
-                    <a:pt x="10" y="27"/>
-                  </a:cubicBezTo>
-                  <a:cubicBezTo>
-                    <a:pt x="20" y="20"/>
-                    <a:pt x="32" y="15"/>
-                    <a:pt x="46" y="15"/>
-                  </a:cubicBezTo>
-                  <a:cubicBezTo>
-                    <a:pt x="59" y="14"/>
-                    <a:pt x="71" y="17"/>
-                    <a:pt x="80" y="22"/>
-                  </a:cubicBezTo>
-                  <a:cubicBezTo>
-                    <a:pt x="77" y="9"/>
-                    <a:pt x="66" y="0"/>
-                    <a:pt x="53" y="1"/>
-                  </a:cubicBezTo>
-                  <a:cubicBezTo>
-                    <a:pt x="15" y="2"/>
-                    <a:pt x="0" y="36"/>
-                    <a:pt x="0" y="36"/>
-                  </a:cubicBezTo>
-                  <a:cubicBezTo>
-                    <a:pt x="16" y="26"/>
-                    <a:pt x="35" y="56"/>
-                    <a:pt x="55" y="55"/>
-                  </a:cubicBezTo>
-                  <a:cubicBezTo>
-                    <a:pt x="69" y="55"/>
-                    <a:pt x="80" y="43"/>
-                    <a:pt x="81" y="30"/>
-                  </a:cubicBezTo>
-                  <a:cubicBezTo>
-                    <a:pt x="81" y="29"/>
-                    <a:pt x="63" y="17"/>
-                    <a:pt x="44" y="18"/>
-                  </a:cubicBezTo>
-                  <a:close/>
-                </a:path>
-              </a:pathLst>
-            </a:custGeom>
-            <a:grpFill/>
-            <a:ln>
-              <a:noFill/>
-            </a:ln>
-            <a:extLst>
-              <a:ext uri="{91240B29-F687-4F45-9708-019B960494DF}">
-                <a14:hiddenLine xmlns:a14="http://schemas.microsoft.com/office/drawing/2010/main" w="9525">
-                  <a:solidFill>
-                    <a:srgbClr val="000000"/>
-                  </a:solidFill>
-                  <a:round/>
-                </a14:hiddenLine>
-              </a:ext>
-            </a:extLst>
-          </p:spPr>
-          <p:txBody>
-            <a:bodyPr vert="horz" wrap="square" lIns="91440" tIns="45720" rIns="91440" bIns="45720" numCol="1" anchor="t" anchorCtr="0" compatLnSpc="1"/>
-            <a:lstStyle/>
-            <a:p>
-              <a:endParaRPr lang="en-US">
-                <a:solidFill>
-                  <a:schemeClr val="bg1"/>
-                </a:solidFill>
-                <a:latin typeface="+mn-ea"/>
-              </a:endParaRPr>
-            </a:p>
-          </p:txBody>
-        </p:sp>
-        <p:sp>
-          <p:nvSpPr>
-            <p:cNvPr id="42" name="Freeform 168"/>
-            <p:cNvSpPr/>
-            <p:nvPr/>
-          </p:nvSpPr>
-          <p:spPr bwMode="auto">
-            <a:xfrm>
-              <a:off x="5042032" y="3274077"/>
-              <a:ext cx="111125" cy="138113"/>
-            </a:xfrm>
-            <a:custGeom>
-              <a:avLst/>
-              <a:gdLst>
-                <a:gd name="T0" fmla="*/ 29 w 48"/>
-                <a:gd name="T1" fmla="*/ 26 h 60"/>
-                <a:gd name="T2" fmla="*/ 13 w 48"/>
-                <a:gd name="T3" fmla="*/ 5 h 60"/>
-                <a:gd name="T4" fmla="*/ 32 w 48"/>
-                <a:gd name="T5" fmla="*/ 27 h 60"/>
-                <a:gd name="T6" fmla="*/ 37 w 48"/>
-                <a:gd name="T7" fmla="*/ 53 h 60"/>
-                <a:gd name="T8" fmla="*/ 44 w 48"/>
-                <a:gd name="T9" fmla="*/ 27 h 60"/>
-                <a:gd name="T10" fmla="*/ 3 w 48"/>
-                <a:gd name="T11" fmla="*/ 0 h 60"/>
-                <a:gd name="T12" fmla="*/ 6 w 48"/>
-                <a:gd name="T13" fmla="*/ 45 h 60"/>
-                <a:gd name="T14" fmla="*/ 32 w 48"/>
-                <a:gd name="T15" fmla="*/ 56 h 60"/>
-                <a:gd name="T16" fmla="*/ 29 w 48"/>
-                <a:gd name="T17" fmla="*/ 26 h 60"/>
-              </a:gdLst>
-              <a:ahLst/>
-              <a:cxnLst>
-                <a:cxn ang="0">
-                  <a:pos x="T0" y="T1"/>
-                </a:cxn>
-                <a:cxn ang="0">
-                  <a:pos x="T2" y="T3"/>
-                </a:cxn>
-                <a:cxn ang="0">
-                  <a:pos x="T4" y="T5"/>
-                </a:cxn>
-                <a:cxn ang="0">
-                  <a:pos x="T6" y="T7"/>
-                </a:cxn>
-                <a:cxn ang="0">
-                  <a:pos x="T8" y="T9"/>
-                </a:cxn>
-                <a:cxn ang="0">
-                  <a:pos x="T10" y="T11"/>
-                </a:cxn>
-                <a:cxn ang="0">
-                  <a:pos x="T12" y="T13"/>
-                </a:cxn>
-                <a:cxn ang="0">
-                  <a:pos x="T14" y="T15"/>
-                </a:cxn>
-                <a:cxn ang="0">
-                  <a:pos x="T16" y="T17"/>
-                </a:cxn>
-              </a:cxnLst>
-              <a:rect l="0" t="0" r="r" b="b"/>
-              <a:pathLst>
-                <a:path w="48" h="60">
-                  <a:moveTo>
-                    <a:pt x="29" y="26"/>
-                  </a:moveTo>
-                  <a:cubicBezTo>
-                    <a:pt x="25" y="17"/>
-                    <a:pt x="20" y="10"/>
-                    <a:pt x="13" y="5"/>
-                  </a:cubicBezTo>
-                  <a:cubicBezTo>
-                    <a:pt x="21" y="9"/>
-                    <a:pt x="28" y="17"/>
-                    <a:pt x="32" y="27"/>
-                  </a:cubicBezTo>
-                  <a:cubicBezTo>
-                    <a:pt x="36" y="36"/>
-                    <a:pt x="38" y="45"/>
-                    <a:pt x="37" y="53"/>
-                  </a:cubicBezTo>
-                  <a:cubicBezTo>
-                    <a:pt x="45" y="48"/>
-                    <a:pt x="48" y="37"/>
-                    <a:pt x="44" y="27"/>
-                  </a:cubicBezTo>
-                  <a:cubicBezTo>
-                    <a:pt x="32" y="1"/>
-                    <a:pt x="3" y="0"/>
-                    <a:pt x="3" y="0"/>
-                  </a:cubicBezTo>
-                  <a:cubicBezTo>
-                    <a:pt x="15" y="9"/>
-                    <a:pt x="0" y="31"/>
-                    <a:pt x="6" y="45"/>
-                  </a:cubicBezTo>
-                  <a:cubicBezTo>
-                    <a:pt x="10" y="55"/>
-                    <a:pt x="22" y="60"/>
-                    <a:pt x="32" y="56"/>
-                  </a:cubicBezTo>
-                  <a:cubicBezTo>
-                    <a:pt x="32" y="56"/>
-                    <a:pt x="35" y="40"/>
-                    <a:pt x="29" y="26"/>
-                  </a:cubicBezTo>
-                  <a:close/>
-                </a:path>
-              </a:pathLst>
-            </a:custGeom>
-            <a:grpFill/>
-            <a:ln>
-              <a:noFill/>
-            </a:ln>
-            <a:extLst>
-              <a:ext uri="{91240B29-F687-4F45-9708-019B960494DF}">
-                <a14:hiddenLine xmlns:a14="http://schemas.microsoft.com/office/drawing/2010/main" w="9525">
-                  <a:solidFill>
-                    <a:srgbClr val="000000"/>
-                  </a:solidFill>
-                  <a:round/>
-                </a14:hiddenLine>
-              </a:ext>
-            </a:extLst>
-          </p:spPr>
-          <p:txBody>
-            <a:bodyPr vert="horz" wrap="square" lIns="91440" tIns="45720" rIns="91440" bIns="45720" numCol="1" anchor="t" anchorCtr="0" compatLnSpc="1"/>
-            <a:lstStyle/>
-            <a:p>
-              <a:endParaRPr lang="en-US">
-                <a:solidFill>
-                  <a:schemeClr val="bg1"/>
-                </a:solidFill>
-                <a:latin typeface="+mn-ea"/>
-              </a:endParaRPr>
-            </a:p>
-          </p:txBody>
-        </p:sp>
-      </p:grpSp>
-      <p:sp>
-        <p:nvSpPr>
-          <p:cNvPr id="43" name="Freeform 116"/>
-          <p:cNvSpPr>
-            <a:spLocks noEditPoints="1"/>
-          </p:cNvSpPr>
-          <p:nvPr/>
-        </p:nvSpPr>
-        <p:spPr bwMode="auto">
-          <a:xfrm>
-            <a:off x="7299588" y="2179636"/>
-            <a:ext cx="350838" cy="309563"/>
-          </a:xfrm>
-          <a:custGeom>
-            <a:avLst/>
-            <a:gdLst>
-              <a:gd name="T0" fmla="*/ 209 w 221"/>
-              <a:gd name="T1" fmla="*/ 95 h 195"/>
-              <a:gd name="T2" fmla="*/ 209 w 221"/>
-              <a:gd name="T3" fmla="*/ 82 h 195"/>
-              <a:gd name="T4" fmla="*/ 221 w 221"/>
-              <a:gd name="T5" fmla="*/ 82 h 195"/>
-              <a:gd name="T6" fmla="*/ 221 w 221"/>
-              <a:gd name="T7" fmla="*/ 74 h 195"/>
-              <a:gd name="T8" fmla="*/ 110 w 221"/>
-              <a:gd name="T9" fmla="*/ 0 h 195"/>
-              <a:gd name="T10" fmla="*/ 0 w 221"/>
-              <a:gd name="T11" fmla="*/ 74 h 195"/>
-              <a:gd name="T12" fmla="*/ 0 w 221"/>
-              <a:gd name="T13" fmla="*/ 82 h 195"/>
-              <a:gd name="T14" fmla="*/ 10 w 221"/>
-              <a:gd name="T15" fmla="*/ 82 h 195"/>
-              <a:gd name="T16" fmla="*/ 10 w 221"/>
-              <a:gd name="T17" fmla="*/ 95 h 195"/>
-              <a:gd name="T18" fmla="*/ 23 w 221"/>
-              <a:gd name="T19" fmla="*/ 95 h 195"/>
-              <a:gd name="T20" fmla="*/ 23 w 221"/>
-              <a:gd name="T21" fmla="*/ 166 h 195"/>
-              <a:gd name="T22" fmla="*/ 10 w 221"/>
-              <a:gd name="T23" fmla="*/ 166 h 195"/>
-              <a:gd name="T24" fmla="*/ 10 w 221"/>
-              <a:gd name="T25" fmla="*/ 179 h 195"/>
-              <a:gd name="T26" fmla="*/ 0 w 221"/>
-              <a:gd name="T27" fmla="*/ 179 h 195"/>
-              <a:gd name="T28" fmla="*/ 0 w 221"/>
-              <a:gd name="T29" fmla="*/ 195 h 195"/>
-              <a:gd name="T30" fmla="*/ 221 w 221"/>
-              <a:gd name="T31" fmla="*/ 195 h 195"/>
-              <a:gd name="T32" fmla="*/ 221 w 221"/>
-              <a:gd name="T33" fmla="*/ 179 h 195"/>
-              <a:gd name="T34" fmla="*/ 209 w 221"/>
-              <a:gd name="T35" fmla="*/ 179 h 195"/>
-              <a:gd name="T36" fmla="*/ 209 w 221"/>
-              <a:gd name="T37" fmla="*/ 166 h 195"/>
-              <a:gd name="T38" fmla="*/ 197 w 221"/>
-              <a:gd name="T39" fmla="*/ 166 h 195"/>
-              <a:gd name="T40" fmla="*/ 197 w 221"/>
-              <a:gd name="T41" fmla="*/ 95 h 195"/>
-              <a:gd name="T42" fmla="*/ 209 w 221"/>
-              <a:gd name="T43" fmla="*/ 95 h 195"/>
-              <a:gd name="T44" fmla="*/ 73 w 221"/>
-              <a:gd name="T45" fmla="*/ 166 h 195"/>
-              <a:gd name="T46" fmla="*/ 49 w 221"/>
-              <a:gd name="T47" fmla="*/ 166 h 195"/>
-              <a:gd name="T48" fmla="*/ 49 w 221"/>
-              <a:gd name="T49" fmla="*/ 95 h 195"/>
-              <a:gd name="T50" fmla="*/ 73 w 221"/>
-              <a:gd name="T51" fmla="*/ 95 h 195"/>
-              <a:gd name="T52" fmla="*/ 73 w 221"/>
-              <a:gd name="T53" fmla="*/ 166 h 195"/>
-              <a:gd name="T54" fmla="*/ 122 w 221"/>
-              <a:gd name="T55" fmla="*/ 166 h 195"/>
-              <a:gd name="T56" fmla="*/ 99 w 221"/>
-              <a:gd name="T57" fmla="*/ 166 h 195"/>
-              <a:gd name="T58" fmla="*/ 99 w 221"/>
-              <a:gd name="T59" fmla="*/ 95 h 195"/>
-              <a:gd name="T60" fmla="*/ 122 w 221"/>
-              <a:gd name="T61" fmla="*/ 95 h 195"/>
-              <a:gd name="T62" fmla="*/ 122 w 221"/>
-              <a:gd name="T63" fmla="*/ 166 h 195"/>
-              <a:gd name="T64" fmla="*/ 171 w 221"/>
-              <a:gd name="T65" fmla="*/ 166 h 195"/>
-              <a:gd name="T66" fmla="*/ 148 w 221"/>
-              <a:gd name="T67" fmla="*/ 166 h 195"/>
-              <a:gd name="T68" fmla="*/ 148 w 221"/>
-              <a:gd name="T69" fmla="*/ 95 h 195"/>
-              <a:gd name="T70" fmla="*/ 171 w 221"/>
-              <a:gd name="T71" fmla="*/ 95 h 195"/>
-              <a:gd name="T72" fmla="*/ 171 w 221"/>
-              <a:gd name="T73" fmla="*/ 166 h 195"/>
-            </a:gdLst>
-            <a:ahLst/>
-            <a:cxnLst>
-              <a:cxn ang="0">
-                <a:pos x="T0" y="T1"/>
-              </a:cxn>
-              <a:cxn ang="0">
-                <a:pos x="T2" y="T3"/>
-              </a:cxn>
-              <a:cxn ang="0">
-                <a:pos x="T4" y="T5"/>
-              </a:cxn>
-              <a:cxn ang="0">
-                <a:pos x="T6" y="T7"/>
-              </a:cxn>
-              <a:cxn ang="0">
-                <a:pos x="T8" y="T9"/>
-              </a:cxn>
-              <a:cxn ang="0">
-                <a:pos x="T10" y="T11"/>
-              </a:cxn>
-              <a:cxn ang="0">
-                <a:pos x="T12" y="T13"/>
-              </a:cxn>
-              <a:cxn ang="0">
-                <a:pos x="T14" y="T15"/>
-              </a:cxn>
-              <a:cxn ang="0">
-                <a:pos x="T16" y="T17"/>
-              </a:cxn>
-              <a:cxn ang="0">
-                <a:pos x="T18" y="T19"/>
-              </a:cxn>
-              <a:cxn ang="0">
-                <a:pos x="T20" y="T21"/>
-              </a:cxn>
-              <a:cxn ang="0">
-                <a:pos x="T22" y="T23"/>
-              </a:cxn>
-              <a:cxn ang="0">
-                <a:pos x="T24" y="T25"/>
-              </a:cxn>
-              <a:cxn ang="0">
-                <a:pos x="T26" y="T27"/>
-              </a:cxn>
-              <a:cxn ang="0">
-                <a:pos x="T28" y="T29"/>
-              </a:cxn>
-              <a:cxn ang="0">
-                <a:pos x="T30" y="T31"/>
-              </a:cxn>
-              <a:cxn ang="0">
-                <a:pos x="T32" y="T33"/>
-              </a:cxn>
-              <a:cxn ang="0">
-                <a:pos x="T34" y="T35"/>
-              </a:cxn>
-              <a:cxn ang="0">
-                <a:pos x="T36" y="T37"/>
-              </a:cxn>
-              <a:cxn ang="0">
-                <a:pos x="T38" y="T39"/>
-              </a:cxn>
-              <a:cxn ang="0">
-                <a:pos x="T40" y="T41"/>
-              </a:cxn>
-              <a:cxn ang="0">
-                <a:pos x="T42" y="T43"/>
-              </a:cxn>
-              <a:cxn ang="0">
-                <a:pos x="T44" y="T45"/>
-              </a:cxn>
-              <a:cxn ang="0">
-                <a:pos x="T46" y="T47"/>
-              </a:cxn>
-              <a:cxn ang="0">
-                <a:pos x="T48" y="T49"/>
-              </a:cxn>
-              <a:cxn ang="0">
-                <a:pos x="T50" y="T51"/>
-              </a:cxn>
-              <a:cxn ang="0">
-                <a:pos x="T52" y="T53"/>
-              </a:cxn>
-              <a:cxn ang="0">
-                <a:pos x="T54" y="T55"/>
-              </a:cxn>
-              <a:cxn ang="0">
-                <a:pos x="T56" y="T57"/>
-              </a:cxn>
-              <a:cxn ang="0">
-                <a:pos x="T58" y="T59"/>
-              </a:cxn>
-              <a:cxn ang="0">
-                <a:pos x="T60" y="T61"/>
-              </a:cxn>
-              <a:cxn ang="0">
-                <a:pos x="T62" y="T63"/>
-              </a:cxn>
-              <a:cxn ang="0">
-                <a:pos x="T64" y="T65"/>
-              </a:cxn>
-              <a:cxn ang="0">
-                <a:pos x="T66" y="T67"/>
-              </a:cxn>
-              <a:cxn ang="0">
-                <a:pos x="T68" y="T69"/>
-              </a:cxn>
-              <a:cxn ang="0">
-                <a:pos x="T70" y="T71"/>
-              </a:cxn>
-              <a:cxn ang="0">
-                <a:pos x="T72" y="T73"/>
-              </a:cxn>
-            </a:cxnLst>
-            <a:rect l="0" t="0" r="r" b="b"/>
-            <a:pathLst>
-              <a:path w="221" h="195">
-                <a:moveTo>
-                  <a:pt x="209" y="95"/>
-                </a:moveTo>
-                <a:lnTo>
-                  <a:pt x="209" y="82"/>
-                </a:lnTo>
-                <a:lnTo>
-                  <a:pt x="221" y="82"/>
-                </a:lnTo>
-                <a:lnTo>
-                  <a:pt x="221" y="74"/>
-                </a:lnTo>
-                <a:lnTo>
-                  <a:pt x="110" y="0"/>
-                </a:lnTo>
-                <a:lnTo>
-                  <a:pt x="0" y="74"/>
-                </a:lnTo>
-                <a:lnTo>
-                  <a:pt x="0" y="82"/>
-                </a:lnTo>
-                <a:lnTo>
-                  <a:pt x="10" y="82"/>
-                </a:lnTo>
-                <a:lnTo>
-                  <a:pt x="10" y="95"/>
-                </a:lnTo>
-                <a:lnTo>
-                  <a:pt x="23" y="95"/>
-                </a:lnTo>
-                <a:lnTo>
-                  <a:pt x="23" y="166"/>
-                </a:lnTo>
-                <a:lnTo>
-                  <a:pt x="10" y="166"/>
-                </a:lnTo>
-                <a:lnTo>
-                  <a:pt x="10" y="179"/>
-                </a:lnTo>
-                <a:lnTo>
-                  <a:pt x="0" y="179"/>
-                </a:lnTo>
-                <a:lnTo>
-                  <a:pt x="0" y="195"/>
-                </a:lnTo>
-                <a:lnTo>
-                  <a:pt x="221" y="195"/>
-                </a:lnTo>
-                <a:lnTo>
-                  <a:pt x="221" y="179"/>
-                </a:lnTo>
-                <a:lnTo>
-                  <a:pt x="209" y="179"/>
-                </a:lnTo>
-                <a:lnTo>
-                  <a:pt x="209" y="166"/>
-                </a:lnTo>
-                <a:lnTo>
-                  <a:pt x="197" y="166"/>
-                </a:lnTo>
-                <a:lnTo>
-                  <a:pt x="197" y="95"/>
-                </a:lnTo>
-                <a:lnTo>
-                  <a:pt x="209" y="95"/>
-                </a:lnTo>
-                <a:close/>
-                <a:moveTo>
-                  <a:pt x="73" y="166"/>
-                </a:moveTo>
-                <a:lnTo>
-                  <a:pt x="49" y="166"/>
-                </a:lnTo>
-                <a:lnTo>
-                  <a:pt x="49" y="95"/>
-                </a:lnTo>
-                <a:lnTo>
-                  <a:pt x="73" y="95"/>
-                </a:lnTo>
-                <a:lnTo>
-                  <a:pt x="73" y="166"/>
-                </a:lnTo>
-                <a:close/>
-                <a:moveTo>
-                  <a:pt x="122" y="166"/>
-                </a:moveTo>
-                <a:lnTo>
-                  <a:pt x="99" y="166"/>
-                </a:lnTo>
-                <a:lnTo>
-                  <a:pt x="99" y="95"/>
-                </a:lnTo>
-                <a:lnTo>
-                  <a:pt x="122" y="95"/>
-                </a:lnTo>
-                <a:lnTo>
-                  <a:pt x="122" y="166"/>
-                </a:lnTo>
-                <a:close/>
-                <a:moveTo>
-                  <a:pt x="171" y="166"/>
-                </a:moveTo>
-                <a:lnTo>
-                  <a:pt x="148" y="166"/>
-                </a:lnTo>
-                <a:lnTo>
-                  <a:pt x="148" y="95"/>
-                </a:lnTo>
-                <a:lnTo>
-                  <a:pt x="171" y="95"/>
-                </a:lnTo>
-                <a:lnTo>
-                  <a:pt x="171" y="166"/>
-                </a:lnTo>
-                <a:close/>
-              </a:path>
-            </a:pathLst>
-          </a:custGeom>
-          <a:solidFill>
-            <a:schemeClr val="bg1"/>
-          </a:solidFill>
-          <a:ln>
-            <a:noFill/>
-          </a:ln>
-        </p:spPr>
-        <p:txBody>
-          <a:bodyPr vert="horz" wrap="square" lIns="91440" tIns="45720" rIns="91440" bIns="45720" numCol="1" anchor="t" anchorCtr="0" compatLnSpc="1"/>
-          <a:lstStyle/>
-          <a:p>
-            <a:endParaRPr lang="en-US">
-              <a:solidFill>
-                <a:schemeClr val="bg1"/>
-              </a:solidFill>
-              <a:latin typeface="+mn-ea"/>
-            </a:endParaRPr>
-          </a:p>
-        </p:txBody>
-      </p:sp>
     </p:spTree>
     <p:extLst>
       <p:ext uri="{BB962C8B-B14F-4D97-AF65-F5344CB8AC3E}">
@@ -14521,571 +8184,6 @@
                             </p:childTnLst>
                           </p:cTn>
                         </p:par>
-                        <p:par>
-                          <p:cTn id="20" fill="hold">
-                            <p:stCondLst>
-                              <p:cond delay="1500"/>
-                            </p:stCondLst>
-                            <p:childTnLst>
-                              <p:par>
-                                <p:cTn id="21" presetID="2" presetClass="entr" presetSubtype="4" accel="50000" decel="50000" fill="hold" nodeType="afterEffect">
-                                  <p:stCondLst>
-                                    <p:cond delay="0"/>
-                                  </p:stCondLst>
-                                  <p:childTnLst>
-                                    <p:set>
-                                      <p:cBhvr>
-                                        <p:cTn id="22" dur="1" fill="hold">
-                                          <p:stCondLst>
-                                            <p:cond delay="0"/>
-                                          </p:stCondLst>
-                                        </p:cTn>
-                                        <p:tgtEl>
-                                          <p:spTgt spid="15"/>
-                                        </p:tgtEl>
-                                        <p:attrNameLst>
-                                          <p:attrName>style.visibility</p:attrName>
-                                        </p:attrNameLst>
-                                      </p:cBhvr>
-                                      <p:to>
-                                        <p:strVal val="visible"/>
-                                      </p:to>
-                                    </p:set>
-                                    <p:anim calcmode="lin" valueType="num">
-                                      <p:cBhvr additive="base">
-                                        <p:cTn id="23" dur="500" fill="hold"/>
-                                        <p:tgtEl>
-                                          <p:spTgt spid="15"/>
-                                        </p:tgtEl>
-                                        <p:attrNameLst>
-                                          <p:attrName>ppt_x</p:attrName>
-                                        </p:attrNameLst>
-                                      </p:cBhvr>
-                                      <p:tavLst>
-                                        <p:tav tm="0">
-                                          <p:val>
-                                            <p:strVal val="#ppt_x"/>
-                                          </p:val>
-                                        </p:tav>
-                                        <p:tav tm="100000">
-                                          <p:val>
-                                            <p:strVal val="#ppt_x"/>
-                                          </p:val>
-                                        </p:tav>
-                                      </p:tavLst>
-                                    </p:anim>
-                                    <p:anim calcmode="lin" valueType="num">
-                                      <p:cBhvr additive="base">
-                                        <p:cTn id="24" dur="500" fill="hold"/>
-                                        <p:tgtEl>
-                                          <p:spTgt spid="15"/>
-                                        </p:tgtEl>
-                                        <p:attrNameLst>
-                                          <p:attrName>ppt_y</p:attrName>
-                                        </p:attrNameLst>
-                                      </p:cBhvr>
-                                      <p:tavLst>
-                                        <p:tav tm="0">
-                                          <p:val>
-                                            <p:strVal val="1+#ppt_h/2"/>
-                                          </p:val>
-                                        </p:tav>
-                                        <p:tav tm="100000">
-                                          <p:val>
-                                            <p:strVal val="#ppt_y"/>
-                                          </p:val>
-                                        </p:tav>
-                                      </p:tavLst>
-                                    </p:anim>
-                                  </p:childTnLst>
-                                </p:cTn>
-                              </p:par>
-                            </p:childTnLst>
-                          </p:cTn>
-                        </p:par>
-                        <p:par>
-                          <p:cTn id="25" fill="hold">
-                            <p:stCondLst>
-                              <p:cond delay="2000"/>
-                            </p:stCondLst>
-                            <p:childTnLst>
-                              <p:par>
-                                <p:cTn id="26" presetID="2" presetClass="entr" presetSubtype="4" accel="50000" decel="50000" fill="hold" nodeType="afterEffect">
-                                  <p:stCondLst>
-                                    <p:cond delay="0"/>
-                                  </p:stCondLst>
-                                  <p:childTnLst>
-                                    <p:set>
-                                      <p:cBhvr>
-                                        <p:cTn id="27" dur="1" fill="hold">
-                                          <p:stCondLst>
-                                            <p:cond delay="0"/>
-                                          </p:stCondLst>
-                                        </p:cTn>
-                                        <p:tgtEl>
-                                          <p:spTgt spid="20"/>
-                                        </p:tgtEl>
-                                        <p:attrNameLst>
-                                          <p:attrName>style.visibility</p:attrName>
-                                        </p:attrNameLst>
-                                      </p:cBhvr>
-                                      <p:to>
-                                        <p:strVal val="visible"/>
-                                      </p:to>
-                                    </p:set>
-                                    <p:anim calcmode="lin" valueType="num">
-                                      <p:cBhvr additive="base">
-                                        <p:cTn id="28" dur="500" fill="hold"/>
-                                        <p:tgtEl>
-                                          <p:spTgt spid="20"/>
-                                        </p:tgtEl>
-                                        <p:attrNameLst>
-                                          <p:attrName>ppt_x</p:attrName>
-                                        </p:attrNameLst>
-                                      </p:cBhvr>
-                                      <p:tavLst>
-                                        <p:tav tm="0">
-                                          <p:val>
-                                            <p:strVal val="#ppt_x"/>
-                                          </p:val>
-                                        </p:tav>
-                                        <p:tav tm="100000">
-                                          <p:val>
-                                            <p:strVal val="#ppt_x"/>
-                                          </p:val>
-                                        </p:tav>
-                                      </p:tavLst>
-                                    </p:anim>
-                                    <p:anim calcmode="lin" valueType="num">
-                                      <p:cBhvr additive="base">
-                                        <p:cTn id="29" dur="500" fill="hold"/>
-                                        <p:tgtEl>
-                                          <p:spTgt spid="20"/>
-                                        </p:tgtEl>
-                                        <p:attrNameLst>
-                                          <p:attrName>ppt_y</p:attrName>
-                                        </p:attrNameLst>
-                                      </p:cBhvr>
-                                      <p:tavLst>
-                                        <p:tav tm="0">
-                                          <p:val>
-                                            <p:strVal val="1+#ppt_h/2"/>
-                                          </p:val>
-                                        </p:tav>
-                                        <p:tav tm="100000">
-                                          <p:val>
-                                            <p:strVal val="#ppt_y"/>
-                                          </p:val>
-                                        </p:tav>
-                                      </p:tavLst>
-                                    </p:anim>
-                                  </p:childTnLst>
-                                </p:cTn>
-                              </p:par>
-                            </p:childTnLst>
-                          </p:cTn>
-                        </p:par>
-                        <p:par>
-                          <p:cTn id="30" fill="hold">
-                            <p:stCondLst>
-                              <p:cond delay="2500"/>
-                            </p:stCondLst>
-                            <p:childTnLst>
-                              <p:par>
-                                <p:cTn id="31" presetID="2" presetClass="entr" presetSubtype="4" accel="50000" decel="50000" fill="hold" nodeType="afterEffect">
-                                  <p:stCondLst>
-                                    <p:cond delay="0"/>
-                                  </p:stCondLst>
-                                  <p:childTnLst>
-                                    <p:set>
-                                      <p:cBhvr>
-                                        <p:cTn id="32" dur="1" fill="hold">
-                                          <p:stCondLst>
-                                            <p:cond delay="0"/>
-                                          </p:stCondLst>
-                                        </p:cTn>
-                                        <p:tgtEl>
-                                          <p:spTgt spid="25"/>
-                                        </p:tgtEl>
-                                        <p:attrNameLst>
-                                          <p:attrName>style.visibility</p:attrName>
-                                        </p:attrNameLst>
-                                      </p:cBhvr>
-                                      <p:to>
-                                        <p:strVal val="visible"/>
-                                      </p:to>
-                                    </p:set>
-                                    <p:anim calcmode="lin" valueType="num">
-                                      <p:cBhvr additive="base">
-                                        <p:cTn id="33" dur="500" fill="hold"/>
-                                        <p:tgtEl>
-                                          <p:spTgt spid="25"/>
-                                        </p:tgtEl>
-                                        <p:attrNameLst>
-                                          <p:attrName>ppt_x</p:attrName>
-                                        </p:attrNameLst>
-                                      </p:cBhvr>
-                                      <p:tavLst>
-                                        <p:tav tm="0">
-                                          <p:val>
-                                            <p:strVal val="#ppt_x"/>
-                                          </p:val>
-                                        </p:tav>
-                                        <p:tav tm="100000">
-                                          <p:val>
-                                            <p:strVal val="#ppt_x"/>
-                                          </p:val>
-                                        </p:tav>
-                                      </p:tavLst>
-                                    </p:anim>
-                                    <p:anim calcmode="lin" valueType="num">
-                                      <p:cBhvr additive="base">
-                                        <p:cTn id="34" dur="500" fill="hold"/>
-                                        <p:tgtEl>
-                                          <p:spTgt spid="25"/>
-                                        </p:tgtEl>
-                                        <p:attrNameLst>
-                                          <p:attrName>ppt_y</p:attrName>
-                                        </p:attrNameLst>
-                                      </p:cBhvr>
-                                      <p:tavLst>
-                                        <p:tav tm="0">
-                                          <p:val>
-                                            <p:strVal val="1+#ppt_h/2"/>
-                                          </p:val>
-                                        </p:tav>
-                                        <p:tav tm="100000">
-                                          <p:val>
-                                            <p:strVal val="#ppt_y"/>
-                                          </p:val>
-                                        </p:tav>
-                                      </p:tavLst>
-                                    </p:anim>
-                                  </p:childTnLst>
-                                </p:cTn>
-                              </p:par>
-                            </p:childTnLst>
-                          </p:cTn>
-                        </p:par>
-                        <p:par>
-                          <p:cTn id="35" fill="hold">
-                            <p:stCondLst>
-                              <p:cond delay="3000"/>
-                            </p:stCondLst>
-                            <p:childTnLst>
-                              <p:par>
-                                <p:cTn id="36" presetID="2" presetClass="entr" presetSubtype="4" accel="50000" decel="50000" fill="hold" nodeType="afterEffect">
-                                  <p:stCondLst>
-                                    <p:cond delay="0"/>
-                                  </p:stCondLst>
-                                  <p:childTnLst>
-                                    <p:set>
-                                      <p:cBhvr>
-                                        <p:cTn id="37" dur="1" fill="hold">
-                                          <p:stCondLst>
-                                            <p:cond delay="0"/>
-                                          </p:stCondLst>
-                                        </p:cTn>
-                                        <p:tgtEl>
-                                          <p:spTgt spid="30"/>
-                                        </p:tgtEl>
-                                        <p:attrNameLst>
-                                          <p:attrName>style.visibility</p:attrName>
-                                        </p:attrNameLst>
-                                      </p:cBhvr>
-                                      <p:to>
-                                        <p:strVal val="visible"/>
-                                      </p:to>
-                                    </p:set>
-                                    <p:anim calcmode="lin" valueType="num">
-                                      <p:cBhvr additive="base">
-                                        <p:cTn id="38" dur="500" fill="hold"/>
-                                        <p:tgtEl>
-                                          <p:spTgt spid="30"/>
-                                        </p:tgtEl>
-                                        <p:attrNameLst>
-                                          <p:attrName>ppt_x</p:attrName>
-                                        </p:attrNameLst>
-                                      </p:cBhvr>
-                                      <p:tavLst>
-                                        <p:tav tm="0">
-                                          <p:val>
-                                            <p:strVal val="#ppt_x"/>
-                                          </p:val>
-                                        </p:tav>
-                                        <p:tav tm="100000">
-                                          <p:val>
-                                            <p:strVal val="#ppt_x"/>
-                                          </p:val>
-                                        </p:tav>
-                                      </p:tavLst>
-                                    </p:anim>
-                                    <p:anim calcmode="lin" valueType="num">
-                                      <p:cBhvr additive="base">
-                                        <p:cTn id="39" dur="500" fill="hold"/>
-                                        <p:tgtEl>
-                                          <p:spTgt spid="30"/>
-                                        </p:tgtEl>
-                                        <p:attrNameLst>
-                                          <p:attrName>ppt_y</p:attrName>
-                                        </p:attrNameLst>
-                                      </p:cBhvr>
-                                      <p:tavLst>
-                                        <p:tav tm="0">
-                                          <p:val>
-                                            <p:strVal val="1+#ppt_h/2"/>
-                                          </p:val>
-                                        </p:tav>
-                                        <p:tav tm="100000">
-                                          <p:val>
-                                            <p:strVal val="#ppt_y"/>
-                                          </p:val>
-                                        </p:tav>
-                                      </p:tavLst>
-                                    </p:anim>
-                                  </p:childTnLst>
-                                </p:cTn>
-                              </p:par>
-                            </p:childTnLst>
-                          </p:cTn>
-                        </p:par>
-                        <p:par>
-                          <p:cTn id="40" fill="hold">
-                            <p:stCondLst>
-                              <p:cond delay="3500"/>
-                            </p:stCondLst>
-                            <p:childTnLst>
-                              <p:par>
-                                <p:cTn id="41" presetID="10" presetClass="entr" presetSubtype="0" fill="hold" grpId="0" nodeType="afterEffect">
-                                  <p:stCondLst>
-                                    <p:cond delay="0"/>
-                                  </p:stCondLst>
-                                  <p:childTnLst>
-                                    <p:set>
-                                      <p:cBhvr>
-                                        <p:cTn id="42" dur="1" fill="hold">
-                                          <p:stCondLst>
-                                            <p:cond delay="0"/>
-                                          </p:stCondLst>
-                                        </p:cTn>
-                                        <p:tgtEl>
-                                          <p:spTgt spid="35"/>
-                                        </p:tgtEl>
-                                        <p:attrNameLst>
-                                          <p:attrName>style.visibility</p:attrName>
-                                        </p:attrNameLst>
-                                      </p:cBhvr>
-                                      <p:to>
-                                        <p:strVal val="visible"/>
-                                      </p:to>
-                                    </p:set>
-                                    <p:animEffect transition="in" filter="fade">
-                                      <p:cBhvr>
-                                        <p:cTn id="43" dur="500"/>
-                                        <p:tgtEl>
-                                          <p:spTgt spid="35"/>
-                                        </p:tgtEl>
-                                      </p:cBhvr>
-                                    </p:animEffect>
-                                  </p:childTnLst>
-                                </p:cTn>
-                              </p:par>
-                              <p:par>
-                                <p:cTn id="44" presetID="10" presetClass="entr" presetSubtype="0" fill="hold" nodeType="withEffect">
-                                  <p:stCondLst>
-                                    <p:cond delay="0"/>
-                                  </p:stCondLst>
-                                  <p:childTnLst>
-                                    <p:set>
-                                      <p:cBhvr>
-                                        <p:cTn id="45" dur="1" fill="hold">
-                                          <p:stCondLst>
-                                            <p:cond delay="0"/>
-                                          </p:stCondLst>
-                                        </p:cTn>
-                                        <p:tgtEl>
-                                          <p:spTgt spid="36"/>
-                                        </p:tgtEl>
-                                        <p:attrNameLst>
-                                          <p:attrName>style.visibility</p:attrName>
-                                        </p:attrNameLst>
-                                      </p:cBhvr>
-                                      <p:to>
-                                        <p:strVal val="visible"/>
-                                      </p:to>
-                                    </p:set>
-                                    <p:animEffect transition="in" filter="fade">
-                                      <p:cBhvr>
-                                        <p:cTn id="46" dur="500"/>
-                                        <p:tgtEl>
-                                          <p:spTgt spid="36"/>
-                                        </p:tgtEl>
-                                      </p:cBhvr>
-                                    </p:animEffect>
-                                  </p:childTnLst>
-                                </p:cTn>
-                              </p:par>
-                              <p:par>
-                                <p:cTn id="47" presetID="10" presetClass="entr" presetSubtype="0" fill="hold" nodeType="withEffect">
-                                  <p:stCondLst>
-                                    <p:cond delay="0"/>
-                                  </p:stCondLst>
-                                  <p:childTnLst>
-                                    <p:set>
-                                      <p:cBhvr>
-                                        <p:cTn id="48" dur="1" fill="hold">
-                                          <p:stCondLst>
-                                            <p:cond delay="0"/>
-                                          </p:stCondLst>
-                                        </p:cTn>
-                                        <p:tgtEl>
-                                          <p:spTgt spid="39"/>
-                                        </p:tgtEl>
-                                        <p:attrNameLst>
-                                          <p:attrName>style.visibility</p:attrName>
-                                        </p:attrNameLst>
-                                      </p:cBhvr>
-                                      <p:to>
-                                        <p:strVal val="visible"/>
-                                      </p:to>
-                                    </p:set>
-                                    <p:animEffect transition="in" filter="fade">
-                                      <p:cBhvr>
-                                        <p:cTn id="49" dur="500"/>
-                                        <p:tgtEl>
-                                          <p:spTgt spid="39"/>
-                                        </p:tgtEl>
-                                      </p:cBhvr>
-                                    </p:animEffect>
-                                  </p:childTnLst>
-                                </p:cTn>
-                              </p:par>
-                              <p:par>
-                                <p:cTn id="50" presetID="10" presetClass="entr" presetSubtype="0" fill="hold" grpId="0" nodeType="withEffect">
-                                  <p:stCondLst>
-                                    <p:cond delay="0"/>
-                                  </p:stCondLst>
-                                  <p:childTnLst>
-                                    <p:set>
-                                      <p:cBhvr>
-                                        <p:cTn id="51" dur="1" fill="hold">
-                                          <p:stCondLst>
-                                            <p:cond delay="0"/>
-                                          </p:stCondLst>
-                                        </p:cTn>
-                                        <p:tgtEl>
-                                          <p:spTgt spid="43"/>
-                                        </p:tgtEl>
-                                        <p:attrNameLst>
-                                          <p:attrName>style.visibility</p:attrName>
-                                        </p:attrNameLst>
-                                      </p:cBhvr>
-                                      <p:to>
-                                        <p:strVal val="visible"/>
-                                      </p:to>
-                                    </p:set>
-                                    <p:animEffect transition="in" filter="fade">
-                                      <p:cBhvr>
-                                        <p:cTn id="52" dur="500"/>
-                                        <p:tgtEl>
-                                          <p:spTgt spid="43"/>
-                                        </p:tgtEl>
-                                      </p:cBhvr>
-                                    </p:animEffect>
-                                  </p:childTnLst>
-                                </p:cTn>
-                              </p:par>
-                            </p:childTnLst>
-                          </p:cTn>
-                        </p:par>
-                        <p:par>
-                          <p:cTn id="53" fill="hold">
-                            <p:stCondLst>
-                              <p:cond delay="4000"/>
-                            </p:stCondLst>
-                            <p:childTnLst>
-                              <p:par>
-                                <p:cTn id="54" presetID="18" presetClass="entr" presetSubtype="3" fill="hold" nodeType="afterEffect">
-                                  <p:stCondLst>
-                                    <p:cond delay="0"/>
-                                  </p:stCondLst>
-                                  <p:childTnLst>
-                                    <p:set>
-                                      <p:cBhvr>
-                                        <p:cTn id="55" dur="1" fill="hold">
-                                          <p:stCondLst>
-                                            <p:cond delay="0"/>
-                                          </p:stCondLst>
-                                        </p:cTn>
-                                        <p:tgtEl>
-                                          <p:spTgt spid="14"/>
-                                        </p:tgtEl>
-                                        <p:attrNameLst>
-                                          <p:attrName>style.visibility</p:attrName>
-                                        </p:attrNameLst>
-                                      </p:cBhvr>
-                                      <p:to>
-                                        <p:strVal val="visible"/>
-                                      </p:to>
-                                    </p:set>
-                                    <p:animEffect transition="in" filter="strips(upRight)">
-                                      <p:cBhvr>
-                                        <p:cTn id="56" dur="500"/>
-                                        <p:tgtEl>
-                                          <p:spTgt spid="14"/>
-                                        </p:tgtEl>
-                                      </p:cBhvr>
-                                    </p:animEffect>
-                                  </p:childTnLst>
-                                </p:cTn>
-                              </p:par>
-                            </p:childTnLst>
-                          </p:cTn>
-                        </p:par>
-                        <p:par>
-                          <p:cTn id="57" fill="hold">
-                            <p:stCondLst>
-                              <p:cond delay="4500"/>
-                            </p:stCondLst>
-                            <p:childTnLst>
-                              <p:par>
-                                <p:cTn id="58" presetID="10" presetClass="entr" presetSubtype="0" fill="hold" grpId="0" nodeType="afterEffect">
-                                  <p:stCondLst>
-                                    <p:cond delay="0"/>
-                                  </p:stCondLst>
-                                  <p:childTnLst>
-                                    <p:set>
-                                      <p:cBhvr>
-                                        <p:cTn id="59" dur="1" fill="hold">
-                                          <p:stCondLst>
-                                            <p:cond delay="0"/>
-                                          </p:stCondLst>
-                                        </p:cTn>
-                                        <p:tgtEl>
-                                          <p:spTgt spid="13"/>
-                                        </p:tgtEl>
-                                        <p:attrNameLst>
-                                          <p:attrName>style.visibility</p:attrName>
-                                        </p:attrNameLst>
-                                      </p:cBhvr>
-                                      <p:to>
-                                        <p:strVal val="visible"/>
-                                      </p:to>
-                                    </p:set>
-                                    <p:animEffect transition="in" filter="fade">
-                                      <p:cBhvr>
-                                        <p:cTn id="60" dur="500"/>
-                                        <p:tgtEl>
-                                          <p:spTgt spid="13"/>
-                                        </p:tgtEl>
-                                      </p:cBhvr>
-                                    </p:animEffect>
-                                  </p:childTnLst>
-                                </p:cTn>
-                              </p:par>
-                            </p:childTnLst>
-                          </p:cTn>
-                        </p:par>
                       </p:childTnLst>
                     </p:cTn>
                   </p:par>
@@ -15112,15 +8210,12 @@
     </p:tnLst>
     <p:bldLst>
       <p:bldP spid="5" grpId="0" animBg="1"/>
-      <p:bldP spid="13" grpId="0"/>
-      <p:bldP spid="35" grpId="0" animBg="1"/>
-      <p:bldP spid="43" grpId="0" animBg="1"/>
     </p:bldLst>
   </p:timing>
 </p:sld>
 </file>
 
-<file path=ppt/slides/slide12.xml><?xml version="1.0" encoding="utf-8"?>
+<file path=ppt/slides/slide11.xml><?xml version="1.0" encoding="utf-8"?>
 <p:sld xmlns:a="http://schemas.openxmlformats.org/drawingml/2006/main" xmlns:r="http://schemas.openxmlformats.org/officeDocument/2006/relationships" xmlns:p="http://schemas.openxmlformats.org/presentationml/2006/main">
   <p:cSld>
     <p:spTree>
@@ -16469,7 +9564,7 @@
 </p:sld>
 </file>
 
-<file path=ppt/slides/slide13.xml><?xml version="1.0" encoding="utf-8"?>
+<file path=ppt/slides/slide12.xml><?xml version="1.0" encoding="utf-8"?>
 <p:sld xmlns:a="http://schemas.openxmlformats.org/drawingml/2006/main" xmlns:r="http://schemas.openxmlformats.org/officeDocument/2006/relationships" xmlns:p="http://schemas.openxmlformats.org/presentationml/2006/main">
   <p:cSld>
     <p:spTree>
@@ -17326,7 +10421,7 @@
 </p:sld>
 </file>
 
-<file path=ppt/slides/slide14.xml><?xml version="1.0" encoding="utf-8"?>
+<file path=ppt/slides/slide13.xml><?xml version="1.0" encoding="utf-8"?>
 <p:sld xmlns:a="http://schemas.openxmlformats.org/drawingml/2006/main" xmlns:r="http://schemas.openxmlformats.org/officeDocument/2006/relationships" xmlns:p="http://schemas.openxmlformats.org/presentationml/2006/main">
   <p:cSld>
     <p:spTree>
@@ -19838,7 +12933,7 @@
 </p:sld>
 </file>
 
-<file path=ppt/slides/slide15.xml><?xml version="1.0" encoding="utf-8"?>
+<file path=ppt/slides/slide14.xml><?xml version="1.0" encoding="utf-8"?>
 <p:sld xmlns:a="http://schemas.openxmlformats.org/drawingml/2006/main" xmlns:r="http://schemas.openxmlformats.org/officeDocument/2006/relationships" xmlns:p="http://schemas.openxmlformats.org/presentationml/2006/main">
   <p:cSld>
     <p:spTree>
@@ -21168,7 +14263,7 @@
 </p:sld>
 </file>
 
-<file path=ppt/slides/slide16.xml><?xml version="1.0" encoding="utf-8"?>
+<file path=ppt/slides/slide15.xml><?xml version="1.0" encoding="utf-8"?>
 <p:sld xmlns:a="http://schemas.openxmlformats.org/drawingml/2006/main" xmlns:r="http://schemas.openxmlformats.org/officeDocument/2006/relationships" xmlns:p="http://schemas.openxmlformats.org/presentationml/2006/main">
   <p:cSld>
     <p:spTree>
@@ -23719,6 +16814,691 @@
 </p:sld>
 </file>
 
+<file path=ppt/slides/slide16.xml><?xml version="1.0" encoding="utf-8"?>
+<p:sld xmlns:a="http://schemas.openxmlformats.org/drawingml/2006/main" xmlns:r="http://schemas.openxmlformats.org/officeDocument/2006/relationships" xmlns:p="http://schemas.openxmlformats.org/presentationml/2006/main">
+  <p:cSld>
+    <p:spTree>
+      <p:nvGrpSpPr>
+        <p:cNvPr id="1" name=""/>
+        <p:cNvGrpSpPr/>
+        <p:nvPr/>
+      </p:nvGrpSpPr>
+      <p:grpSpPr>
+        <a:xfrm>
+          <a:off x="0" y="0"/>
+          <a:ext cx="0" cy="0"/>
+          <a:chOff x="0" y="0"/>
+          <a:chExt cx="0" cy="0"/>
+        </a:xfrm>
+      </p:grpSpPr>
+      <p:grpSp>
+        <p:nvGrpSpPr>
+          <p:cNvPr id="12" name="Group 16"/>
+          <p:cNvGrpSpPr/>
+          <p:nvPr/>
+        </p:nvGrpSpPr>
+        <p:grpSpPr>
+          <a:xfrm>
+            <a:off x="0" y="2677237"/>
+            <a:ext cx="4403469" cy="115214"/>
+            <a:chOff x="0" y="2341322"/>
+            <a:chExt cx="4403469" cy="115214"/>
+          </a:xfrm>
+        </p:grpSpPr>
+        <p:sp>
+          <p:nvSpPr>
+            <p:cNvPr id="13" name="Rectangle 12"/>
+            <p:cNvSpPr/>
+            <p:nvPr/>
+          </p:nvSpPr>
+          <p:spPr>
+            <a:xfrm>
+              <a:off x="0" y="2341322"/>
+              <a:ext cx="4403469" cy="45719"/>
+            </a:xfrm>
+            <a:prstGeom prst="rect">
+              <a:avLst/>
+            </a:prstGeom>
+            <a:solidFill>
+              <a:schemeClr val="tx2">
+                <a:lumMod val="75000"/>
+              </a:schemeClr>
+            </a:solidFill>
+            <a:ln>
+              <a:noFill/>
+            </a:ln>
+          </p:spPr>
+          <p:style>
+            <a:lnRef idx="2">
+              <a:schemeClr val="accent1">
+                <a:shade val="50000"/>
+              </a:schemeClr>
+            </a:lnRef>
+            <a:fillRef idx="1">
+              <a:schemeClr val="accent1"/>
+            </a:fillRef>
+            <a:effectRef idx="0">
+              <a:schemeClr val="accent1"/>
+            </a:effectRef>
+            <a:fontRef idx="minor">
+              <a:schemeClr val="lt1"/>
+            </a:fontRef>
+          </p:style>
+          <p:txBody>
+            <a:bodyPr rtlCol="0" anchor="ctr"/>
+            <a:lstStyle/>
+            <a:p>
+              <a:pPr algn="ctr"/>
+              <a:endParaRPr lang="en-US" dirty="0">
+                <a:latin typeface="+mn-ea"/>
+              </a:endParaRPr>
+            </a:p>
+          </p:txBody>
+        </p:sp>
+        <p:sp>
+          <p:nvSpPr>
+            <p:cNvPr id="14" name="Rectangle 14"/>
+            <p:cNvSpPr/>
+            <p:nvPr/>
+          </p:nvSpPr>
+          <p:spPr>
+            <a:xfrm>
+              <a:off x="3535074" y="2387041"/>
+              <a:ext cx="868395" cy="69495"/>
+            </a:xfrm>
+            <a:prstGeom prst="rect">
+              <a:avLst/>
+            </a:prstGeom>
+            <a:solidFill>
+              <a:schemeClr val="tx2">
+                <a:lumMod val="75000"/>
+              </a:schemeClr>
+            </a:solidFill>
+            <a:ln>
+              <a:noFill/>
+            </a:ln>
+          </p:spPr>
+          <p:style>
+            <a:lnRef idx="2">
+              <a:schemeClr val="accent1">
+                <a:shade val="50000"/>
+              </a:schemeClr>
+            </a:lnRef>
+            <a:fillRef idx="1">
+              <a:schemeClr val="accent1"/>
+            </a:fillRef>
+            <a:effectRef idx="0">
+              <a:schemeClr val="accent1"/>
+            </a:effectRef>
+            <a:fontRef idx="minor">
+              <a:schemeClr val="lt1"/>
+            </a:fontRef>
+          </p:style>
+          <p:txBody>
+            <a:bodyPr rtlCol="0" anchor="ctr"/>
+            <a:lstStyle/>
+            <a:p>
+              <a:pPr algn="ctr"/>
+              <a:endParaRPr lang="en-US" dirty="0">
+                <a:latin typeface="+mn-ea"/>
+              </a:endParaRPr>
+            </a:p>
+          </p:txBody>
+        </p:sp>
+      </p:grpSp>
+      <p:pic>
+        <p:nvPicPr>
+          <p:cNvPr id="15" name="Picture 2" descr="E:\BaiduYunDownload\01_扁平化合集\03_图片素材\05_城市建筑背景图集\城市风景 (35).jpg"/>
+          <p:cNvPicPr>
+            <a:picLocks noChangeAspect="1" noChangeArrowheads="1"/>
+          </p:cNvPicPr>
+          <p:nvPr/>
+        </p:nvPicPr>
+        <p:blipFill rotWithShape="1">
+          <a:blip r:embed="rId3" cstate="screen">
+            <a:extLst>
+              <a:ext uri="{28A0092B-C50C-407E-A947-70E740481C1C}">
+                <a14:useLocalDpi xmlns:a14="http://schemas.microsoft.com/office/drawing/2010/main"/>
+              </a:ext>
+            </a:extLst>
+          </a:blip>
+          <a:srcRect/>
+          <a:stretch>
+            <a:fillRect/>
+          </a:stretch>
+        </p:blipFill>
+        <p:spPr bwMode="auto">
+          <a:xfrm>
+            <a:off x="0" y="0"/>
+            <a:ext cx="9168703" cy="5143500"/>
+          </a:xfrm>
+          <a:prstGeom prst="rect">
+            <a:avLst/>
+          </a:prstGeom>
+          <a:noFill/>
+          <a:extLst>
+            <a:ext uri="{909E8E84-426E-40DD-AFC4-6F175D3DCCD1}">
+              <a14:hiddenFill xmlns:a14="http://schemas.microsoft.com/office/drawing/2010/main">
+                <a:solidFill>
+                  <a:srgbClr val="FFFFFF"/>
+                </a:solidFill>
+              </a14:hiddenFill>
+            </a:ext>
+          </a:extLst>
+        </p:spPr>
+      </p:pic>
+      <p:sp>
+        <p:nvSpPr>
+          <p:cNvPr id="16" name="Rectangle 27"/>
+          <p:cNvSpPr/>
+          <p:nvPr/>
+        </p:nvSpPr>
+        <p:spPr>
+          <a:xfrm>
+            <a:off x="-24703" y="861091"/>
+            <a:ext cx="9168703" cy="3053171"/>
+          </a:xfrm>
+          <a:prstGeom prst="rect">
+            <a:avLst/>
+          </a:prstGeom>
+          <a:solidFill>
+            <a:srgbClr val="073860">
+              <a:alpha val="83000"/>
+            </a:srgbClr>
+          </a:solidFill>
+          <a:ln>
+            <a:noFill/>
+          </a:ln>
+        </p:spPr>
+        <p:style>
+          <a:lnRef idx="2">
+            <a:schemeClr val="accent1">
+              <a:shade val="50000"/>
+            </a:schemeClr>
+          </a:lnRef>
+          <a:fillRef idx="1">
+            <a:schemeClr val="accent1"/>
+          </a:fillRef>
+          <a:effectRef idx="0">
+            <a:schemeClr val="accent1"/>
+          </a:effectRef>
+          <a:fontRef idx="minor">
+            <a:schemeClr val="lt1"/>
+          </a:fontRef>
+        </p:style>
+        <p:txBody>
+          <a:bodyPr rtlCol="0" anchor="ctr"/>
+          <a:lstStyle/>
+          <a:p>
+            <a:pPr algn="ctr"/>
+            <a:endParaRPr lang="en-US" dirty="0">
+              <a:latin typeface="+mn-ea"/>
+            </a:endParaRPr>
+          </a:p>
+        </p:txBody>
+      </p:sp>
+      <p:cxnSp>
+        <p:nvCxnSpPr>
+          <p:cNvPr id="11" name="直接连接符 10"/>
+          <p:cNvCxnSpPr/>
+          <p:nvPr/>
+        </p:nvCxnSpPr>
+        <p:spPr>
+          <a:xfrm>
+            <a:off x="1565248" y="2333081"/>
+            <a:ext cx="5904656" cy="0"/>
+          </a:xfrm>
+          <a:prstGeom prst="line">
+            <a:avLst/>
+          </a:prstGeom>
+          <a:ln w="19050">
+            <a:solidFill>
+              <a:schemeClr val="bg1"/>
+            </a:solidFill>
+          </a:ln>
+        </p:spPr>
+        <p:style>
+          <a:lnRef idx="1">
+            <a:schemeClr val="accent1"/>
+          </a:lnRef>
+          <a:fillRef idx="0">
+            <a:schemeClr val="accent1"/>
+          </a:fillRef>
+          <a:effectRef idx="0">
+            <a:schemeClr val="accent1"/>
+          </a:effectRef>
+          <a:fontRef idx="minor">
+            <a:schemeClr val="tx1"/>
+          </a:fontRef>
+        </p:style>
+      </p:cxnSp>
+      <p:grpSp>
+        <p:nvGrpSpPr>
+          <p:cNvPr id="18" name="组合 7"/>
+          <p:cNvGrpSpPr/>
+          <p:nvPr/>
+        </p:nvGrpSpPr>
+        <p:grpSpPr>
+          <a:xfrm>
+            <a:off x="2548611" y="1380690"/>
+            <a:ext cx="3388877" cy="1579350"/>
+            <a:chOff x="2877562" y="1869564"/>
+            <a:chExt cx="3388877" cy="1579350"/>
+          </a:xfrm>
+        </p:grpSpPr>
+        <p:sp>
+          <p:nvSpPr>
+            <p:cNvPr id="19" name="TextBox 5"/>
+            <p:cNvSpPr txBox="1"/>
+            <p:nvPr/>
+          </p:nvSpPr>
+          <p:spPr>
+            <a:xfrm>
+              <a:off x="3453153" y="1869564"/>
+              <a:ext cx="2558534" cy="923330"/>
+            </a:xfrm>
+            <a:prstGeom prst="rect">
+              <a:avLst/>
+            </a:prstGeom>
+            <a:noFill/>
+          </p:spPr>
+          <p:txBody>
+            <a:bodyPr wrap="square" rtlCol="0">
+              <a:spAutoFit/>
+            </a:bodyPr>
+            <a:lstStyle/>
+            <a:p>
+              <a:pPr algn="ctr"/>
+              <a:r>
+                <a:rPr lang="en-US" altLang="zh-CN" sz="5400" dirty="0" smtClean="0">
+                  <a:solidFill>
+                    <a:schemeClr val="bg1"/>
+                  </a:solidFill>
+                  <a:latin typeface="Impact" pitchFamily="34" charset="0"/>
+                </a:rPr>
+                <a:t>THANKS</a:t>
+              </a:r>
+              <a:endParaRPr lang="zh-CN" altLang="en-US" sz="5400" dirty="0">
+                <a:solidFill>
+                  <a:schemeClr val="bg1"/>
+                </a:solidFill>
+                <a:latin typeface="Impact" pitchFamily="34" charset="0"/>
+              </a:endParaRPr>
+            </a:p>
+          </p:txBody>
+        </p:sp>
+        <p:sp>
+          <p:nvSpPr>
+            <p:cNvPr id="20" name="矩形 6"/>
+            <p:cNvSpPr/>
+            <p:nvPr/>
+          </p:nvSpPr>
+          <p:spPr>
+            <a:xfrm>
+              <a:off x="2877562" y="2987249"/>
+              <a:ext cx="3388877" cy="461665"/>
+            </a:xfrm>
+            <a:prstGeom prst="rect">
+              <a:avLst/>
+            </a:prstGeom>
+          </p:spPr>
+          <p:txBody>
+            <a:bodyPr wrap="square">
+              <a:spAutoFit/>
+            </a:bodyPr>
+            <a:lstStyle/>
+            <a:p>
+              <a:pPr algn="ctr"/>
+              <a:r>
+                <a:rPr lang="en-US" altLang="zh-CN" sz="2400" dirty="0" smtClean="0">
+                  <a:solidFill>
+                    <a:schemeClr val="bg1"/>
+                  </a:solidFill>
+                  <a:latin typeface="张海山锐线体简" pitchFamily="2" charset="-122"/>
+                  <a:ea typeface="张海山锐线体简" pitchFamily="2" charset="-122"/>
+                </a:rPr>
+                <a:t>    I </a:t>
+              </a:r>
+              <a:r>
+                <a:rPr lang="en-US" altLang="zh-CN" sz="2400" dirty="0">
+                  <a:solidFill>
+                    <a:schemeClr val="bg1"/>
+                  </a:solidFill>
+                  <a:latin typeface="张海山锐线体简" pitchFamily="2" charset="-122"/>
+                  <a:ea typeface="张海山锐线体简" pitchFamily="2" charset="-122"/>
+                </a:rPr>
+                <a:t>will </a:t>
+              </a:r>
+              <a:r>
+                <a:rPr lang="en-US" altLang="zh-CN" sz="2400" dirty="0" smtClean="0">
+                  <a:solidFill>
+                    <a:schemeClr val="bg1"/>
+                  </a:solidFill>
+                  <a:latin typeface="张海山锐线体简" pitchFamily="2" charset="-122"/>
+                  <a:ea typeface="张海山锐线体简" pitchFamily="2" charset="-122"/>
+                </a:rPr>
+                <a:t>do my best</a:t>
+              </a:r>
+              <a:r>
+                <a:rPr lang="zh-CN" altLang="en-US" sz="2400" dirty="0" smtClean="0">
+                  <a:solidFill>
+                    <a:schemeClr val="bg1"/>
+                  </a:solidFill>
+                  <a:latin typeface="张海山锐线体简" pitchFamily="2" charset="-122"/>
+                  <a:ea typeface="张海山锐线体简" pitchFamily="2" charset="-122"/>
+                </a:rPr>
+                <a:t>！</a:t>
+              </a:r>
+              <a:endParaRPr lang="zh-CN" altLang="en-US" sz="2400" dirty="0">
+                <a:solidFill>
+                  <a:schemeClr val="bg1"/>
+                </a:solidFill>
+                <a:latin typeface="张海山锐线体简" pitchFamily="2" charset="-122"/>
+                <a:ea typeface="张海山锐线体简" pitchFamily="2" charset="-122"/>
+              </a:endParaRPr>
+            </a:p>
+          </p:txBody>
+        </p:sp>
+      </p:grpSp>
+    </p:spTree>
+    <p:extLst>
+      <p:ext uri="{BB962C8B-B14F-4D97-AF65-F5344CB8AC3E}">
+        <p14:creationId xmlns:p14="http://schemas.microsoft.com/office/powerpoint/2010/main" val="1253853916"/>
+      </p:ext>
+    </p:extLst>
+  </p:cSld>
+  <p:clrMapOvr>
+    <a:masterClrMapping/>
+  </p:clrMapOvr>
+  <mc:AlternateContent xmlns:mc="http://schemas.openxmlformats.org/markup-compatibility/2006" xmlns:p14="http://schemas.microsoft.com/office/powerpoint/2010/main">
+    <mc:Choice Requires="p14">
+      <p:transition spd="slow" p14:dur="900">
+        <p14:warp dir="in"/>
+      </p:transition>
+    </mc:Choice>
+    <mc:Fallback xmlns="">
+      <p:transition spd="slow">
+        <p:fade/>
+      </p:transition>
+    </mc:Fallback>
+  </mc:AlternateContent>
+  <p:timing>
+    <p:tnLst>
+      <p:par>
+        <p:cTn id="1" dur="indefinite" restart="never" nodeType="tmRoot">
+          <p:childTnLst>
+            <p:seq concurrent="1" nextAc="seek">
+              <p:cTn id="2" dur="indefinite" nodeType="mainSeq">
+                <p:childTnLst>
+                  <p:par>
+                    <p:cTn id="3" fill="hold">
+                      <p:stCondLst>
+                        <p:cond delay="indefinite"/>
+                        <p:cond evt="onBegin" delay="0">
+                          <p:tn val="2"/>
+                        </p:cond>
+                      </p:stCondLst>
+                      <p:childTnLst>
+                        <p:par>
+                          <p:cTn id="4" fill="hold">
+                            <p:stCondLst>
+                              <p:cond delay="0"/>
+                            </p:stCondLst>
+                            <p:childTnLst>
+                              <p:par>
+                                <p:cTn id="5" presetID="2" presetClass="entr" presetSubtype="8" fill="hold" grpId="0" nodeType="withEffect">
+                                  <p:stCondLst>
+                                    <p:cond delay="0"/>
+                                  </p:stCondLst>
+                                  <p:childTnLst>
+                                    <p:set>
+                                      <p:cBhvr>
+                                        <p:cTn id="6" dur="1" fill="hold">
+                                          <p:stCondLst>
+                                            <p:cond delay="0"/>
+                                          </p:stCondLst>
+                                        </p:cTn>
+                                        <p:tgtEl>
+                                          <p:spTgt spid="16"/>
+                                        </p:tgtEl>
+                                        <p:attrNameLst>
+                                          <p:attrName>style.visibility</p:attrName>
+                                        </p:attrNameLst>
+                                      </p:cBhvr>
+                                      <p:to>
+                                        <p:strVal val="visible"/>
+                                      </p:to>
+                                    </p:set>
+                                    <p:anim calcmode="lin" valueType="num">
+                                      <p:cBhvr additive="base">
+                                        <p:cTn id="7" dur="500" fill="hold"/>
+                                        <p:tgtEl>
+                                          <p:spTgt spid="16"/>
+                                        </p:tgtEl>
+                                        <p:attrNameLst>
+                                          <p:attrName>ppt_x</p:attrName>
+                                        </p:attrNameLst>
+                                      </p:cBhvr>
+                                      <p:tavLst>
+                                        <p:tav tm="0">
+                                          <p:val>
+                                            <p:strVal val="0-#ppt_w/2"/>
+                                          </p:val>
+                                        </p:tav>
+                                        <p:tav tm="100000">
+                                          <p:val>
+                                            <p:strVal val="#ppt_x"/>
+                                          </p:val>
+                                        </p:tav>
+                                      </p:tavLst>
+                                    </p:anim>
+                                    <p:anim calcmode="lin" valueType="num">
+                                      <p:cBhvr additive="base">
+                                        <p:cTn id="8" dur="500" fill="hold"/>
+                                        <p:tgtEl>
+                                          <p:spTgt spid="16"/>
+                                        </p:tgtEl>
+                                        <p:attrNameLst>
+                                          <p:attrName>ppt_y</p:attrName>
+                                        </p:attrNameLst>
+                                      </p:cBhvr>
+                                      <p:tavLst>
+                                        <p:tav tm="0">
+                                          <p:val>
+                                            <p:strVal val="#ppt_y"/>
+                                          </p:val>
+                                        </p:tav>
+                                        <p:tav tm="100000">
+                                          <p:val>
+                                            <p:strVal val="#ppt_y"/>
+                                          </p:val>
+                                        </p:tav>
+                                      </p:tavLst>
+                                    </p:anim>
+                                  </p:childTnLst>
+                                </p:cTn>
+                              </p:par>
+                            </p:childTnLst>
+                          </p:cTn>
+                        </p:par>
+                      </p:childTnLst>
+                    </p:cTn>
+                  </p:par>
+                  <p:par>
+                    <p:cTn id="9" fill="hold">
+                      <p:stCondLst>
+                        <p:cond delay="indefinite"/>
+                      </p:stCondLst>
+                      <p:childTnLst>
+                        <p:par>
+                          <p:cTn id="10" fill="hold">
+                            <p:stCondLst>
+                              <p:cond delay="0"/>
+                            </p:stCondLst>
+                            <p:childTnLst>
+                              <p:par>
+                                <p:cTn id="11" presetID="2" presetClass="entr" presetSubtype="8" fill="hold" nodeType="clickEffect">
+                                  <p:stCondLst>
+                                    <p:cond delay="0"/>
+                                  </p:stCondLst>
+                                  <p:iterate type="lt">
+                                    <p:tmPct val="10000"/>
+                                  </p:iterate>
+                                  <p:childTnLst>
+                                    <p:set>
+                                      <p:cBhvr>
+                                        <p:cTn id="12" dur="1" fill="hold">
+                                          <p:stCondLst>
+                                            <p:cond delay="0"/>
+                                          </p:stCondLst>
+                                        </p:cTn>
+                                        <p:tgtEl>
+                                          <p:spTgt spid="12"/>
+                                        </p:tgtEl>
+                                        <p:attrNameLst>
+                                          <p:attrName>style.visibility</p:attrName>
+                                        </p:attrNameLst>
+                                      </p:cBhvr>
+                                      <p:to>
+                                        <p:strVal val="visible"/>
+                                      </p:to>
+                                    </p:set>
+                                    <p:anim calcmode="lin" valueType="num">
+                                      <p:cBhvr additive="base">
+                                        <p:cTn id="13" dur="500" fill="hold"/>
+                                        <p:tgtEl>
+                                          <p:spTgt spid="12"/>
+                                        </p:tgtEl>
+                                        <p:attrNameLst>
+                                          <p:attrName>ppt_x</p:attrName>
+                                        </p:attrNameLst>
+                                      </p:cBhvr>
+                                      <p:tavLst>
+                                        <p:tav tm="0">
+                                          <p:val>
+                                            <p:strVal val="0-#ppt_w/2"/>
+                                          </p:val>
+                                        </p:tav>
+                                        <p:tav tm="100000">
+                                          <p:val>
+                                            <p:strVal val="#ppt_x"/>
+                                          </p:val>
+                                        </p:tav>
+                                      </p:tavLst>
+                                    </p:anim>
+                                    <p:anim calcmode="lin" valueType="num">
+                                      <p:cBhvr additive="base">
+                                        <p:cTn id="14" dur="500" fill="hold"/>
+                                        <p:tgtEl>
+                                          <p:spTgt spid="12"/>
+                                        </p:tgtEl>
+                                        <p:attrNameLst>
+                                          <p:attrName>ppt_y</p:attrName>
+                                        </p:attrNameLst>
+                                      </p:cBhvr>
+                                      <p:tavLst>
+                                        <p:tav tm="0">
+                                          <p:val>
+                                            <p:strVal val="#ppt_y"/>
+                                          </p:val>
+                                        </p:tav>
+                                        <p:tav tm="100000">
+                                          <p:val>
+                                            <p:strVal val="#ppt_y"/>
+                                          </p:val>
+                                        </p:tav>
+                                      </p:tavLst>
+                                    </p:anim>
+                                  </p:childTnLst>
+                                </p:cTn>
+                              </p:par>
+                            </p:childTnLst>
+                          </p:cTn>
+                        </p:par>
+                      </p:childTnLst>
+                    </p:cTn>
+                  </p:par>
+                  <p:par>
+                    <p:cTn id="15" fill="hold">
+                      <p:stCondLst>
+                        <p:cond delay="indefinite"/>
+                      </p:stCondLst>
+                      <p:childTnLst>
+                        <p:par>
+                          <p:cTn id="16" fill="hold">
+                            <p:stCondLst>
+                              <p:cond delay="0"/>
+                            </p:stCondLst>
+                            <p:childTnLst>
+                              <p:par>
+                                <p:cTn id="17" presetID="16" presetClass="entr" presetSubtype="21" fill="hold" nodeType="clickEffect">
+                                  <p:stCondLst>
+                                    <p:cond delay="0"/>
+                                  </p:stCondLst>
+                                  <p:childTnLst>
+                                    <p:set>
+                                      <p:cBhvr>
+                                        <p:cTn id="18" dur="1" fill="hold">
+                                          <p:stCondLst>
+                                            <p:cond delay="0"/>
+                                          </p:stCondLst>
+                                        </p:cTn>
+                                        <p:tgtEl>
+                                          <p:spTgt spid="11"/>
+                                        </p:tgtEl>
+                                        <p:attrNameLst>
+                                          <p:attrName>style.visibility</p:attrName>
+                                        </p:attrNameLst>
+                                      </p:cBhvr>
+                                      <p:to>
+                                        <p:strVal val="visible"/>
+                                      </p:to>
+                                    </p:set>
+                                    <p:animEffect transition="in" filter="barn(inVertical)">
+                                      <p:cBhvr>
+                                        <p:cTn id="19" dur="500"/>
+                                        <p:tgtEl>
+                                          <p:spTgt spid="11"/>
+                                        </p:tgtEl>
+                                      </p:cBhvr>
+                                    </p:animEffect>
+                                  </p:childTnLst>
+                                </p:cTn>
+                              </p:par>
+                            </p:childTnLst>
+                          </p:cTn>
+                        </p:par>
+                      </p:childTnLst>
+                    </p:cTn>
+                  </p:par>
+                </p:childTnLst>
+              </p:cTn>
+              <p:prevCondLst>
+                <p:cond evt="onPrev" delay="0">
+                  <p:tgtEl>
+                    <p:sldTgt/>
+                  </p:tgtEl>
+                </p:cond>
+              </p:prevCondLst>
+              <p:nextCondLst>
+                <p:cond evt="onNext" delay="0">
+                  <p:tgtEl>
+                    <p:sldTgt/>
+                  </p:tgtEl>
+                </p:cond>
+              </p:nextCondLst>
+            </p:seq>
+          </p:childTnLst>
+        </p:cTn>
+      </p:par>
+    </p:tnLst>
+    <p:bldLst>
+      <p:bldP spid="16" grpId="0" animBg="1"/>
+    </p:bldLst>
+  </p:timing>
+</p:sld>
+</file>
+
 <file path=ppt/slides/slide17.xml><?xml version="1.0" encoding="utf-8"?>
 <p:sld xmlns:a="http://schemas.openxmlformats.org/drawingml/2006/main" xmlns:r="http://schemas.openxmlformats.org/officeDocument/2006/relationships" xmlns:p="http://schemas.openxmlformats.org/presentationml/2006/main">
   <p:cSld>
@@ -25920,7 +19700,7 @@
         </p:nvSpPr>
         <p:spPr>
           <a:xfrm>
-            <a:off x="5776626" y="1750006"/>
+            <a:off x="5821597" y="1892412"/>
             <a:ext cx="1992953" cy="424732"/>
           </a:xfrm>
           <a:prstGeom prst="rect">
@@ -25973,13 +19753,13 @@
       </p:sp>
       <p:sp>
         <p:nvSpPr>
-          <p:cNvPr id="6" name="TextBox 21"/>
+          <p:cNvPr id="7" name="TextBox 22"/>
           <p:cNvSpPr txBox="1"/>
           <p:nvPr/>
         </p:nvSpPr>
         <p:spPr>
           <a:xfrm>
-            <a:off x="5776626" y="2305344"/>
+            <a:off x="5821596" y="2484177"/>
             <a:ext cx="1992953" cy="424732"/>
           </a:xfrm>
           <a:prstGeom prst="rect">
@@ -26082,7 +19862,7 @@
             <a:pPr algn="l"/>
             <a:r>
               <a:rPr lang="ja-JP" altLang="en-US" sz="2160" b="0" dirty="0" smtClean="0"/>
-              <a:t>仕事面</a:t>
+              <a:t>生活面</a:t>
             </a:r>
             <a:endParaRPr lang="zh-CN" altLang="en-US" sz="2160" b="0" dirty="0"/>
           </a:p>
@@ -26090,13 +19870,13 @@
       </p:sp>
       <p:sp>
         <p:nvSpPr>
-          <p:cNvPr id="7" name="TextBox 22"/>
+          <p:cNvPr id="8" name="TextBox 23"/>
           <p:cNvSpPr txBox="1"/>
           <p:nvPr/>
         </p:nvSpPr>
         <p:spPr>
           <a:xfrm>
-            <a:off x="5776626" y="2860681"/>
+            <a:off x="5821596" y="3692699"/>
             <a:ext cx="1992953" cy="424732"/>
           </a:xfrm>
           <a:prstGeom prst="rect">
@@ -26199,123 +19979,6 @@
             <a:pPr algn="l"/>
             <a:r>
               <a:rPr lang="ja-JP" altLang="en-US" sz="2160" b="0" dirty="0" smtClean="0"/>
-              <a:t>生活面</a:t>
-            </a:r>
-            <a:endParaRPr lang="zh-CN" altLang="en-US" sz="2160" b="0" dirty="0"/>
-          </a:p>
-        </p:txBody>
-      </p:sp>
-      <p:sp>
-        <p:nvSpPr>
-          <p:cNvPr id="8" name="TextBox 23"/>
-          <p:cNvSpPr txBox="1"/>
-          <p:nvPr/>
-        </p:nvSpPr>
-        <p:spPr>
-          <a:xfrm>
-            <a:off x="5776626" y="3416019"/>
-            <a:ext cx="1992953" cy="424732"/>
-          </a:xfrm>
-          <a:prstGeom prst="rect">
-            <a:avLst/>
-          </a:prstGeom>
-          <a:noFill/>
-          <a:ln w="12700">
-            <a:noFill/>
-          </a:ln>
-        </p:spPr>
-        <p:style>
-          <a:lnRef idx="2">
-            <a:schemeClr val="accent1"/>
-          </a:lnRef>
-          <a:fillRef idx="1">
-            <a:schemeClr val="lt1"/>
-          </a:fillRef>
-          <a:effectRef idx="0">
-            <a:schemeClr val="accent1"/>
-          </a:effectRef>
-          <a:fontRef idx="minor">
-            <a:schemeClr val="dk1"/>
-          </a:fontRef>
-        </p:style>
-        <p:txBody>
-          <a:bodyPr wrap="square" rtlCol="0">
-            <a:spAutoFit/>
-          </a:bodyPr>
-          <a:lstStyle>
-            <a:defPPr>
-              <a:defRPr lang="zh-CN"/>
-            </a:defPPr>
-            <a:lvl1pPr algn="ctr">
-              <a:defRPr sz="2400" b="1">
-                <a:solidFill>
-                  <a:srgbClr val="0070C0"/>
-                </a:solidFill>
-                <a:latin typeface="微软雅黑" panose="020B0503020204020204" pitchFamily="34" charset="-122"/>
-                <a:ea typeface="微软雅黑" panose="020B0503020204020204" pitchFamily="34" charset="-122"/>
-              </a:defRPr>
-            </a:lvl1pPr>
-            <a:lvl2pPr>
-              <a:defRPr>
-                <a:solidFill>
-                  <a:schemeClr val="dk1"/>
-                </a:solidFill>
-              </a:defRPr>
-            </a:lvl2pPr>
-            <a:lvl3pPr>
-              <a:defRPr>
-                <a:solidFill>
-                  <a:schemeClr val="dk1"/>
-                </a:solidFill>
-              </a:defRPr>
-            </a:lvl3pPr>
-            <a:lvl4pPr>
-              <a:defRPr>
-                <a:solidFill>
-                  <a:schemeClr val="dk1"/>
-                </a:solidFill>
-              </a:defRPr>
-            </a:lvl4pPr>
-            <a:lvl5pPr>
-              <a:defRPr>
-                <a:solidFill>
-                  <a:schemeClr val="dk1"/>
-                </a:solidFill>
-              </a:defRPr>
-            </a:lvl5pPr>
-            <a:lvl6pPr>
-              <a:defRPr>
-                <a:solidFill>
-                  <a:schemeClr val="dk1"/>
-                </a:solidFill>
-              </a:defRPr>
-            </a:lvl6pPr>
-            <a:lvl7pPr>
-              <a:defRPr>
-                <a:solidFill>
-                  <a:schemeClr val="dk1"/>
-                </a:solidFill>
-              </a:defRPr>
-            </a:lvl7pPr>
-            <a:lvl8pPr>
-              <a:defRPr>
-                <a:solidFill>
-                  <a:schemeClr val="dk1"/>
-                </a:solidFill>
-              </a:defRPr>
-            </a:lvl8pPr>
-            <a:lvl9pPr>
-              <a:defRPr>
-                <a:solidFill>
-                  <a:schemeClr val="dk1"/>
-                </a:solidFill>
-              </a:defRPr>
-            </a:lvl9pPr>
-          </a:lstStyle>
-          <a:p>
-            <a:pPr algn="l"/>
-            <a:r>
-              <a:rPr lang="ja-JP" altLang="en-US" sz="2160" b="0" dirty="0" smtClean="0"/>
               <a:t>来月の目標</a:t>
             </a:r>
             <a:endParaRPr lang="zh-CN" altLang="en-US" sz="2160" b="0" dirty="0"/>
@@ -26330,7 +19993,7 @@
         </p:nvGrpSpPr>
         <p:grpSpPr>
           <a:xfrm>
-            <a:off x="5258211" y="1792318"/>
+            <a:off x="5303182" y="1934724"/>
             <a:ext cx="388800" cy="321323"/>
             <a:chOff x="4284016" y="1850297"/>
             <a:chExt cx="432000" cy="357025"/>
@@ -26434,123 +20097,13 @@
       </p:grpSp>
       <p:grpSp>
         <p:nvGrpSpPr>
-          <p:cNvPr id="12" name="组合 11"/>
-          <p:cNvGrpSpPr/>
-          <p:nvPr/>
-        </p:nvGrpSpPr>
-        <p:grpSpPr>
-          <a:xfrm>
-            <a:off x="5258211" y="2288613"/>
-            <a:ext cx="388800" cy="388800"/>
-            <a:chOff x="4284016" y="2552498"/>
-            <a:chExt cx="432000" cy="432000"/>
-          </a:xfrm>
-        </p:grpSpPr>
-        <p:sp>
-          <p:nvSpPr>
-            <p:cNvPr id="13" name="平行四边形 45"/>
-            <p:cNvSpPr/>
-            <p:nvPr/>
-          </p:nvSpPr>
-          <p:spPr>
-            <a:xfrm>
-              <a:off x="4284016" y="2552498"/>
-              <a:ext cx="432000" cy="432000"/>
-            </a:xfrm>
-            <a:prstGeom prst="rect">
-              <a:avLst/>
-            </a:prstGeom>
-            <a:solidFill>
-              <a:srgbClr val="2272AB"/>
-            </a:solidFill>
-            <a:ln>
-              <a:noFill/>
-            </a:ln>
-          </p:spPr>
-          <p:style>
-            <a:lnRef idx="2">
-              <a:schemeClr val="accent1">
-                <a:shade val="50000"/>
-              </a:schemeClr>
-            </a:lnRef>
-            <a:fillRef idx="1">
-              <a:schemeClr val="accent1"/>
-            </a:fillRef>
-            <a:effectRef idx="0">
-              <a:schemeClr val="accent1"/>
-            </a:effectRef>
-            <a:fontRef idx="minor">
-              <a:schemeClr val="lt1"/>
-            </a:fontRef>
-          </p:style>
-          <p:txBody>
-            <a:bodyPr rtlCol="0" anchor="ctr"/>
-            <a:lstStyle/>
-            <a:p>
-              <a:pPr algn="ctr"/>
-              <a:endParaRPr lang="zh-CN" altLang="en-US" sz="1620" dirty="0">
-                <a:ea typeface="微软雅黑" panose="020B0503020204020204" pitchFamily="34" charset="-122"/>
-              </a:endParaRPr>
-            </a:p>
-          </p:txBody>
-        </p:sp>
-        <p:sp>
-          <p:nvSpPr>
-            <p:cNvPr id="14" name="TextBox 46"/>
-            <p:cNvSpPr txBox="1"/>
-            <p:nvPr/>
-          </p:nvSpPr>
-          <p:spPr>
-            <a:xfrm>
-              <a:off x="4388456" y="2618392"/>
-              <a:ext cx="223120" cy="300213"/>
-            </a:xfrm>
-            <a:prstGeom prst="rect">
-              <a:avLst/>
-            </a:prstGeom>
-            <a:noFill/>
-          </p:spPr>
-          <p:txBody>
-            <a:bodyPr wrap="none" rtlCol="0">
-              <a:prstTxWarp prst="textPlain">
-                <a:avLst/>
-              </a:prstTxWarp>
-              <a:spAutoFit/>
-            </a:bodyPr>
-            <a:lstStyle/>
-            <a:p>
-              <a:r>
-                <a:rPr lang="en-US" altLang="zh-CN" sz="3600" dirty="0">
-                  <a:solidFill>
-                    <a:schemeClr val="bg1"/>
-                  </a:solidFill>
-                  <a:latin typeface="Adobe 仿宋 Std R" panose="02020400000000000000" pitchFamily="18" charset="-122"/>
-                  <a:ea typeface="Adobe 仿宋 Std R" panose="02020400000000000000" pitchFamily="18" charset="-122"/>
-                  <a:cs typeface="Arial Unicode MS" pitchFamily="34" charset="-122"/>
-                </a:rPr>
-                <a:t>2</a:t>
-              </a:r>
-              <a:endParaRPr lang="zh-CN" altLang="en-US" sz="3600" dirty="0">
-                <a:solidFill>
-                  <a:schemeClr val="bg1"/>
-                </a:solidFill>
-                <a:latin typeface="Adobe 仿宋 Std R" panose="02020400000000000000" pitchFamily="18" charset="-122"/>
-                <a:ea typeface="Adobe 仿宋 Std R" panose="02020400000000000000" pitchFamily="18" charset="-122"/>
-                <a:cs typeface="Arial Unicode MS" pitchFamily="34" charset="-122"/>
-              </a:endParaRPr>
-            </a:p>
-          </p:txBody>
-        </p:sp>
-      </p:grpSp>
-      <p:grpSp>
-        <p:nvGrpSpPr>
           <p:cNvPr id="15" name="组合 14"/>
           <p:cNvGrpSpPr/>
           <p:nvPr/>
         </p:nvGrpSpPr>
         <p:grpSpPr>
           <a:xfrm>
-            <a:off x="5258211" y="2852385"/>
+            <a:off x="5303181" y="2475881"/>
             <a:ext cx="388800" cy="388800"/>
             <a:chOff x="4284016" y="3292187"/>
             <a:chExt cx="432000" cy="432000"/>
@@ -26630,7 +20183,7 @@
             <a:lstStyle/>
             <a:p>
               <a:r>
-                <a:rPr lang="en-US" altLang="zh-CN" sz="3600" dirty="0">
+                <a:rPr lang="en-US" altLang="zh-CN" sz="3600" dirty="0" smtClean="0">
                   <a:solidFill>
                     <a:schemeClr val="bg1"/>
                   </a:solidFill>
@@ -26638,7 +20191,7 @@
                   <a:ea typeface="Adobe 仿宋 Std R" panose="02020400000000000000" pitchFamily="18" charset="-122"/>
                   <a:cs typeface="Arial Unicode MS" pitchFamily="34" charset="-122"/>
                 </a:rPr>
-                <a:t>3</a:t>
+                <a:t>2</a:t>
               </a:r>
               <a:endParaRPr lang="zh-CN" altLang="en-US" sz="3600" dirty="0">
                 <a:solidFill>
@@ -26660,7 +20213,7 @@
         </p:nvGrpSpPr>
         <p:grpSpPr>
           <a:xfrm>
-            <a:off x="5258211" y="3416158"/>
+            <a:off x="5303181" y="3692838"/>
             <a:ext cx="388800" cy="388800"/>
             <a:chOff x="4284016" y="4031876"/>
             <a:chExt cx="432000" cy="432000"/>
@@ -26740,7 +20293,7 @@
             <a:lstStyle/>
             <a:p>
               <a:r>
-                <a:rPr lang="en-US" altLang="zh-CN" sz="3600" dirty="0">
+                <a:rPr lang="en-US" altLang="zh-CN" sz="3600" dirty="0" smtClean="0">
                   <a:solidFill>
                     <a:schemeClr val="bg1"/>
                   </a:solidFill>
@@ -26762,16 +20315,59 @@
           </p:txBody>
         </p:sp>
       </p:grpSp>
+      <p:pic>
+        <p:nvPicPr>
+          <p:cNvPr id="25" name="Picture 2" descr="C:\Users\Administrator\Desktop\png\20169_0000_-----2.png"/>
+          <p:cNvPicPr>
+            <a:picLocks noChangeAspect="1" noChangeArrowheads="1"/>
+          </p:cNvPicPr>
+          <p:nvPr/>
+        </p:nvPicPr>
+        <p:blipFill>
+          <a:blip r:embed="rId4" cstate="print">
+            <a:extLst>
+              <a:ext uri="{28A0092B-C50C-407E-A947-70E740481C1C}">
+                <a14:useLocalDpi xmlns:a14="http://schemas.microsoft.com/office/drawing/2010/main"/>
+              </a:ext>
+            </a:extLst>
+          </a:blip>
+          <a:stretch>
+            <a:fillRect/>
+          </a:stretch>
+        </p:blipFill>
+        <p:spPr bwMode="auto">
+          <a:xfrm>
+            <a:off x="4333843" y="832887"/>
+            <a:ext cx="1550324" cy="756458"/>
+          </a:xfrm>
+          <a:prstGeom prst="rect">
+            <a:avLst/>
+          </a:prstGeom>
+          <a:noFill/>
+          <a:ln>
+            <a:noFill/>
+          </a:ln>
+          <a:extLst>
+            <a:ext uri="{909E8E84-426E-40DD-AFC4-6F175D3DCCD1}">
+              <a14:hiddenFill xmlns:a14="http://schemas.microsoft.com/office/drawing/2010/main">
+                <a:solidFill>
+                  <a:srgbClr val="FFFFFF"/>
+                </a:solidFill>
+              </a14:hiddenFill>
+            </a:ext>
+          </a:extLst>
+        </p:spPr>
+      </p:pic>
       <p:sp>
         <p:nvSpPr>
-          <p:cNvPr id="21" name="TextBox 27"/>
+          <p:cNvPr id="26" name="TextBox 21"/>
           <p:cNvSpPr txBox="1"/>
           <p:nvPr/>
         </p:nvSpPr>
         <p:spPr>
           <a:xfrm>
-            <a:off x="5776626" y="3971359"/>
-            <a:ext cx="3108294" cy="461665"/>
+            <a:off x="5821596" y="3088438"/>
+            <a:ext cx="1992953" cy="424732"/>
           </a:xfrm>
           <a:prstGeom prst="rect">
             <a:avLst/>
@@ -26872,53 +20468,44 @@
           <a:p>
             <a:pPr algn="l"/>
             <a:r>
-              <a:rPr lang="ja-JP" altLang="en-US" b="0" dirty="0" smtClean="0">
-                <a:solidFill>
-                  <a:srgbClr val="A41A34"/>
-                </a:solidFill>
-              </a:rPr>
-              <a:t>ドラマ</a:t>
-            </a:r>
-            <a:endParaRPr lang="zh-CN" altLang="en-US" sz="2160" b="0" dirty="0">
-              <a:solidFill>
-                <a:srgbClr val="A41A34"/>
-              </a:solidFill>
-            </a:endParaRPr>
+              <a:rPr lang="ja-JP" altLang="en-US" sz="2160" b="0" dirty="0" smtClean="0"/>
+              <a:t>仕事面</a:t>
+            </a:r>
+            <a:endParaRPr lang="zh-CN" altLang="en-US" sz="2160" b="0" dirty="0"/>
           </a:p>
         </p:txBody>
       </p:sp>
       <p:grpSp>
         <p:nvGrpSpPr>
-          <p:cNvPr id="22" name="组合 21"/>
+          <p:cNvPr id="27" name="组合 11"/>
           <p:cNvGrpSpPr/>
           <p:nvPr/>
         </p:nvGrpSpPr>
         <p:grpSpPr>
           <a:xfrm>
-            <a:off x="5258211" y="3979931"/>
+            <a:off x="5303181" y="3071707"/>
             <a:ext cx="388800" cy="388800"/>
-            <a:chOff x="4284016" y="4667225"/>
+            <a:chOff x="4284016" y="2552498"/>
             <a:chExt cx="432000" cy="432000"/>
           </a:xfrm>
-          <a:solidFill>
-            <a:srgbClr val="C00000"/>
-          </a:solidFill>
         </p:grpSpPr>
         <p:sp>
           <p:nvSpPr>
-            <p:cNvPr id="23" name="平行四边形 28"/>
+            <p:cNvPr id="28" name="平行四边形 45"/>
             <p:cNvSpPr/>
             <p:nvPr/>
           </p:nvSpPr>
           <p:spPr>
             <a:xfrm>
-              <a:off x="4284016" y="4667225"/>
+              <a:off x="4284016" y="2552498"/>
               <a:ext cx="432000" cy="432000"/>
             </a:xfrm>
             <a:prstGeom prst="rect">
               <a:avLst/>
             </a:prstGeom>
-            <a:grpFill/>
+            <a:solidFill>
+              <a:srgbClr val="2272AB"/>
+            </a:solidFill>
             <a:ln>
               <a:noFill/>
             </a:ln>
@@ -26952,19 +20539,19 @@
         </p:sp>
         <p:sp>
           <p:nvSpPr>
-            <p:cNvPr id="24" name="TextBox 29"/>
+            <p:cNvPr id="29" name="TextBox 46"/>
             <p:cNvSpPr txBox="1"/>
             <p:nvPr/>
           </p:nvSpPr>
           <p:spPr>
             <a:xfrm>
-              <a:off x="4388456" y="4733119"/>
+              <a:off x="4388456" y="2618392"/>
               <a:ext cx="223120" cy="300213"/>
             </a:xfrm>
             <a:prstGeom prst="rect">
               <a:avLst/>
             </a:prstGeom>
-            <a:grpFill/>
+            <a:noFill/>
           </p:spPr>
           <p:txBody>
             <a:bodyPr wrap="none" rtlCol="0">
@@ -26976,7 +20563,7 @@
             <a:lstStyle/>
             <a:p>
               <a:r>
-                <a:rPr lang="en-US" altLang="zh-CN" sz="3600" b="1" dirty="0">
+                <a:rPr lang="en-US" altLang="zh-CN" sz="3600" dirty="0" smtClean="0">
                   <a:solidFill>
                     <a:schemeClr val="bg1"/>
                   </a:solidFill>
@@ -26984,9 +20571,9 @@
                   <a:ea typeface="Adobe 仿宋 Std R" panose="02020400000000000000" pitchFamily="18" charset="-122"/>
                   <a:cs typeface="Arial Unicode MS" pitchFamily="34" charset="-122"/>
                 </a:rPr>
-                <a:t>5</a:t>
+                <a:t>3</a:t>
               </a:r>
-              <a:endParaRPr lang="zh-CN" altLang="en-US" sz="3600" b="1" dirty="0">
+              <a:endParaRPr lang="zh-CN" altLang="en-US" sz="3600" dirty="0">
                 <a:solidFill>
                   <a:schemeClr val="bg1"/>
                 </a:solidFill>
@@ -26998,49 +20585,6 @@
           </p:txBody>
         </p:sp>
       </p:grpSp>
-      <p:pic>
-        <p:nvPicPr>
-          <p:cNvPr id="25" name="Picture 2" descr="C:\Users\Administrator\Desktop\png\20169_0000_-----2.png"/>
-          <p:cNvPicPr>
-            <a:picLocks noChangeAspect="1" noChangeArrowheads="1"/>
-          </p:cNvPicPr>
-          <p:nvPr/>
-        </p:nvPicPr>
-        <p:blipFill>
-          <a:blip r:embed="rId4" cstate="print">
-            <a:extLst>
-              <a:ext uri="{28A0092B-C50C-407E-A947-70E740481C1C}">
-                <a14:useLocalDpi xmlns:a14="http://schemas.microsoft.com/office/drawing/2010/main"/>
-              </a:ext>
-            </a:extLst>
-          </a:blip>
-          <a:stretch>
-            <a:fillRect/>
-          </a:stretch>
-        </p:blipFill>
-        <p:spPr bwMode="auto">
-          <a:xfrm>
-            <a:off x="4333843" y="832887"/>
-            <a:ext cx="1550324" cy="756458"/>
-          </a:xfrm>
-          <a:prstGeom prst="rect">
-            <a:avLst/>
-          </a:prstGeom>
-          <a:noFill/>
-          <a:ln>
-            <a:noFill/>
-          </a:ln>
-          <a:extLst>
-            <a:ext uri="{909E8E84-426E-40DD-AFC4-6F175D3DCCD1}">
-              <a14:hiddenFill xmlns:a14="http://schemas.microsoft.com/office/drawing/2010/main">
-                <a:solidFill>
-                  <a:srgbClr val="FFFFFF"/>
-                </a:solidFill>
-              </a14:hiddenFill>
-            </a:ext>
-          </a:extLst>
-        </p:spPr>
-      </p:pic>
     </p:spTree>
     <p:extLst>
       <p:ext uri="{BB962C8B-B14F-4D97-AF65-F5344CB8AC3E}">
@@ -27063,8 +20607,8 @@
       </p:transition>
     </mc:Fallback>
   </mc:AlternateContent>
-  <mc:AlternateContent xmlns:mc="http://schemas.openxmlformats.org/markup-compatibility/2006" xmlns:p14="http://schemas.microsoft.com/office/powerpoint/2010/main">
-    <mc:Choice Requires="p14">
+  <mc:AlternateContent xmlns:mc="http://schemas.openxmlformats.org/markup-compatibility/2006">
+    <mc:Choice xmlns:p14="http://schemas.microsoft.com/office/powerpoint/2010/main" Requires="p14">
       <p:timing>
         <p:tnLst>
           <p:par>
@@ -27307,7 +20851,7 @@
                                               </p:stCondLst>
                                             </p:cTn>
                                             <p:tgtEl>
-                                              <p:spTgt spid="12"/>
+                                              <p:spTgt spid="15"/>
                                             </p:tgtEl>
                                             <p:attrNameLst>
                                               <p:attrName>style.visibility</p:attrName>
@@ -27321,7 +20865,7 @@
                                           <p:cBhvr>
                                             <p:cTn id="23" dur="500"/>
                                             <p:tgtEl>
-                                              <p:spTgt spid="12"/>
+                                              <p:spTgt spid="15"/>
                                             </p:tgtEl>
                                           </p:cBhvr>
                                         </p:animEffect>
@@ -27342,7 +20886,7 @@
                                               </p:stCondLst>
                                             </p:cTn>
                                             <p:tgtEl>
-                                              <p:spTgt spid="6"/>
+                                              <p:spTgt spid="7"/>
                                             </p:tgtEl>
                                             <p:attrNameLst>
                                               <p:attrName>style.visibility</p:attrName>
@@ -27356,7 +20900,7 @@
                                           <p:cBhvr>
                                             <p:cTn id="26" dur="500"/>
                                             <p:tgtEl>
-                                              <p:spTgt spid="6"/>
+                                              <p:spTgt spid="7"/>
                                             </p:tgtEl>
                                           </p:cBhvr>
                                         </p:animEffect>
@@ -27386,7 +20930,7 @@
                                               </p:stCondLst>
                                             </p:cTn>
                                             <p:tgtEl>
-                                              <p:spTgt spid="15"/>
+                                              <p:spTgt spid="27"/>
                                             </p:tgtEl>
                                             <p:attrNameLst>
                                               <p:attrName>style.visibility</p:attrName>
@@ -27400,7 +20944,7 @@
                                           <p:cBhvr>
                                             <p:cTn id="30" dur="500"/>
                                             <p:tgtEl>
-                                              <p:spTgt spid="15"/>
+                                              <p:spTgt spid="27"/>
                                             </p:tgtEl>
                                           </p:cBhvr>
                                         </p:animEffect>
@@ -27421,7 +20965,7 @@
                                               </p:stCondLst>
                                             </p:cTn>
                                             <p:tgtEl>
-                                              <p:spTgt spid="7"/>
+                                              <p:spTgt spid="26"/>
                                             </p:tgtEl>
                                             <p:attrNameLst>
                                               <p:attrName>style.visibility</p:attrName>
@@ -27435,7 +20979,7 @@
                                           <p:cBhvr>
                                             <p:cTn id="33" dur="500"/>
                                             <p:tgtEl>
-                                              <p:spTgt spid="7"/>
+                                              <p:spTgt spid="26"/>
                                             </p:tgtEl>
                                           </p:cBhvr>
                                         </p:animEffect>
@@ -27524,85 +21068,6 @@
                                 </p:childTnLst>
                               </p:cTn>
                             </p:par>
-                            <p:par>
-                              <p:cTn id="41" fill="hold">
-                                <p:stCondLst>
-                                  <p:cond delay="3250"/>
-                                </p:stCondLst>
-                                <p:childTnLst>
-                                  <p:par>
-                                    <p:cTn id="42" presetID="10" presetClass="entr" presetSubtype="0" fill="hold" nodeType="afterEffect">
-                                      <p:stCondLst>
-                                        <p:cond delay="0"/>
-                                      </p:stCondLst>
-                                      <p:childTnLst>
-                                        <p:set>
-                                          <p:cBhvr>
-                                            <p:cTn id="43" dur="1" fill="hold">
-                                              <p:stCondLst>
-                                                <p:cond delay="0"/>
-                                              </p:stCondLst>
-                                            </p:cTn>
-                                            <p:tgtEl>
-                                              <p:spTgt spid="22"/>
-                                            </p:tgtEl>
-                                            <p:attrNameLst>
-                                              <p:attrName>style.visibility</p:attrName>
-                                            </p:attrNameLst>
-                                          </p:cBhvr>
-                                          <p:to>
-                                            <p:strVal val="visible"/>
-                                          </p:to>
-                                        </p:set>
-                                        <p:animEffect transition="in" filter="fade">
-                                          <p:cBhvr>
-                                            <p:cTn id="44" dur="500"/>
-                                            <p:tgtEl>
-                                              <p:spTgt spid="22"/>
-                                            </p:tgtEl>
-                                          </p:cBhvr>
-                                        </p:animEffect>
-                                      </p:childTnLst>
-                                    </p:cTn>
-                                  </p:par>
-                                  <p:par>
-                                    <p:cTn id="45" presetID="22" presetClass="entr" presetSubtype="8" fill="hold" grpId="0" nodeType="withEffect">
-                                      <p:stCondLst>
-                                        <p:cond delay="0"/>
-                                      </p:stCondLst>
-                                      <p:childTnLst>
-                                        <p:set>
-                                          <p:cBhvr>
-                                            <p:cTn id="46" dur="1" fill="hold">
-                                              <p:stCondLst>
-                                                <p:cond delay="0"/>
-                                              </p:stCondLst>
-                                            </p:cTn>
-                                            <p:tgtEl>
-                                              <p:spTgt spid="21"/>
-                                            </p:tgtEl>
-                                            <p:attrNameLst>
-                                              <p:attrName>style.visibility</p:attrName>
-                                            </p:attrNameLst>
-                                          </p:cBhvr>
-                                          <p:to>
-                                            <p:strVal val="visible"/>
-                                          </p:to>
-                                        </p:set>
-                                        <p:animEffect transition="in" filter="wipe(left)">
-                                          <p:cBhvr>
-                                            <p:cTn id="47" dur="500"/>
-                                            <p:tgtEl>
-                                              <p:spTgt spid="21"/>
-                                            </p:tgtEl>
-                                          </p:cBhvr>
-                                        </p:animEffect>
-                                      </p:childTnLst>
-                                    </p:cTn>
-                                  </p:par>
-                                </p:childTnLst>
-                              </p:cTn>
-                            </p:par>
                           </p:childTnLst>
                         </p:cTn>
                       </p:par>
@@ -27629,14 +21094,13 @@
         </p:tnLst>
         <p:bldLst>
           <p:bldP spid="5" grpId="0"/>
-          <p:bldP spid="6" grpId="0"/>
           <p:bldP spid="7" grpId="0"/>
           <p:bldP spid="8" grpId="0"/>
-          <p:bldP spid="21" grpId="0"/>
+          <p:bldP spid="26" grpId="0"/>
         </p:bldLst>
       </p:timing>
     </mc:Choice>
-    <mc:Fallback xmlns="">
+    <mc:Fallback>
       <p:timing>
         <p:tnLst>
           <p:par>
@@ -27879,7 +21343,7 @@
                                               </p:stCondLst>
                                             </p:cTn>
                                             <p:tgtEl>
-                                              <p:spTgt spid="12"/>
+                                              <p:spTgt spid="15"/>
                                             </p:tgtEl>
                                             <p:attrNameLst>
                                               <p:attrName>style.visibility</p:attrName>
@@ -27893,7 +21357,7 @@
                                           <p:cBhvr>
                                             <p:cTn id="23" dur="500"/>
                                             <p:tgtEl>
-                                              <p:spTgt spid="12"/>
+                                              <p:spTgt spid="15"/>
                                             </p:tgtEl>
                                           </p:cBhvr>
                                         </p:animEffect>
@@ -27914,7 +21378,7 @@
                                               </p:stCondLst>
                                             </p:cTn>
                                             <p:tgtEl>
-                                              <p:spTgt spid="6"/>
+                                              <p:spTgt spid="7"/>
                                             </p:tgtEl>
                                             <p:attrNameLst>
                                               <p:attrName>style.visibility</p:attrName>
@@ -27928,7 +21392,7 @@
                                           <p:cBhvr>
                                             <p:cTn id="26" dur="500"/>
                                             <p:tgtEl>
-                                              <p:spTgt spid="6"/>
+                                              <p:spTgt spid="7"/>
                                             </p:tgtEl>
                                           </p:cBhvr>
                                         </p:animEffect>
@@ -27958,7 +21422,7 @@
                                               </p:stCondLst>
                                             </p:cTn>
                                             <p:tgtEl>
-                                              <p:spTgt spid="15"/>
+                                              <p:spTgt spid="27"/>
                                             </p:tgtEl>
                                             <p:attrNameLst>
                                               <p:attrName>style.visibility</p:attrName>
@@ -27972,7 +21436,7 @@
                                           <p:cBhvr>
                                             <p:cTn id="30" dur="500"/>
                                             <p:tgtEl>
-                                              <p:spTgt spid="15"/>
+                                              <p:spTgt spid="27"/>
                                             </p:tgtEl>
                                           </p:cBhvr>
                                         </p:animEffect>
@@ -27993,7 +21457,7 @@
                                               </p:stCondLst>
                                             </p:cTn>
                                             <p:tgtEl>
-                                              <p:spTgt spid="7"/>
+                                              <p:spTgt spid="26"/>
                                             </p:tgtEl>
                                             <p:attrNameLst>
                                               <p:attrName>style.visibility</p:attrName>
@@ -28007,7 +21471,7 @@
                                           <p:cBhvr>
                                             <p:cTn id="33" dur="500"/>
                                             <p:tgtEl>
-                                              <p:spTgt spid="7"/>
+                                              <p:spTgt spid="26"/>
                                             </p:tgtEl>
                                           </p:cBhvr>
                                         </p:animEffect>
@@ -28096,85 +21560,6 @@
                                 </p:childTnLst>
                               </p:cTn>
                             </p:par>
-                            <p:par>
-                              <p:cTn id="41" fill="hold">
-                                <p:stCondLst>
-                                  <p:cond delay="3250"/>
-                                </p:stCondLst>
-                                <p:childTnLst>
-                                  <p:par>
-                                    <p:cTn id="42" presetID="10" presetClass="entr" presetSubtype="0" fill="hold" nodeType="afterEffect">
-                                      <p:stCondLst>
-                                        <p:cond delay="0"/>
-                                      </p:stCondLst>
-                                      <p:childTnLst>
-                                        <p:set>
-                                          <p:cBhvr>
-                                            <p:cTn id="43" dur="1" fill="hold">
-                                              <p:stCondLst>
-                                                <p:cond delay="0"/>
-                                              </p:stCondLst>
-                                            </p:cTn>
-                                            <p:tgtEl>
-                                              <p:spTgt spid="22"/>
-                                            </p:tgtEl>
-                                            <p:attrNameLst>
-                                              <p:attrName>style.visibility</p:attrName>
-                                            </p:attrNameLst>
-                                          </p:cBhvr>
-                                          <p:to>
-                                            <p:strVal val="visible"/>
-                                          </p:to>
-                                        </p:set>
-                                        <p:animEffect transition="in" filter="fade">
-                                          <p:cBhvr>
-                                            <p:cTn id="44" dur="500"/>
-                                            <p:tgtEl>
-                                              <p:spTgt spid="22"/>
-                                            </p:tgtEl>
-                                          </p:cBhvr>
-                                        </p:animEffect>
-                                      </p:childTnLst>
-                                    </p:cTn>
-                                  </p:par>
-                                  <p:par>
-                                    <p:cTn id="45" presetID="22" presetClass="entr" presetSubtype="8" fill="hold" grpId="0" nodeType="withEffect">
-                                      <p:stCondLst>
-                                        <p:cond delay="0"/>
-                                      </p:stCondLst>
-                                      <p:childTnLst>
-                                        <p:set>
-                                          <p:cBhvr>
-                                            <p:cTn id="46" dur="1" fill="hold">
-                                              <p:stCondLst>
-                                                <p:cond delay="0"/>
-                                              </p:stCondLst>
-                                            </p:cTn>
-                                            <p:tgtEl>
-                                              <p:spTgt spid="21"/>
-                                            </p:tgtEl>
-                                            <p:attrNameLst>
-                                              <p:attrName>style.visibility</p:attrName>
-                                            </p:attrNameLst>
-                                          </p:cBhvr>
-                                          <p:to>
-                                            <p:strVal val="visible"/>
-                                          </p:to>
-                                        </p:set>
-                                        <p:animEffect transition="in" filter="wipe(left)">
-                                          <p:cBhvr>
-                                            <p:cTn id="47" dur="500"/>
-                                            <p:tgtEl>
-                                              <p:spTgt spid="21"/>
-                                            </p:tgtEl>
-                                          </p:cBhvr>
-                                        </p:animEffect>
-                                      </p:childTnLst>
-                                    </p:cTn>
-                                  </p:par>
-                                </p:childTnLst>
-                              </p:cTn>
-                            </p:par>
                           </p:childTnLst>
                         </p:cTn>
                       </p:par>
@@ -28201,10 +21586,9 @@
         </p:tnLst>
         <p:bldLst>
           <p:bldP spid="5" grpId="0"/>
-          <p:bldP spid="6" grpId="0"/>
           <p:bldP spid="7" grpId="0"/>
           <p:bldP spid="8" grpId="0"/>
-          <p:bldP spid="21" grpId="0"/>
+          <p:bldP spid="26" grpId="0"/>
         </p:bldLst>
       </p:timing>
     </mc:Fallback>
@@ -28601,7 +21985,7 @@
     </p:spTree>
     <p:extLst>
       <p:ext uri="{BB962C8B-B14F-4D97-AF65-F5344CB8AC3E}">
-        <p14:creationId xmlns:p14="http://schemas.microsoft.com/office/powerpoint/2010/main" val="1253853916"/>
+        <p14:creationId xmlns:p14="http://schemas.microsoft.com/office/powerpoint/2010/main" val="1319044441"/>
       </p:ext>
     </p:extLst>
   </p:cSld>
@@ -32931,18 +26315,7 @@
                   </a:schemeClr>
                 </a:solidFill>
               </a:rPr>
-              <a:t>音楽</a:t>
-            </a:r>
-            <a:r>
-              <a:rPr lang="ja-JP" altLang="en-US" sz="1050" b="1" dirty="0" smtClean="0">
-                <a:solidFill>
-                  <a:schemeClr val="tx1">
-                    <a:lumMod val="65000"/>
-                    <a:lumOff val="35000"/>
-                  </a:schemeClr>
-                </a:solidFill>
-              </a:rPr>
-              <a:t>生成</a:t>
+              <a:t>音楽生成</a:t>
             </a:r>
             <a:r>
               <a:rPr lang="en-US" altLang="zh-CN" sz="1050" b="1" dirty="0" smtClean="0">
@@ -37957,29 +31330,8 @@
                 </a:solidFill>
                 <a:latin typeface="+mn-ea"/>
               </a:rPr>
-              <a:t>調査</a:t>
-            </a:r>
-            <a:r>
-              <a:rPr lang="ja-JP" altLang="en-US" sz="1600" b="1" dirty="0" smtClean="0">
-                <a:solidFill>
-                  <a:schemeClr val="tx1">
-                    <a:lumMod val="75000"/>
-                    <a:lumOff val="25000"/>
-                  </a:schemeClr>
-                </a:solidFill>
-                <a:latin typeface="+mn-ea"/>
-              </a:rPr>
-              <a:t>報告書</a:t>
-            </a:r>
-            <a:endParaRPr lang="ja-JP" altLang="en-US" sz="1600" b="1" dirty="0" smtClean="0">
-              <a:solidFill>
-                <a:schemeClr val="tx1">
-                  <a:lumMod val="75000"/>
-                  <a:lumOff val="25000"/>
-                </a:schemeClr>
-              </a:solidFill>
-              <a:latin typeface="+mn-ea"/>
-            </a:endParaRPr>
+              <a:t>調査報告書</a:t>
+            </a:r>
           </a:p>
           <a:p>
             <a:pPr defTabSz="914400">
@@ -38034,19 +31386,7 @@
                 </a:solidFill>
                 <a:latin typeface="+mn-ea"/>
               </a:rPr>
-              <a:t>に</a:t>
-            </a:r>
-            <a:r>
-              <a:rPr lang="ja-JP" altLang="en-US" sz="1050" b="1" dirty="0" smtClean="0">
-                <a:solidFill>
-                  <a:schemeClr val="tx1">
-                    <a:lumMod val="50000"/>
-                    <a:lumOff val="50000"/>
-                  </a:schemeClr>
-                </a:solidFill>
-                <a:latin typeface="+mn-ea"/>
-              </a:rPr>
-              <a:t>ついて調査しました、そしてレポートを作りました</a:t>
+              <a:t>について調査しました、そしてレポートを作りました</a:t>
             </a:r>
             <a:endParaRPr lang="en-US" altLang="zh-CN" sz="1050" b="1" dirty="0">
               <a:solidFill>
